--- a/Haskell04.pptx
+++ b/Haskell04.pptx
@@ -84,47 +84,48 @@
     <p:sldId id="478" r:id="rId78"/>
     <p:sldId id="519" r:id="rId79"/>
     <p:sldId id="520" r:id="rId80"/>
-    <p:sldId id="479" r:id="rId81"/>
-    <p:sldId id="480" r:id="rId82"/>
-    <p:sldId id="481" r:id="rId83"/>
-    <p:sldId id="486" r:id="rId84"/>
-    <p:sldId id="482" r:id="rId85"/>
-    <p:sldId id="485" r:id="rId86"/>
-    <p:sldId id="487" r:id="rId87"/>
-    <p:sldId id="483" r:id="rId88"/>
-    <p:sldId id="484" r:id="rId89"/>
-    <p:sldId id="488" r:id="rId90"/>
-    <p:sldId id="489" r:id="rId91"/>
-    <p:sldId id="491" r:id="rId92"/>
-    <p:sldId id="490" r:id="rId93"/>
-    <p:sldId id="492" r:id="rId94"/>
-    <p:sldId id="495" r:id="rId95"/>
-    <p:sldId id="493" r:id="rId96"/>
-    <p:sldId id="497" r:id="rId97"/>
-    <p:sldId id="498" r:id="rId98"/>
-    <p:sldId id="500" r:id="rId99"/>
-    <p:sldId id="499" r:id="rId100"/>
-    <p:sldId id="496" r:id="rId101"/>
-    <p:sldId id="501" r:id="rId102"/>
-    <p:sldId id="502" r:id="rId103"/>
-    <p:sldId id="503" r:id="rId104"/>
-    <p:sldId id="504" r:id="rId105"/>
-    <p:sldId id="505" r:id="rId106"/>
-    <p:sldId id="506" r:id="rId107"/>
-    <p:sldId id="507" r:id="rId108"/>
-    <p:sldId id="508" r:id="rId109"/>
-    <p:sldId id="509" r:id="rId110"/>
-    <p:sldId id="510" r:id="rId111"/>
-    <p:sldId id="511" r:id="rId112"/>
-    <p:sldId id="512" r:id="rId113"/>
-    <p:sldId id="513" r:id="rId114"/>
-    <p:sldId id="514" r:id="rId115"/>
-    <p:sldId id="515" r:id="rId116"/>
-    <p:sldId id="516" r:id="rId117"/>
-    <p:sldId id="517" r:id="rId118"/>
-    <p:sldId id="518" r:id="rId119"/>
-    <p:sldId id="521" r:id="rId120"/>
-    <p:sldId id="522" r:id="rId121"/>
+    <p:sldId id="523" r:id="rId81"/>
+    <p:sldId id="479" r:id="rId82"/>
+    <p:sldId id="480" r:id="rId83"/>
+    <p:sldId id="481" r:id="rId84"/>
+    <p:sldId id="486" r:id="rId85"/>
+    <p:sldId id="482" r:id="rId86"/>
+    <p:sldId id="485" r:id="rId87"/>
+    <p:sldId id="487" r:id="rId88"/>
+    <p:sldId id="483" r:id="rId89"/>
+    <p:sldId id="484" r:id="rId90"/>
+    <p:sldId id="488" r:id="rId91"/>
+    <p:sldId id="489" r:id="rId92"/>
+    <p:sldId id="491" r:id="rId93"/>
+    <p:sldId id="490" r:id="rId94"/>
+    <p:sldId id="492" r:id="rId95"/>
+    <p:sldId id="495" r:id="rId96"/>
+    <p:sldId id="493" r:id="rId97"/>
+    <p:sldId id="497" r:id="rId98"/>
+    <p:sldId id="498" r:id="rId99"/>
+    <p:sldId id="500" r:id="rId100"/>
+    <p:sldId id="499" r:id="rId101"/>
+    <p:sldId id="496" r:id="rId102"/>
+    <p:sldId id="501" r:id="rId103"/>
+    <p:sldId id="502" r:id="rId104"/>
+    <p:sldId id="503" r:id="rId105"/>
+    <p:sldId id="504" r:id="rId106"/>
+    <p:sldId id="505" r:id="rId107"/>
+    <p:sldId id="506" r:id="rId108"/>
+    <p:sldId id="507" r:id="rId109"/>
+    <p:sldId id="508" r:id="rId110"/>
+    <p:sldId id="509" r:id="rId111"/>
+    <p:sldId id="510" r:id="rId112"/>
+    <p:sldId id="511" r:id="rId113"/>
+    <p:sldId id="512" r:id="rId114"/>
+    <p:sldId id="513" r:id="rId115"/>
+    <p:sldId id="514" r:id="rId116"/>
+    <p:sldId id="515" r:id="rId117"/>
+    <p:sldId id="516" r:id="rId118"/>
+    <p:sldId id="517" r:id="rId119"/>
+    <p:sldId id="518" r:id="rId120"/>
+    <p:sldId id="521" r:id="rId121"/>
+    <p:sldId id="522" r:id="rId122"/>
   </p:sldIdLst>
   <p:sldSz cx="12192000" cy="6858000"/>
   <p:notesSz cx="6858000" cy="9144000"/>
@@ -733,7 +734,7 @@
           <a:p>
             <a:fld id="{43C3842F-D831-4913-9376-42A45A811385}" type="datetimeFigureOut">
               <a:rPr lang="en-CA" smtClean="0"/>
-              <a:t>2016-05-19</a:t>
+              <a:t>2016-05-28</a:t>
             </a:fld>
             <a:endParaRPr lang="en-CA"/>
           </a:p>
@@ -1029,7 +1030,7 @@
           <a:p>
             <a:fld id="{43C3842F-D831-4913-9376-42A45A811385}" type="datetimeFigureOut">
               <a:rPr lang="en-CA" smtClean="0"/>
-              <a:t>2016-05-19</a:t>
+              <a:t>2016-05-28</a:t>
             </a:fld>
             <a:endParaRPr lang="en-CA"/>
           </a:p>
@@ -1277,7 +1278,7 @@
           <a:p>
             <a:fld id="{43C3842F-D831-4913-9376-42A45A811385}" type="datetimeFigureOut">
               <a:rPr lang="en-CA" smtClean="0"/>
-              <a:t>2016-05-19</a:t>
+              <a:t>2016-05-28</a:t>
             </a:fld>
             <a:endParaRPr lang="en-CA"/>
           </a:p>
@@ -1817,7 +1818,7 @@
           <a:p>
             <a:fld id="{43C3842F-D831-4913-9376-42A45A811385}" type="datetimeFigureOut">
               <a:rPr lang="en-CA" smtClean="0"/>
-              <a:t>2016-05-19</a:t>
+              <a:t>2016-05-28</a:t>
             </a:fld>
             <a:endParaRPr lang="en-CA"/>
           </a:p>
@@ -2065,7 +2066,7 @@
           <a:p>
             <a:fld id="{43C3842F-D831-4913-9376-42A45A811385}" type="datetimeFigureOut">
               <a:rPr lang="en-CA" smtClean="0"/>
-              <a:t>2016-05-19</a:t>
+              <a:t>2016-05-28</a:t>
             </a:fld>
             <a:endParaRPr lang="en-CA"/>
           </a:p>
@@ -2597,7 +2598,7 @@
           <a:p>
             <a:fld id="{43C3842F-D831-4913-9376-42A45A811385}" type="datetimeFigureOut">
               <a:rPr lang="en-CA" smtClean="0"/>
-              <a:t>2016-05-19</a:t>
+              <a:t>2016-05-28</a:t>
             </a:fld>
             <a:endParaRPr lang="en-CA"/>
           </a:p>
@@ -2894,7 +2895,7 @@
           <a:p>
             <a:fld id="{43C3842F-D831-4913-9376-42A45A811385}" type="datetimeFigureOut">
               <a:rPr lang="en-CA" smtClean="0"/>
-              <a:t>2016-05-19</a:t>
+              <a:t>2016-05-28</a:t>
             </a:fld>
             <a:endParaRPr lang="en-CA"/>
           </a:p>
@@ -3068,7 +3069,7 @@
           <a:p>
             <a:fld id="{43C3842F-D831-4913-9376-42A45A811385}" type="datetimeFigureOut">
               <a:rPr lang="en-CA" smtClean="0"/>
-              <a:t>2016-05-19</a:t>
+              <a:t>2016-05-28</a:t>
             </a:fld>
             <a:endParaRPr lang="en-CA"/>
           </a:p>
@@ -3248,7 +3249,7 @@
           <a:p>
             <a:fld id="{43C3842F-D831-4913-9376-42A45A811385}" type="datetimeFigureOut">
               <a:rPr lang="en-CA" smtClean="0"/>
-              <a:t>2016-05-19</a:t>
+              <a:t>2016-05-28</a:t>
             </a:fld>
             <a:endParaRPr lang="en-CA"/>
           </a:p>
@@ -3418,7 +3419,7 @@
           <a:p>
             <a:fld id="{43C3842F-D831-4913-9376-42A45A811385}" type="datetimeFigureOut">
               <a:rPr lang="en-CA" smtClean="0"/>
-              <a:t>2016-05-19</a:t>
+              <a:t>2016-05-28</a:t>
             </a:fld>
             <a:endParaRPr lang="en-CA"/>
           </a:p>
@@ -3669,7 +3670,7 @@
           <a:p>
             <a:fld id="{43C3842F-D831-4913-9376-42A45A811385}" type="datetimeFigureOut">
               <a:rPr lang="en-CA" smtClean="0"/>
-              <a:t>2016-05-19</a:t>
+              <a:t>2016-05-28</a:t>
             </a:fld>
             <a:endParaRPr lang="en-CA"/>
           </a:p>
@@ -3966,7 +3967,7 @@
           <a:p>
             <a:fld id="{43C3842F-D831-4913-9376-42A45A811385}" type="datetimeFigureOut">
               <a:rPr lang="en-CA" smtClean="0"/>
-              <a:t>2016-05-19</a:t>
+              <a:t>2016-05-28</a:t>
             </a:fld>
             <a:endParaRPr lang="en-CA"/>
           </a:p>
@@ -4408,7 +4409,7 @@
           <a:p>
             <a:fld id="{43C3842F-D831-4913-9376-42A45A811385}" type="datetimeFigureOut">
               <a:rPr lang="en-CA" smtClean="0"/>
-              <a:t>2016-05-19</a:t>
+              <a:t>2016-05-28</a:t>
             </a:fld>
             <a:endParaRPr lang="en-CA"/>
           </a:p>
@@ -4526,7 +4527,7 @@
           <a:p>
             <a:fld id="{43C3842F-D831-4913-9376-42A45A811385}" type="datetimeFigureOut">
               <a:rPr lang="en-CA" smtClean="0"/>
-              <a:t>2016-05-19</a:t>
+              <a:t>2016-05-28</a:t>
             </a:fld>
             <a:endParaRPr lang="en-CA"/>
           </a:p>
@@ -4621,7 +4622,7 @@
           <a:p>
             <a:fld id="{43C3842F-D831-4913-9376-42A45A811385}" type="datetimeFigureOut">
               <a:rPr lang="en-CA" smtClean="0"/>
-              <a:t>2016-05-19</a:t>
+              <a:t>2016-05-28</a:t>
             </a:fld>
             <a:endParaRPr lang="en-CA"/>
           </a:p>
@@ -4904,7 +4905,7 @@
           <a:p>
             <a:fld id="{43C3842F-D831-4913-9376-42A45A811385}" type="datetimeFigureOut">
               <a:rPr lang="en-CA" smtClean="0"/>
-              <a:t>2016-05-19</a:t>
+              <a:t>2016-05-28</a:t>
             </a:fld>
             <a:endParaRPr lang="en-CA"/>
           </a:p>
@@ -5195,7 +5196,7 @@
           <a:p>
             <a:fld id="{43C3842F-D831-4913-9376-42A45A811385}" type="datetimeFigureOut">
               <a:rPr lang="en-CA" smtClean="0"/>
-              <a:t>2016-05-19</a:t>
+              <a:t>2016-05-28</a:t>
             </a:fld>
             <a:endParaRPr lang="en-CA"/>
           </a:p>
@@ -5725,7 +5726,7 @@
           <a:p>
             <a:fld id="{43C3842F-D831-4913-9376-42A45A811385}" type="datetimeFigureOut">
               <a:rPr lang="en-CA" smtClean="0"/>
-              <a:t>2016-05-19</a:t>
+              <a:t>2016-05-28</a:t>
             </a:fld>
             <a:endParaRPr lang="en-CA"/>
           </a:p>
@@ -6483,8 +6484,20 @@
           <a:lstStyle/>
           <a:p>
             <a:r>
-              <a:rPr lang="ko-KR" altLang="en-US" dirty="0" smtClean="0"/>
-              <a:t>조각조각 프로그래밍</a:t>
+              <a:rPr lang="ko-KR" altLang="en-US" dirty="0"/>
+              <a:t>나갈 때 따로</a:t>
+            </a:r>
+            <a:r>
+              <a:rPr lang="en-US" altLang="ko-KR" dirty="0"/>
+              <a:t>, </a:t>
+            </a:r>
+            <a:r>
+              <a:rPr lang="ko-KR" altLang="en-US" dirty="0"/>
+              <a:t>들어올 때 </a:t>
+            </a:r>
+            <a:r>
+              <a:rPr lang="ko-KR" altLang="en-US" dirty="0" smtClean="0"/>
+              <a:t>따로</a:t>
             </a:r>
             <a:r>
               <a:rPr lang="en-US" altLang="ko-KR" dirty="0" smtClean="0"/>
@@ -6495,9 +6508,12 @@
             </a:br>
             <a:r>
               <a:rPr lang="en-US" altLang="ko-KR" dirty="0" smtClean="0"/>
-              <a:t>Module</a:t>
-            </a:r>
-            <a:endParaRPr lang="en-CA" dirty="0"/>
+              <a:t>Main </a:t>
+            </a:r>
+            <a:r>
+              <a:rPr lang="en-US" altLang="ko-KR" dirty="0"/>
+              <a:t>&amp; I/O Type</a:t>
+            </a:r>
           </a:p>
         </p:txBody>
       </p:sp>
@@ -6517,94 +6533,78 @@
           <a:lstStyle/>
           <a:p>
             <a:r>
-              <a:rPr lang="ko-KR" altLang="en-US" dirty="0" smtClean="0"/>
-              <a:t>소스파일이 있는 폴더에 </a:t>
-            </a:r>
-            <a:r>
-              <a:rPr lang="en-US" altLang="ko-KR" dirty="0" err="1" smtClean="0"/>
-              <a:t>cmd</a:t>
-            </a:r>
-            <a:r>
-              <a:rPr lang="en-US" altLang="ko-KR" dirty="0" smtClean="0"/>
-              <a:t> </a:t>
-            </a:r>
-            <a:r>
-              <a:rPr lang="ko-KR" altLang="en-US" dirty="0" smtClean="0"/>
-              <a:t>창 </a:t>
-            </a:r>
-            <a:r>
-              <a:rPr lang="en-US" altLang="ko-KR" dirty="0" smtClean="0"/>
-              <a:t>(terminal </a:t>
-            </a:r>
-            <a:r>
-              <a:rPr lang="ko-KR" altLang="en-US" dirty="0" smtClean="0"/>
-              <a:t>창</a:t>
-            </a:r>
-            <a:r>
-              <a:rPr lang="en-US" altLang="ko-KR" dirty="0" smtClean="0"/>
-              <a:t>)</a:t>
-            </a:r>
-            <a:r>
-              <a:rPr lang="ko-KR" altLang="en-US" dirty="0" smtClean="0"/>
-              <a:t>을 연 뒤</a:t>
-            </a:r>
-            <a:r>
-              <a:rPr lang="en-US" altLang="ko-KR" dirty="0" smtClean="0"/>
-              <a:t>,</a:t>
-            </a:r>
-          </a:p>
-          <a:p>
-            <a:r>
-              <a:rPr lang="en-US" altLang="ko-KR" dirty="0" err="1" smtClean="0"/>
-              <a:t>ghc</a:t>
-            </a:r>
-            <a:r>
-              <a:rPr lang="en-US" altLang="ko-KR" dirty="0"/>
-              <a:t> </a:t>
-            </a:r>
-            <a:r>
-              <a:rPr lang="en-US" altLang="ko-KR" dirty="0" err="1" smtClean="0"/>
-              <a:t>HelloWorld.hs</a:t>
-            </a:r>
-            <a:endParaRPr lang="en-US" altLang="ko-KR" dirty="0"/>
-          </a:p>
-          <a:p>
-            <a:r>
-              <a:rPr lang="ko-KR" altLang="en-US" dirty="0" err="1" smtClean="0"/>
-              <a:t>를</a:t>
-            </a:r>
-            <a:r>
-              <a:rPr lang="ko-KR" altLang="en-US" dirty="0" smtClean="0"/>
-              <a:t> 치면 </a:t>
-            </a:r>
-            <a:r>
-              <a:rPr lang="en-US" altLang="ko-KR" dirty="0" smtClean="0"/>
-              <a:t>HelloWorld.exe (</a:t>
-            </a:r>
-            <a:r>
-              <a:rPr lang="ko-KR" altLang="en-US" dirty="0" smtClean="0"/>
-              <a:t>또는 </a:t>
-            </a:r>
-            <a:r>
-              <a:rPr lang="en-US" altLang="ko-KR" dirty="0" smtClean="0"/>
-              <a:t>HelloWorld)</a:t>
-            </a:r>
-            <a:r>
-              <a:rPr lang="ko-KR" altLang="en-US" dirty="0" smtClean="0"/>
-              <a:t>이라는 프로그램이 생성된다</a:t>
-            </a:r>
-            <a:r>
-              <a:rPr lang="en-US" altLang="ko-KR" dirty="0"/>
+              <a:rPr lang="en-US" altLang="ko-KR" dirty="0" smtClean="0"/>
+              <a:t>Module </a:t>
+            </a:r>
+            <a:r>
+              <a:rPr lang="ko-KR" altLang="en-US" dirty="0" smtClean="0"/>
+              <a:t>안에 </a:t>
+            </a:r>
+            <a:r>
+              <a:rPr lang="en-US" altLang="ko-KR" dirty="0" smtClean="0"/>
+              <a:t>main</a:t>
+            </a:r>
+            <a:r>
+              <a:rPr lang="ko-KR" altLang="en-US" dirty="0" smtClean="0"/>
+              <a:t>이라는 녀석의 정의가 있어야 한다</a:t>
+            </a:r>
+            <a:r>
+              <a:rPr lang="en-US" altLang="ko-KR" dirty="0" smtClean="0"/>
               <a:t>.</a:t>
             </a:r>
-            <a:endParaRPr lang="en-US" altLang="ko-KR" dirty="0" smtClean="0"/>
+          </a:p>
+          <a:p>
+            <a:r>
+              <a:rPr lang="en-US" altLang="ko-KR" dirty="0" smtClean="0">
+                <a:solidFill>
+                  <a:srgbClr val="00B050"/>
+                </a:solidFill>
+              </a:rPr>
+              <a:t>module Main where</a:t>
+            </a:r>
+            <a:br>
+              <a:rPr lang="en-US" altLang="ko-KR" dirty="0" smtClean="0">
+                <a:solidFill>
+                  <a:srgbClr val="00B050"/>
+                </a:solidFill>
+              </a:rPr>
+            </a:br>
+            <a:r>
+              <a:rPr lang="en-US" altLang="ko-KR" dirty="0" smtClean="0">
+                <a:solidFill>
+                  <a:srgbClr val="00B050"/>
+                </a:solidFill>
+              </a:rPr>
+              <a:t>main = </a:t>
+            </a:r>
+            <a:r>
+              <a:rPr lang="en-US" altLang="ko-KR" dirty="0" err="1" smtClean="0">
+                <a:solidFill>
+                  <a:srgbClr val="00B050"/>
+                </a:solidFill>
+              </a:rPr>
+              <a:t>putStrLn</a:t>
+            </a:r>
+            <a:r>
+              <a:rPr lang="en-US" altLang="ko-KR" dirty="0" smtClean="0">
+                <a:solidFill>
+                  <a:srgbClr val="00B050"/>
+                </a:solidFill>
+              </a:rPr>
+              <a:t> “hello world!”</a:t>
+            </a:r>
+            <a:endParaRPr lang="en-US" altLang="ko-KR" dirty="0">
+              <a:solidFill>
+                <a:srgbClr val="00B050"/>
+              </a:solidFill>
+            </a:endParaRPr>
           </a:p>
         </p:txBody>
       </p:sp>
     </p:spTree>
     <p:extLst>
       <p:ext uri="{BB962C8B-B14F-4D97-AF65-F5344CB8AC3E}">
-        <p14:creationId xmlns:p14="http://schemas.microsoft.com/office/powerpoint/2010/main" val="4133589772"/>
+        <p14:creationId xmlns:p14="http://schemas.microsoft.com/office/powerpoint/2010/main" val="3457752192"/>
       </p:ext>
     </p:extLst>
   </p:cSld>
@@ -6656,107 +6656,128 @@
           <a:lstStyle/>
           <a:p>
             <a:r>
-              <a:rPr lang="ko-KR" altLang="en-US" dirty="0"/>
-              <a:t>나갈 때 따로</a:t>
+              <a:rPr lang="ko-KR" altLang="en-US" dirty="0" smtClean="0"/>
+              <a:t>조각조각 프로그래밍</a:t>
+            </a:r>
+            <a:r>
+              <a:rPr lang="en-US" altLang="ko-KR" dirty="0" smtClean="0"/>
+              <a:t/>
+            </a:r>
+            <a:br>
+              <a:rPr lang="en-US" altLang="ko-KR" dirty="0" smtClean="0"/>
+            </a:br>
+            <a:r>
+              <a:rPr lang="en-US" altLang="ko-KR" dirty="0" smtClean="0"/>
+              <a:t>Module</a:t>
+            </a:r>
+            <a:endParaRPr lang="en-CA" dirty="0"/>
+          </a:p>
+        </p:txBody>
+      </p:sp>
+      <p:sp>
+        <p:nvSpPr>
+          <p:cNvPr id="3" name="내용 개체 틀 2"/>
+          <p:cNvSpPr>
+            <a:spLocks noGrp="1"/>
+          </p:cNvSpPr>
+          <p:nvPr>
+            <p:ph idx="1"/>
+          </p:nvPr>
+        </p:nvSpPr>
+        <p:spPr/>
+        <p:txBody>
+          <a:bodyPr/>
+          <a:lstStyle/>
+          <a:p>
+            <a:r>
+              <a:rPr lang="ko-KR" altLang="en-US" dirty="0" smtClean="0"/>
+              <a:t>소스파일이 있는 폴더에 </a:t>
+            </a:r>
+            <a:r>
+              <a:rPr lang="en-US" altLang="ko-KR" dirty="0" err="1" smtClean="0"/>
+              <a:t>cmd</a:t>
+            </a:r>
+            <a:r>
+              <a:rPr lang="en-US" altLang="ko-KR" dirty="0" smtClean="0"/>
+              <a:t> </a:t>
+            </a:r>
+            <a:r>
+              <a:rPr lang="ko-KR" altLang="en-US" dirty="0" smtClean="0"/>
+              <a:t>창 </a:t>
+            </a:r>
+            <a:r>
+              <a:rPr lang="en-US" altLang="ko-KR" dirty="0" smtClean="0"/>
+              <a:t>(terminal </a:t>
+            </a:r>
+            <a:r>
+              <a:rPr lang="ko-KR" altLang="en-US" dirty="0" smtClean="0"/>
+              <a:t>창</a:t>
+            </a:r>
+            <a:r>
+              <a:rPr lang="en-US" altLang="ko-KR" dirty="0" smtClean="0"/>
+              <a:t>)</a:t>
+            </a:r>
+            <a:r>
+              <a:rPr lang="ko-KR" altLang="en-US" dirty="0" smtClean="0"/>
+              <a:t>을 연 뒤</a:t>
+            </a:r>
+            <a:r>
+              <a:rPr lang="en-US" altLang="ko-KR" dirty="0" smtClean="0"/>
+              <a:t>,</a:t>
+            </a:r>
+          </a:p>
+          <a:p>
+            <a:r>
+              <a:rPr lang="en-US" altLang="ko-KR" dirty="0" err="1" smtClean="0"/>
+              <a:t>ghc</a:t>
             </a:r>
             <a:r>
               <a:rPr lang="en-US" altLang="ko-KR" dirty="0"/>
-              <a:t>, </a:t>
-            </a:r>
-            <a:r>
-              <a:rPr lang="ko-KR" altLang="en-US" dirty="0"/>
-              <a:t>들어올 때 </a:t>
-            </a:r>
-            <a:r>
-              <a:rPr lang="ko-KR" altLang="en-US" dirty="0" smtClean="0"/>
-              <a:t>따로</a:t>
-            </a:r>
-            <a:r>
-              <a:rPr lang="en-US" altLang="ko-KR" dirty="0" smtClean="0"/>
-              <a:t/>
-            </a:r>
-            <a:br>
-              <a:rPr lang="en-US" altLang="ko-KR" dirty="0" smtClean="0"/>
-            </a:br>
-            <a:r>
-              <a:rPr lang="en-US" altLang="ko-KR" dirty="0" smtClean="0"/>
-              <a:t>Main </a:t>
+              <a:t> </a:t>
+            </a:r>
+            <a:r>
+              <a:rPr lang="en-US" altLang="ko-KR" dirty="0" err="1" smtClean="0"/>
+              <a:t>HelloWorld.hs</a:t>
+            </a:r>
+            <a:endParaRPr lang="en-US" altLang="ko-KR" dirty="0"/>
+          </a:p>
+          <a:p>
+            <a:r>
+              <a:rPr lang="ko-KR" altLang="en-US" dirty="0" err="1" smtClean="0"/>
+              <a:t>를</a:t>
+            </a:r>
+            <a:r>
+              <a:rPr lang="ko-KR" altLang="en-US" dirty="0" smtClean="0"/>
+              <a:t> 치면 </a:t>
+            </a:r>
+            <a:r>
+              <a:rPr lang="en-US" altLang="ko-KR" dirty="0" smtClean="0"/>
+              <a:t>HelloWorld.exe (</a:t>
+            </a:r>
+            <a:r>
+              <a:rPr lang="ko-KR" altLang="en-US" dirty="0" smtClean="0"/>
+              <a:t>또는 </a:t>
+            </a:r>
+            <a:r>
+              <a:rPr lang="en-US" altLang="ko-KR" dirty="0" smtClean="0"/>
+              <a:t>HelloWorld)</a:t>
+            </a:r>
+            <a:r>
+              <a:rPr lang="ko-KR" altLang="en-US" dirty="0" smtClean="0"/>
+              <a:t>이라는 프로그램이 생성된다</a:t>
             </a:r>
             <a:r>
               <a:rPr lang="en-US" altLang="ko-KR" dirty="0"/>
-              <a:t>&amp; I/O Type</a:t>
-            </a:r>
-          </a:p>
-        </p:txBody>
-      </p:sp>
-      <p:sp>
-        <p:nvSpPr>
-          <p:cNvPr id="3" name="내용 개체 틀 2"/>
-          <p:cNvSpPr>
-            <a:spLocks noGrp="1"/>
-          </p:cNvSpPr>
-          <p:nvPr>
-            <p:ph idx="1"/>
-          </p:nvPr>
-        </p:nvSpPr>
-        <p:spPr/>
-        <p:txBody>
-          <a:bodyPr/>
-          <a:lstStyle/>
-          <a:p>
-            <a:r>
-              <a:rPr lang="ko-KR" altLang="en-US" dirty="0" smtClean="0"/>
-              <a:t>마침내 </a:t>
-            </a:r>
-            <a:r>
-              <a:rPr lang="en-US" altLang="ko-KR" dirty="0" smtClean="0"/>
-              <a:t>Hello World</a:t>
-            </a:r>
-            <a:r>
-              <a:rPr lang="ko-KR" altLang="en-US" dirty="0" smtClean="0"/>
-              <a:t>를 출력해보았다</a:t>
-            </a:r>
-            <a:r>
-              <a:rPr lang="en-US" altLang="ko-KR" dirty="0" smtClean="0"/>
-              <a:t>!</a:t>
-            </a:r>
-          </a:p>
-          <a:p>
-            <a:r>
-              <a:rPr lang="ko-KR" altLang="en-US" dirty="0" smtClean="0"/>
-              <a:t>그런데 대체 </a:t>
-            </a:r>
-            <a:r>
-              <a:rPr lang="en-US" altLang="ko-KR" dirty="0" err="1" smtClean="0"/>
-              <a:t>putStrLn</a:t>
-            </a:r>
-            <a:r>
-              <a:rPr lang="ko-KR" altLang="en-US" dirty="0" smtClean="0"/>
-              <a:t>은 무엇일까</a:t>
-            </a:r>
-            <a:r>
-              <a:rPr lang="en-US" altLang="ko-KR" dirty="0" smtClean="0"/>
-              <a:t>? main</a:t>
-            </a:r>
-            <a:r>
-              <a:rPr lang="ko-KR" altLang="en-US" dirty="0" smtClean="0"/>
-              <a:t>이라는 녀석은 무슨 </a:t>
-            </a:r>
-            <a:r>
-              <a:rPr lang="ko-KR" altLang="en-US" dirty="0" err="1" smtClean="0"/>
-              <a:t>타입인걸까</a:t>
-            </a:r>
-            <a:r>
-              <a:rPr lang="en-US" altLang="ko-KR" dirty="0" smtClean="0"/>
-              <a:t>?</a:t>
-            </a:r>
+              <a:t>.</a:t>
+            </a:r>
+            <a:endParaRPr lang="en-US" altLang="ko-KR" dirty="0" smtClean="0"/>
           </a:p>
         </p:txBody>
       </p:sp>
     </p:spTree>
     <p:extLst>
       <p:ext uri="{BB962C8B-B14F-4D97-AF65-F5344CB8AC3E}">
-        <p14:creationId xmlns:p14="http://schemas.microsoft.com/office/powerpoint/2010/main" val="2142758971"/>
+        <p14:creationId xmlns:p14="http://schemas.microsoft.com/office/powerpoint/2010/main" val="4133589772"/>
       </p:ext>
     </p:extLst>
   </p:cSld>
@@ -6857,27 +6878,58 @@
           <a:lstStyle/>
           <a:p>
             <a:r>
+              <a:rPr lang="ko-KR" altLang="en-US" dirty="0" smtClean="0"/>
+              <a:t>마침내 </a:t>
+            </a:r>
+            <a:r>
+              <a:rPr lang="en-US" altLang="ko-KR" dirty="0" smtClean="0"/>
+              <a:t>Hello World</a:t>
+            </a:r>
+            <a:r>
+              <a:rPr lang="ko-KR" altLang="en-US" dirty="0" smtClean="0"/>
+              <a:t>를 출력해보았다</a:t>
+            </a:r>
+            <a:r>
+              <a:rPr lang="en-US" altLang="ko-KR" dirty="0" smtClean="0"/>
+              <a:t>!</a:t>
+            </a:r>
+          </a:p>
+          <a:p>
+            <a:r>
+              <a:rPr lang="ko-KR" altLang="en-US" dirty="0" smtClean="0"/>
+              <a:t>그런데 대체 </a:t>
+            </a:r>
+            <a:r>
               <a:rPr lang="en-US" altLang="ko-KR" dirty="0" err="1" smtClean="0"/>
               <a:t>putStrLn</a:t>
             </a:r>
             <a:r>
-              <a:rPr lang="en-US" altLang="ko-KR" dirty="0" smtClean="0"/>
-              <a:t> :: String -&gt; IO ()</a:t>
-            </a:r>
-          </a:p>
-          <a:p>
-            <a:r>
-              <a:rPr lang="en-US" altLang="ko-KR" dirty="0" smtClean="0"/>
-              <a:t>main :: IO ()</a:t>
-            </a:r>
-            <a:endParaRPr lang="en-US" altLang="ko-KR" dirty="0"/>
+              <a:rPr lang="ko-KR" altLang="en-US" dirty="0" smtClean="0"/>
+              <a:t>은 무엇일까</a:t>
+            </a:r>
+            <a:r>
+              <a:rPr lang="en-US" altLang="ko-KR" dirty="0" smtClean="0"/>
+              <a:t>? main</a:t>
+            </a:r>
+            <a:r>
+              <a:rPr lang="ko-KR" altLang="en-US" dirty="0" smtClean="0"/>
+              <a:t>이라는 녀석은 무슨 </a:t>
+            </a:r>
+            <a:r>
+              <a:rPr lang="ko-KR" altLang="en-US" dirty="0" err="1" smtClean="0"/>
+              <a:t>타입인걸까</a:t>
+            </a:r>
+            <a:r>
+              <a:rPr lang="en-US" altLang="ko-KR" dirty="0" smtClean="0"/>
+              <a:t>?</a:t>
+            </a:r>
           </a:p>
         </p:txBody>
       </p:sp>
     </p:spTree>
     <p:extLst>
       <p:ext uri="{BB962C8B-B14F-4D97-AF65-F5344CB8AC3E}">
-        <p14:creationId xmlns:p14="http://schemas.microsoft.com/office/powerpoint/2010/main" val="1307507259"/>
+        <p14:creationId xmlns:p14="http://schemas.microsoft.com/office/powerpoint/2010/main" val="2142758971"/>
       </p:ext>
     </p:extLst>
   </p:cSld>
@@ -6978,118 +7030,27 @@
           <a:lstStyle/>
           <a:p>
             <a:r>
-              <a:rPr lang="en-US" altLang="ko-KR" dirty="0" smtClean="0"/>
-              <a:t>IO?</a:t>
-            </a:r>
-          </a:p>
-          <a:p>
-            <a:pPr lvl="1"/>
-            <a:r>
-              <a:rPr lang="ko-KR" altLang="en-US" dirty="0" smtClean="0"/>
-              <a:t>새로운 </a:t>
-            </a:r>
-            <a:r>
-              <a:rPr lang="en-US" altLang="ko-KR" dirty="0" smtClean="0"/>
-              <a:t>Wrapper!</a:t>
-            </a:r>
-          </a:p>
-          <a:p>
-            <a:r>
-              <a:rPr lang="en-US" altLang="ko-KR" dirty="0" smtClean="0"/>
-              <a:t>IO</a:t>
-            </a:r>
-            <a:r>
-              <a:rPr lang="ko-KR" altLang="en-US" dirty="0"/>
-              <a:t> </a:t>
-            </a:r>
-            <a:r>
-              <a:rPr lang="en-US" altLang="ko-KR" dirty="0" smtClean="0"/>
-              <a:t>a</a:t>
-            </a:r>
-            <a:r>
-              <a:rPr lang="ko-KR" altLang="en-US" dirty="0" smtClean="0"/>
-              <a:t>는 </a:t>
-            </a:r>
-            <a:r>
               <a:rPr lang="en-US" altLang="ko-KR" dirty="0" err="1" smtClean="0"/>
-              <a:t>Input/Output</a:t>
-            </a:r>
-            <a:r>
-              <a:rPr lang="ko-KR" altLang="en-US" dirty="0" smtClean="0"/>
-              <a:t>을 수행한 결과값이 </a:t>
-            </a:r>
-            <a:r>
-              <a:rPr lang="en-US" altLang="ko-KR" dirty="0" smtClean="0"/>
-              <a:t>a</a:t>
-            </a:r>
-            <a:r>
-              <a:rPr lang="ko-KR" altLang="en-US" dirty="0"/>
-              <a:t> </a:t>
-            </a:r>
-            <a:r>
-              <a:rPr lang="en-US" altLang="ko-KR" dirty="0" smtClean="0"/>
-              <a:t>Type</a:t>
-            </a:r>
-            <a:r>
-              <a:rPr lang="ko-KR" altLang="en-US" dirty="0" smtClean="0"/>
-              <a:t>임을 이야기한다</a:t>
-            </a:r>
-            <a:r>
-              <a:rPr lang="en-US" altLang="ko-KR" dirty="0" smtClean="0"/>
-              <a:t>.</a:t>
-            </a:r>
-          </a:p>
-          <a:p>
-            <a:r>
-              <a:rPr lang="en-US" altLang="ko-KR" dirty="0" smtClean="0"/>
-              <a:t>IO</a:t>
-            </a:r>
-            <a:r>
-              <a:rPr lang="ko-KR" altLang="en-US" dirty="0" smtClean="0"/>
-              <a:t>는 </a:t>
-            </a:r>
-            <a:r>
-              <a:rPr lang="en-US" altLang="ko-KR" dirty="0" smtClean="0"/>
-              <a:t>Data Constructor</a:t>
-            </a:r>
-            <a:r>
-              <a:rPr lang="ko-KR" altLang="en-US" dirty="0" smtClean="0"/>
-              <a:t>를 외부로 노출하지 않는다</a:t>
-            </a:r>
-            <a:r>
-              <a:rPr lang="en-US" altLang="ko-KR" dirty="0" smtClean="0"/>
-              <a:t>!</a:t>
-            </a:r>
-          </a:p>
-          <a:p>
-            <a:pPr lvl="1"/>
-            <a:r>
-              <a:rPr lang="en-US" altLang="ko-KR" dirty="0" smtClean="0"/>
-              <a:t>Pattern Matching</a:t>
-            </a:r>
-            <a:r>
-              <a:rPr lang="ko-KR" altLang="en-US" dirty="0" smtClean="0"/>
-              <a:t>으로 </a:t>
-            </a:r>
-            <a:r>
-              <a:rPr lang="en-US" altLang="ko-KR" dirty="0" smtClean="0"/>
-              <a:t>IO</a:t>
-            </a:r>
-            <a:r>
-              <a:rPr lang="ko-KR" altLang="en-US" dirty="0" smtClean="0"/>
-              <a:t>를 사용할 수 없다</a:t>
-            </a:r>
-            <a:r>
-              <a:rPr lang="en-US" altLang="ko-KR" dirty="0" smtClean="0"/>
-              <a:t>!</a:t>
-            </a:r>
+              <a:t>putStrLn</a:t>
+            </a:r>
+            <a:r>
+              <a:rPr lang="en-US" altLang="ko-KR" dirty="0" smtClean="0"/>
+              <a:t> :: String -&gt; IO ()</a:t>
+            </a:r>
+          </a:p>
+          <a:p>
+            <a:r>
+              <a:rPr lang="en-US" altLang="ko-KR" dirty="0" smtClean="0"/>
+              <a:t>main :: IO ()</a:t>
+            </a:r>
+            <a:endParaRPr lang="en-US" altLang="ko-KR" dirty="0"/>
           </a:p>
         </p:txBody>
       </p:sp>
     </p:spTree>
     <p:extLst>
       <p:ext uri="{BB962C8B-B14F-4D97-AF65-F5344CB8AC3E}">
-        <p14:creationId xmlns:p14="http://schemas.microsoft.com/office/powerpoint/2010/main" val="1186636615"/>
+        <p14:creationId xmlns:p14="http://schemas.microsoft.com/office/powerpoint/2010/main" val="1307507259"/>
       </p:ext>
     </p:extLst>
   </p:cSld>
@@ -7191,49 +7152,109 @@
           <a:p>
             <a:r>
               <a:rPr lang="en-US" altLang="ko-KR" dirty="0" smtClean="0"/>
-              <a:t>()?</a:t>
+              <a:t>IO?</a:t>
             </a:r>
           </a:p>
           <a:p>
             <a:pPr lvl="1"/>
             <a:r>
-              <a:rPr lang="en-US" altLang="ko-KR" dirty="0" smtClean="0"/>
-              <a:t>C</a:t>
-            </a:r>
-            <a:r>
-              <a:rPr lang="ko-KR" altLang="en-US" dirty="0" smtClean="0"/>
-              <a:t>의 </a:t>
-            </a:r>
-            <a:r>
-              <a:rPr lang="en-US" altLang="ko-KR" dirty="0" smtClean="0"/>
-              <a:t>void</a:t>
-            </a:r>
-            <a:r>
-              <a:rPr lang="ko-KR" altLang="en-US" dirty="0" smtClean="0"/>
-              <a:t>와 같은 </a:t>
+              <a:rPr lang="ko-KR" altLang="en-US" dirty="0" smtClean="0"/>
+              <a:t>새로운 </a:t>
+            </a:r>
+            <a:r>
+              <a:rPr lang="en-US" altLang="ko-KR" dirty="0" smtClean="0"/>
+              <a:t>Wrapper!</a:t>
+            </a:r>
+          </a:p>
+          <a:p>
+            <a:r>
+              <a:rPr lang="en-US" altLang="ko-KR" dirty="0" smtClean="0"/>
+              <a:t>IO</a:t>
+            </a:r>
+            <a:r>
+              <a:rPr lang="ko-KR" altLang="en-US" dirty="0"/>
+              <a:t> </a:t>
+            </a:r>
+            <a:r>
+              <a:rPr lang="en-US" altLang="ko-KR" dirty="0" smtClean="0"/>
+              <a:t>a</a:t>
+            </a:r>
+            <a:r>
+              <a:rPr lang="ko-KR" altLang="en-US" dirty="0" smtClean="0"/>
+              <a:t>는 </a:t>
+            </a:r>
+            <a:r>
+              <a:rPr lang="en-US" altLang="ko-KR" dirty="0" err="1" smtClean="0"/>
+              <a:t>Input/Output</a:t>
+            </a:r>
+            <a:r>
+              <a:rPr lang="ko-KR" altLang="en-US" dirty="0" smtClean="0"/>
+              <a:t>을 수행한 결과값이 </a:t>
+            </a:r>
+            <a:r>
+              <a:rPr lang="en-US" altLang="ko-KR" dirty="0" smtClean="0"/>
+              <a:t>a</a:t>
+            </a:r>
+            <a:r>
+              <a:rPr lang="ko-KR" altLang="en-US" dirty="0"/>
+              <a:t> </a:t>
             </a:r>
             <a:r>
               <a:rPr lang="en-US" altLang="ko-KR" dirty="0" smtClean="0"/>
               <a:t>Type</a:t>
             </a:r>
+            <a:r>
+              <a:rPr lang="ko-KR" altLang="en-US" dirty="0" smtClean="0"/>
+              <a:t>임을 이야기한다</a:t>
+            </a:r>
+            <a:r>
+              <a:rPr lang="en-US" altLang="ko-KR" dirty="0" smtClean="0"/>
+              <a:t>.</a:t>
+            </a:r>
+          </a:p>
+          <a:p>
+            <a:r>
+              <a:rPr lang="en-US" altLang="ko-KR" dirty="0" smtClean="0"/>
+              <a:t>IO</a:t>
+            </a:r>
+            <a:r>
+              <a:rPr lang="ko-KR" altLang="en-US" dirty="0" smtClean="0"/>
+              <a:t>는 </a:t>
+            </a:r>
+            <a:r>
+              <a:rPr lang="en-US" altLang="ko-KR" dirty="0" smtClean="0"/>
+              <a:t>Data Constructor</a:t>
+            </a:r>
+            <a:r>
+              <a:rPr lang="ko-KR" altLang="en-US" dirty="0" smtClean="0"/>
+              <a:t>를 외부로 노출하지 않는다</a:t>
+            </a:r>
+            <a:r>
+              <a:rPr lang="en-US" altLang="ko-KR" dirty="0" smtClean="0"/>
+              <a:t>!</a:t>
+            </a:r>
           </a:p>
           <a:p>
             <a:pPr lvl="1"/>
             <a:r>
-              <a:rPr lang="ko-KR" altLang="en-US" dirty="0" smtClean="0"/>
-              <a:t>아무것도 아닌 </a:t>
-            </a:r>
-            <a:r>
-              <a:rPr lang="en-US" altLang="ko-KR" dirty="0" smtClean="0"/>
-              <a:t>Type</a:t>
-            </a:r>
-            <a:r>
-              <a:rPr lang="ko-KR" altLang="en-US" dirty="0" smtClean="0"/>
-              <a:t>을 이야기한다</a:t>
-            </a:r>
-            <a:r>
-              <a:rPr lang="en-US" altLang="ko-KR" dirty="0" smtClean="0"/>
-              <a:t>.</a:t>
+              <a:rPr lang="en-US" altLang="ko-KR" dirty="0" smtClean="0"/>
+              <a:t>Pattern Matching</a:t>
+            </a:r>
+            <a:r>
+              <a:rPr lang="ko-KR" altLang="en-US" dirty="0" smtClean="0"/>
+              <a:t>으로 </a:t>
+            </a:r>
+            <a:r>
+              <a:rPr lang="en-US" altLang="ko-KR" dirty="0" smtClean="0"/>
+              <a:t>IO</a:t>
+            </a:r>
+            <a:r>
+              <a:rPr lang="ko-KR" altLang="en-US" dirty="0" smtClean="0"/>
+              <a:t>를 사용할 수 없다</a:t>
+            </a:r>
+            <a:r>
+              <a:rPr lang="en-US" altLang="ko-KR" dirty="0" smtClean="0"/>
+              <a:t>!</a:t>
             </a:r>
           </a:p>
         </p:txBody>
@@ -7241,7 +7262,7 @@
     </p:spTree>
     <p:extLst>
       <p:ext uri="{BB962C8B-B14F-4D97-AF65-F5344CB8AC3E}">
-        <p14:creationId xmlns:p14="http://schemas.microsoft.com/office/powerpoint/2010/main" val="542663397"/>
+        <p14:creationId xmlns:p14="http://schemas.microsoft.com/office/powerpoint/2010/main" val="1186636615"/>
       </p:ext>
     </p:extLst>
   </p:cSld>
@@ -7342,66 +7363,46 @@
           <a:lstStyle/>
           <a:p>
             <a:r>
-              <a:rPr lang="en-US" altLang="ko-KR" dirty="0" err="1" smtClean="0"/>
-              <a:t>putStrLn</a:t>
-            </a:r>
-            <a:r>
-              <a:rPr lang="en-US" altLang="ko-KR" dirty="0" smtClean="0"/>
-              <a:t> :: String -&gt; IO ()</a:t>
-            </a:r>
-          </a:p>
-          <a:p>
-            <a:r>
-              <a:rPr lang="en-US" altLang="ko-KR" dirty="0" smtClean="0"/>
-              <a:t>String</a:t>
-            </a:r>
-            <a:r>
-              <a:rPr lang="ko-KR" altLang="en-US" dirty="0" smtClean="0"/>
-              <a:t>을 받아서 </a:t>
-            </a:r>
-            <a:r>
-              <a:rPr lang="en-US" altLang="ko-KR" dirty="0" smtClean="0"/>
-              <a:t>IO</a:t>
-            </a:r>
-            <a:r>
-              <a:rPr lang="ko-KR" altLang="en-US" dirty="0" smtClean="0"/>
-              <a:t>를 수행하고</a:t>
-            </a:r>
-            <a:r>
-              <a:rPr lang="en-US" altLang="ko-KR" dirty="0" smtClean="0"/>
-              <a:t>, </a:t>
-            </a:r>
-            <a:r>
-              <a:rPr lang="ko-KR" altLang="en-US" dirty="0" smtClean="0"/>
-              <a:t>그 결과값은 없다</a:t>
-            </a:r>
-            <a:r>
-              <a:rPr lang="en-US" altLang="ko-KR" dirty="0" smtClean="0"/>
-              <a:t>.</a:t>
-            </a:r>
-          </a:p>
-          <a:p>
-            <a:r>
-              <a:rPr lang="en-US" altLang="ko-KR" dirty="0" smtClean="0"/>
-              <a:t>main :: IO ()</a:t>
-            </a:r>
-          </a:p>
-          <a:p>
-            <a:r>
-              <a:rPr lang="en-US" altLang="ko-KR" dirty="0" smtClean="0"/>
-              <a:t>IO</a:t>
-            </a:r>
-            <a:r>
-              <a:rPr lang="ko-KR" altLang="en-US" dirty="0" smtClean="0"/>
-              <a:t>를 수행하고</a:t>
-            </a:r>
-            <a:r>
-              <a:rPr lang="en-US" altLang="ko-KR" dirty="0" smtClean="0"/>
-              <a:t>, </a:t>
-            </a:r>
-            <a:r>
-              <a:rPr lang="ko-KR" altLang="en-US" dirty="0" smtClean="0"/>
-              <a:t>그 결과값은 없다</a:t>
+              <a:rPr lang="en-US" altLang="ko-KR" dirty="0" smtClean="0"/>
+              <a:t>()?</a:t>
+            </a:r>
+          </a:p>
+          <a:p>
+            <a:pPr lvl="1"/>
+            <a:r>
+              <a:rPr lang="en-US" altLang="ko-KR" dirty="0" smtClean="0"/>
+              <a:t>C</a:t>
+            </a:r>
+            <a:r>
+              <a:rPr lang="ko-KR" altLang="en-US" dirty="0" smtClean="0"/>
+              <a:t>의 </a:t>
+            </a:r>
+            <a:r>
+              <a:rPr lang="en-US" altLang="ko-KR" dirty="0" smtClean="0"/>
+              <a:t>void</a:t>
+            </a:r>
+            <a:r>
+              <a:rPr lang="ko-KR" altLang="en-US" dirty="0" smtClean="0"/>
+              <a:t>와 같은 </a:t>
+            </a:r>
+            <a:r>
+              <a:rPr lang="en-US" altLang="ko-KR" dirty="0" smtClean="0"/>
+              <a:t>Type</a:t>
+            </a:r>
+          </a:p>
+          <a:p>
+            <a:pPr lvl="1"/>
+            <a:r>
+              <a:rPr lang="ko-KR" altLang="en-US" dirty="0" smtClean="0"/>
+              <a:t>아무것도 아닌 </a:t>
+            </a:r>
+            <a:r>
+              <a:rPr lang="en-US" altLang="ko-KR" dirty="0" smtClean="0"/>
+              <a:t>Type</a:t>
+            </a:r>
+            <a:r>
+              <a:rPr lang="ko-KR" altLang="en-US" dirty="0" smtClean="0"/>
+              <a:t>을 이야기한다</a:t>
             </a:r>
             <a:r>
               <a:rPr lang="en-US" altLang="ko-KR" dirty="0" smtClean="0"/>
@@ -7413,7 +7414,7 @@
     </p:spTree>
     <p:extLst>
       <p:ext uri="{BB962C8B-B14F-4D97-AF65-F5344CB8AC3E}">
-        <p14:creationId xmlns:p14="http://schemas.microsoft.com/office/powerpoint/2010/main" val="2551104494"/>
+        <p14:creationId xmlns:p14="http://schemas.microsoft.com/office/powerpoint/2010/main" val="542663397"/>
       </p:ext>
     </p:extLst>
   </p:cSld>
@@ -7514,25 +7515,23 @@
           <a:lstStyle/>
           <a:p>
             <a:r>
-              <a:rPr lang="ko-KR" altLang="en-US" dirty="0" smtClean="0"/>
-              <a:t>입력은</a:t>
-            </a:r>
-            <a:r>
-              <a:rPr lang="en-US" altLang="ko-KR" dirty="0" smtClean="0"/>
-              <a:t>?</a:t>
-            </a:r>
-          </a:p>
-          <a:p>
-            <a:r>
               <a:rPr lang="en-US" altLang="ko-KR" dirty="0" err="1" smtClean="0"/>
-              <a:t>getLine</a:t>
-            </a:r>
-            <a:r>
-              <a:rPr lang="en-US" altLang="ko-KR" dirty="0" smtClean="0"/>
-              <a:t> :: IO String</a:t>
-            </a:r>
-          </a:p>
-          <a:p>
+              <a:t>putStrLn</a:t>
+            </a:r>
+            <a:r>
+              <a:rPr lang="en-US" altLang="ko-KR" dirty="0" smtClean="0"/>
+              <a:t> :: String -&gt; IO ()</a:t>
+            </a:r>
+          </a:p>
+          <a:p>
+            <a:r>
+              <a:rPr lang="en-US" altLang="ko-KR" dirty="0" smtClean="0"/>
+              <a:t>String</a:t>
+            </a:r>
+            <a:r>
+              <a:rPr lang="ko-KR" altLang="en-US" dirty="0" smtClean="0"/>
+              <a:t>을 받아서 </a:t>
+            </a:r>
             <a:r>
               <a:rPr lang="en-US" altLang="ko-KR" dirty="0" smtClean="0"/>
               <a:t>IO</a:t>
@@ -7547,15 +7546,35 @@
             </a:r>
             <a:r>
               <a:rPr lang="ko-KR" altLang="en-US" dirty="0" smtClean="0"/>
-              <a:t>그 결과값은 </a:t>
-            </a:r>
-            <a:r>
-              <a:rPr lang="en-US" altLang="ko-KR" dirty="0" smtClean="0"/>
-              <a:t>String</a:t>
-            </a:r>
-            <a:r>
-              <a:rPr lang="ko-KR" altLang="en-US" dirty="0" smtClean="0"/>
-              <a:t>이다</a:t>
+              <a:t>그 결과값은 없다</a:t>
+            </a:r>
+            <a:r>
+              <a:rPr lang="en-US" altLang="ko-KR" dirty="0" smtClean="0"/>
+              <a:t>.</a:t>
+            </a:r>
+          </a:p>
+          <a:p>
+            <a:r>
+              <a:rPr lang="en-US" altLang="ko-KR" dirty="0" smtClean="0"/>
+              <a:t>main :: IO ()</a:t>
+            </a:r>
+          </a:p>
+          <a:p>
+            <a:r>
+              <a:rPr lang="en-US" altLang="ko-KR" dirty="0" smtClean="0"/>
+              <a:t>IO</a:t>
+            </a:r>
+            <a:r>
+              <a:rPr lang="ko-KR" altLang="en-US" dirty="0" smtClean="0"/>
+              <a:t>를 수행하고</a:t>
+            </a:r>
+            <a:r>
+              <a:rPr lang="en-US" altLang="ko-KR" dirty="0" smtClean="0"/>
+              <a:t>, </a:t>
+            </a:r>
+            <a:r>
+              <a:rPr lang="ko-KR" altLang="en-US" dirty="0" smtClean="0"/>
+              <a:t>그 결과값은 없다</a:t>
             </a:r>
             <a:r>
               <a:rPr lang="en-US" altLang="ko-KR" dirty="0" smtClean="0"/>
@@ -7567,7 +7586,7 @@
     </p:spTree>
     <p:extLst>
       <p:ext uri="{BB962C8B-B14F-4D97-AF65-F5344CB8AC3E}">
-        <p14:creationId xmlns:p14="http://schemas.microsoft.com/office/powerpoint/2010/main" val="2287593848"/>
+        <p14:creationId xmlns:p14="http://schemas.microsoft.com/office/powerpoint/2010/main" val="2551104494"/>
       </p:ext>
     </p:extLst>
   </p:cSld>
@@ -7669,6 +7688,160 @@
           <a:p>
             <a:r>
               <a:rPr lang="ko-KR" altLang="en-US" dirty="0" smtClean="0"/>
+              <a:t>입력은</a:t>
+            </a:r>
+            <a:r>
+              <a:rPr lang="en-US" altLang="ko-KR" dirty="0" smtClean="0"/>
+              <a:t>?</a:t>
+            </a:r>
+          </a:p>
+          <a:p>
+            <a:r>
+              <a:rPr lang="en-US" altLang="ko-KR" dirty="0" err="1" smtClean="0"/>
+              <a:t>getLine</a:t>
+            </a:r>
+            <a:r>
+              <a:rPr lang="en-US" altLang="ko-KR" dirty="0" smtClean="0"/>
+              <a:t> :: IO String</a:t>
+            </a:r>
+          </a:p>
+          <a:p>
+            <a:r>
+              <a:rPr lang="en-US" altLang="ko-KR" dirty="0" smtClean="0"/>
+              <a:t>IO</a:t>
+            </a:r>
+            <a:r>
+              <a:rPr lang="ko-KR" altLang="en-US" dirty="0" smtClean="0"/>
+              <a:t>를 수행하고</a:t>
+            </a:r>
+            <a:r>
+              <a:rPr lang="en-US" altLang="ko-KR" dirty="0" smtClean="0"/>
+              <a:t>, </a:t>
+            </a:r>
+            <a:r>
+              <a:rPr lang="ko-KR" altLang="en-US" dirty="0" smtClean="0"/>
+              <a:t>그 결과값은 </a:t>
+            </a:r>
+            <a:r>
+              <a:rPr lang="en-US" altLang="ko-KR" dirty="0" smtClean="0"/>
+              <a:t>String</a:t>
+            </a:r>
+            <a:r>
+              <a:rPr lang="ko-KR" altLang="en-US" dirty="0" smtClean="0"/>
+              <a:t>이다</a:t>
+            </a:r>
+            <a:r>
+              <a:rPr lang="en-US" altLang="ko-KR" dirty="0" smtClean="0"/>
+              <a:t>.</a:t>
+            </a:r>
+          </a:p>
+        </p:txBody>
+      </p:sp>
+    </p:spTree>
+    <p:extLst>
+      <p:ext uri="{BB962C8B-B14F-4D97-AF65-F5344CB8AC3E}">
+        <p14:creationId xmlns:p14="http://schemas.microsoft.com/office/powerpoint/2010/main" val="2287593848"/>
+      </p:ext>
+    </p:extLst>
+  </p:cSld>
+  <p:clrMapOvr>
+    <a:masterClrMapping/>
+  </p:clrMapOvr>
+  <p:timing>
+    <p:tnLst>
+      <p:par>
+        <p:cTn id="1" dur="indefinite" restart="never" nodeType="tmRoot"/>
+      </p:par>
+    </p:tnLst>
+  </p:timing>
+</p:sld>
+</file>
+
+<file path=ppt/slides/slide108.xml><?xml version="1.0" encoding="utf-8"?>
+<p:sld xmlns:a="http://schemas.openxmlformats.org/drawingml/2006/main" xmlns:r="http://schemas.openxmlformats.org/officeDocument/2006/relationships" xmlns:p="http://schemas.openxmlformats.org/presentationml/2006/main">
+  <p:cSld>
+    <p:spTree>
+      <p:nvGrpSpPr>
+        <p:cNvPr id="1" name=""/>
+        <p:cNvGrpSpPr/>
+        <p:nvPr/>
+      </p:nvGrpSpPr>
+      <p:grpSpPr>
+        <a:xfrm>
+          <a:off x="0" y="0"/>
+          <a:ext cx="0" cy="0"/>
+          <a:chOff x="0" y="0"/>
+          <a:chExt cx="0" cy="0"/>
+        </a:xfrm>
+      </p:grpSpPr>
+      <p:sp>
+        <p:nvSpPr>
+          <p:cNvPr id="2" name="제목 1"/>
+          <p:cNvSpPr>
+            <a:spLocks noGrp="1"/>
+          </p:cNvSpPr>
+          <p:nvPr>
+            <p:ph type="title"/>
+          </p:nvPr>
+        </p:nvSpPr>
+        <p:spPr/>
+        <p:txBody>
+          <a:bodyPr>
+            <a:normAutofit/>
+          </a:bodyPr>
+          <a:lstStyle/>
+          <a:p>
+            <a:r>
+              <a:rPr lang="ko-KR" altLang="en-US" dirty="0"/>
+              <a:t>나갈 때 따로</a:t>
+            </a:r>
+            <a:r>
+              <a:rPr lang="en-US" altLang="ko-KR" dirty="0"/>
+              <a:t>, </a:t>
+            </a:r>
+            <a:r>
+              <a:rPr lang="ko-KR" altLang="en-US" dirty="0"/>
+              <a:t>들어올 때 </a:t>
+            </a:r>
+            <a:r>
+              <a:rPr lang="ko-KR" altLang="en-US" dirty="0" smtClean="0"/>
+              <a:t>따로</a:t>
+            </a:r>
+            <a:r>
+              <a:rPr lang="en-US" altLang="ko-KR" dirty="0" smtClean="0"/>
+              <a:t/>
+            </a:r>
+            <a:br>
+              <a:rPr lang="en-US" altLang="ko-KR" dirty="0" smtClean="0"/>
+            </a:br>
+            <a:r>
+              <a:rPr lang="en-US" altLang="ko-KR" dirty="0" smtClean="0"/>
+              <a:t>Main </a:t>
+            </a:r>
+            <a:r>
+              <a:rPr lang="en-US" altLang="ko-KR" dirty="0"/>
+              <a:t>&amp; I/O Type</a:t>
+            </a:r>
+          </a:p>
+        </p:txBody>
+      </p:sp>
+      <p:sp>
+        <p:nvSpPr>
+          <p:cNvPr id="3" name="내용 개체 틀 2"/>
+          <p:cNvSpPr>
+            <a:spLocks noGrp="1"/>
+          </p:cNvSpPr>
+          <p:nvPr>
+            <p:ph idx="1"/>
+          </p:nvPr>
+        </p:nvSpPr>
+        <p:spPr/>
+        <p:txBody>
+          <a:bodyPr/>
+          <a:lstStyle/>
+          <a:p>
+            <a:r>
+              <a:rPr lang="ko-KR" altLang="en-US" dirty="0" smtClean="0"/>
               <a:t>결과값을 도대체 어떻게 쓸 수 있을까</a:t>
             </a:r>
             <a:r>
@@ -7695,13 +7868,14 @@
               <a:t>생성자가 모두 </a:t>
             </a:r>
             <a:r>
-              <a:rPr lang="ko-KR" altLang="en-US" dirty="0" err="1" smtClean="0"/>
-              <a:t>숨겨져있다</a:t>
-            </a:r>
-            <a:r>
-              <a:rPr lang="en-US" altLang="ko-KR" dirty="0" smtClean="0"/>
-              <a:t>)</a:t>
-            </a:r>
+              <a:rPr lang="ko-KR" altLang="en-US" dirty="0" smtClean="0"/>
+              <a:t>숨겨져 있다</a:t>
+            </a:r>
+            <a:r>
+              <a:rPr lang="en-US" altLang="ko-KR" dirty="0" smtClean="0"/>
+              <a:t>.)</a:t>
+            </a:r>
+            <a:endParaRPr lang="en-US" altLang="ko-KR" dirty="0" smtClean="0"/>
           </a:p>
           <a:p>
             <a:pPr lvl="1"/>
@@ -7826,170 +8000,6 @@
 </p:sld>
 </file>
 
-<file path=ppt/slides/slide108.xml><?xml version="1.0" encoding="utf-8"?>
-<p:sld xmlns:a="http://schemas.openxmlformats.org/drawingml/2006/main" xmlns:r="http://schemas.openxmlformats.org/officeDocument/2006/relationships" xmlns:p="http://schemas.openxmlformats.org/presentationml/2006/main">
-  <p:cSld>
-    <p:spTree>
-      <p:nvGrpSpPr>
-        <p:cNvPr id="1" name=""/>
-        <p:cNvGrpSpPr/>
-        <p:nvPr/>
-      </p:nvGrpSpPr>
-      <p:grpSpPr>
-        <a:xfrm>
-          <a:off x="0" y="0"/>
-          <a:ext cx="0" cy="0"/>
-          <a:chOff x="0" y="0"/>
-          <a:chExt cx="0" cy="0"/>
-        </a:xfrm>
-      </p:grpSpPr>
-      <p:sp>
-        <p:nvSpPr>
-          <p:cNvPr id="2" name="제목 1"/>
-          <p:cNvSpPr>
-            <a:spLocks noGrp="1"/>
-          </p:cNvSpPr>
-          <p:nvPr>
-            <p:ph type="title"/>
-          </p:nvPr>
-        </p:nvSpPr>
-        <p:spPr/>
-        <p:txBody>
-          <a:bodyPr>
-            <a:normAutofit/>
-          </a:bodyPr>
-          <a:lstStyle/>
-          <a:p>
-            <a:r>
-              <a:rPr lang="ko-KR" altLang="en-US" dirty="0"/>
-              <a:t>나갈 때 따로</a:t>
-            </a:r>
-            <a:r>
-              <a:rPr lang="en-US" altLang="ko-KR" dirty="0"/>
-              <a:t>, </a:t>
-            </a:r>
-            <a:r>
-              <a:rPr lang="ko-KR" altLang="en-US" dirty="0"/>
-              <a:t>들어올 때 </a:t>
-            </a:r>
-            <a:r>
-              <a:rPr lang="ko-KR" altLang="en-US" dirty="0" smtClean="0"/>
-              <a:t>따로</a:t>
-            </a:r>
-            <a:r>
-              <a:rPr lang="en-US" altLang="ko-KR" dirty="0" smtClean="0"/>
-              <a:t/>
-            </a:r>
-            <a:br>
-              <a:rPr lang="en-US" altLang="ko-KR" dirty="0" smtClean="0"/>
-            </a:br>
-            <a:r>
-              <a:rPr lang="en-US" altLang="ko-KR" dirty="0" smtClean="0"/>
-              <a:t>Main </a:t>
-            </a:r>
-            <a:r>
-              <a:rPr lang="en-US" altLang="ko-KR" dirty="0"/>
-              <a:t>&amp; I/O Type</a:t>
-            </a:r>
-          </a:p>
-        </p:txBody>
-      </p:sp>
-      <p:sp>
-        <p:nvSpPr>
-          <p:cNvPr id="3" name="내용 개체 틀 2"/>
-          <p:cNvSpPr>
-            <a:spLocks noGrp="1"/>
-          </p:cNvSpPr>
-          <p:nvPr>
-            <p:ph idx="1"/>
-          </p:nvPr>
-        </p:nvSpPr>
-        <p:spPr/>
-        <p:txBody>
-          <a:bodyPr/>
-          <a:lstStyle/>
-          <a:p>
-            <a:r>
-              <a:rPr lang="en-US" altLang="ko-KR" dirty="0" smtClean="0">
-                <a:solidFill>
-                  <a:srgbClr val="00B050"/>
-                </a:solidFill>
-              </a:rPr>
-              <a:t>main = </a:t>
-            </a:r>
-            <a:r>
-              <a:rPr lang="en-US" altLang="ko-KR" dirty="0" err="1" smtClean="0">
-                <a:solidFill>
-                  <a:srgbClr val="00B050"/>
-                </a:solidFill>
-              </a:rPr>
-              <a:t>getLine</a:t>
-            </a:r>
-            <a:r>
-              <a:rPr lang="en-US" altLang="ko-KR" dirty="0" smtClean="0">
-                <a:solidFill>
-                  <a:srgbClr val="00B050"/>
-                </a:solidFill>
-              </a:rPr>
-              <a:t> &gt;&gt;= (\x -&gt; </a:t>
-            </a:r>
-            <a:r>
-              <a:rPr lang="en-US" altLang="ko-KR" dirty="0" err="1" smtClean="0">
-                <a:solidFill>
-                  <a:srgbClr val="00B050"/>
-                </a:solidFill>
-              </a:rPr>
-              <a:t>putStrLn</a:t>
-            </a:r>
-            <a:r>
-              <a:rPr lang="en-US" altLang="ko-KR" dirty="0" smtClean="0">
-                <a:solidFill>
-                  <a:srgbClr val="00B050"/>
-                </a:solidFill>
-              </a:rPr>
-              <a:t> x)</a:t>
-            </a:r>
-          </a:p>
-          <a:p>
-            <a:r>
-              <a:rPr lang="ko-KR" altLang="en-US" dirty="0" smtClean="0"/>
-              <a:t>간단한 </a:t>
-            </a:r>
-            <a:r>
-              <a:rPr lang="en-US" altLang="ko-KR" dirty="0" smtClean="0"/>
-              <a:t>Mirroring program</a:t>
-            </a:r>
-            <a:r>
-              <a:rPr lang="ko-KR" altLang="en-US" dirty="0" smtClean="0"/>
-              <a:t>이다</a:t>
-            </a:r>
-            <a:r>
-              <a:rPr lang="en-US" altLang="ko-KR" dirty="0" smtClean="0"/>
-              <a:t>.</a:t>
-            </a:r>
-          </a:p>
-        </p:txBody>
-      </p:sp>
-    </p:spTree>
-    <p:extLst>
-      <p:ext uri="{BB962C8B-B14F-4D97-AF65-F5344CB8AC3E}">
-        <p14:creationId xmlns:p14="http://schemas.microsoft.com/office/powerpoint/2010/main" val="2148187501"/>
-      </p:ext>
-    </p:extLst>
-  </p:cSld>
-  <p:clrMapOvr>
-    <a:masterClrMapping/>
-  </p:clrMapOvr>
-  <p:timing>
-    <p:tnLst>
-      <p:par>
-        <p:cTn id="1" dur="indefinite" restart="never" nodeType="tmRoot"/>
-      </p:par>
-    </p:tnLst>
-  </p:timing>
-</p:sld>
-</file>
-
 <file path=ppt/slides/slide109.xml><?xml version="1.0" encoding="utf-8"?>
 <p:sld xmlns:a="http://schemas.openxmlformats.org/drawingml/2006/main" xmlns:r="http://schemas.openxmlformats.org/officeDocument/2006/relationships" xmlns:p="http://schemas.openxmlformats.org/presentationml/2006/main">
   <p:cSld>
@@ -8019,115 +8029,125 @@
         </p:nvSpPr>
         <p:spPr/>
         <p:txBody>
+          <a:bodyPr>
+            <a:normAutofit/>
+          </a:bodyPr>
+          <a:lstStyle/>
+          <a:p>
+            <a:r>
+              <a:rPr lang="ko-KR" altLang="en-US" dirty="0"/>
+              <a:t>나갈 때 따로</a:t>
+            </a:r>
+            <a:r>
+              <a:rPr lang="en-US" altLang="ko-KR" dirty="0"/>
+              <a:t>, </a:t>
+            </a:r>
+            <a:r>
+              <a:rPr lang="ko-KR" altLang="en-US" dirty="0"/>
+              <a:t>들어올 때 </a:t>
+            </a:r>
+            <a:r>
+              <a:rPr lang="ko-KR" altLang="en-US" dirty="0" smtClean="0"/>
+              <a:t>따로</a:t>
+            </a:r>
+            <a:r>
+              <a:rPr lang="en-US" altLang="ko-KR" dirty="0" smtClean="0"/>
+              <a:t/>
+            </a:r>
+            <a:br>
+              <a:rPr lang="en-US" altLang="ko-KR" dirty="0" smtClean="0"/>
+            </a:br>
+            <a:r>
+              <a:rPr lang="en-US" altLang="ko-KR" dirty="0" smtClean="0"/>
+              <a:t>Main </a:t>
+            </a:r>
+            <a:r>
+              <a:rPr lang="en-US" altLang="ko-KR" dirty="0"/>
+              <a:t>&amp; I/O Type</a:t>
+            </a:r>
+          </a:p>
+        </p:txBody>
+      </p:sp>
+      <p:sp>
+        <p:nvSpPr>
+          <p:cNvPr id="3" name="내용 개체 틀 2"/>
+          <p:cNvSpPr>
+            <a:spLocks noGrp="1"/>
+          </p:cNvSpPr>
+          <p:nvPr>
+            <p:ph idx="1"/>
+          </p:nvPr>
+        </p:nvSpPr>
+        <p:spPr/>
+        <p:txBody>
           <a:bodyPr/>
           <a:lstStyle/>
           <a:p>
             <a:r>
-              <a:rPr lang="ko-KR" altLang="en-US" dirty="0"/>
-              <a:t>되로 주고 말로 </a:t>
-            </a:r>
-            <a:r>
-              <a:rPr lang="ko-KR" altLang="en-US" dirty="0" smtClean="0"/>
-              <a:t>받기</a:t>
-            </a:r>
-            <a:r>
-              <a:rPr lang="en-US" altLang="ko-KR" dirty="0" smtClean="0"/>
-              <a:t/>
-            </a:r>
-            <a:br>
-              <a:rPr lang="en-US" altLang="ko-KR" dirty="0" smtClean="0"/>
-            </a:br>
-            <a:r>
-              <a:rPr lang="en-CA" dirty="0" smtClean="0"/>
-              <a:t>I/O </a:t>
-            </a:r>
-            <a:r>
-              <a:rPr lang="en-CA" dirty="0"/>
-              <a:t>&amp; do </a:t>
-            </a:r>
-            <a:r>
-              <a:rPr lang="en-CA" dirty="0" smtClean="0"/>
-              <a:t>expression</a:t>
-            </a:r>
-            <a:endParaRPr lang="en-CA" dirty="0"/>
-          </a:p>
-        </p:txBody>
-      </p:sp>
-      <p:sp>
-        <p:nvSpPr>
-          <p:cNvPr id="3" name="내용 개체 틀 2"/>
-          <p:cNvSpPr>
-            <a:spLocks noGrp="1"/>
-          </p:cNvSpPr>
-          <p:nvPr>
-            <p:ph idx="1"/>
-          </p:nvPr>
-        </p:nvSpPr>
-        <p:spPr/>
-        <p:txBody>
-          <a:bodyPr/>
-          <a:lstStyle/>
-          <a:p>
-            <a:r>
-              <a:rPr lang="ko-KR" altLang="en-US" dirty="0" smtClean="0"/>
-              <a:t>만일 </a:t>
-            </a:r>
-            <a:r>
-              <a:rPr lang="en-US" altLang="ko-KR" dirty="0" smtClean="0"/>
-              <a:t>main </a:t>
-            </a:r>
-            <a:r>
-              <a:rPr lang="ko-KR" altLang="en-US" dirty="0" smtClean="0"/>
-              <a:t>함수가 길어진다면 어떻게 될까</a:t>
-            </a:r>
-            <a:r>
-              <a:rPr lang="en-US" altLang="ko-KR" dirty="0" smtClean="0"/>
-              <a:t>?</a:t>
-            </a:r>
-          </a:p>
-          <a:p>
-            <a:r>
-              <a:rPr lang="ko-KR" altLang="en-US" dirty="0" smtClean="0"/>
-              <a:t>물론 함수를 쪼개면 </a:t>
-            </a:r>
-            <a:r>
-              <a:rPr lang="en-US" altLang="ko-KR" dirty="0" smtClean="0"/>
-              <a:t>main </a:t>
-            </a:r>
-            <a:r>
-              <a:rPr lang="ko-KR" altLang="en-US" dirty="0" smtClean="0"/>
-              <a:t>함수를 짧게 만들 수 있다</a:t>
+              <a:rPr lang="en-US" altLang="ko-KR" dirty="0" smtClean="0">
+                <a:solidFill>
+                  <a:srgbClr val="00B050"/>
+                </a:solidFill>
+              </a:rPr>
+              <a:t>main = </a:t>
+            </a:r>
+            <a:r>
+              <a:rPr lang="en-US" altLang="ko-KR" dirty="0" err="1" smtClean="0">
+                <a:solidFill>
+                  <a:srgbClr val="00B050"/>
+                </a:solidFill>
+              </a:rPr>
+              <a:t>getLine</a:t>
+            </a:r>
+            <a:r>
+              <a:rPr lang="en-US" altLang="ko-KR" dirty="0" smtClean="0">
+                <a:solidFill>
+                  <a:srgbClr val="00B050"/>
+                </a:solidFill>
+              </a:rPr>
+              <a:t> &gt;&gt;= (\x -&gt; </a:t>
+            </a:r>
+            <a:r>
+              <a:rPr lang="en-US" altLang="ko-KR" dirty="0" err="1" smtClean="0">
+                <a:solidFill>
+                  <a:srgbClr val="00B050"/>
+                </a:solidFill>
+              </a:rPr>
+              <a:t>putStrLn</a:t>
+            </a:r>
+            <a:r>
+              <a:rPr lang="en-US" altLang="ko-KR" dirty="0" smtClean="0">
+                <a:solidFill>
+                  <a:srgbClr val="00B050"/>
+                </a:solidFill>
+              </a:rPr>
+              <a:t> x)</a:t>
+            </a:r>
+          </a:p>
+          <a:p>
+            <a:r>
+              <a:rPr lang="ko-KR" altLang="en-US" dirty="0" smtClean="0"/>
+              <a:t>간단한 </a:t>
+            </a:r>
+            <a:r>
+              <a:rPr lang="en-US" altLang="ko-KR" dirty="0" smtClean="0"/>
+              <a:t>Mirroring program</a:t>
+            </a:r>
+            <a:r>
+              <a:rPr lang="ko-KR" altLang="en-US" dirty="0" smtClean="0"/>
+              <a:t>이다</a:t>
             </a:r>
             <a:r>
               <a:rPr lang="en-US" altLang="ko-KR" dirty="0" smtClean="0"/>
               <a:t>.</a:t>
             </a:r>
-          </a:p>
-          <a:p>
-            <a:r>
-              <a:rPr lang="ko-KR" altLang="en-US" dirty="0" smtClean="0"/>
-              <a:t>하지만 간단한 프로그램을 만들면서 함수를 여러 개 이름 </a:t>
-            </a:r>
-            <a:r>
-              <a:rPr lang="ko-KR" altLang="en-US" dirty="0" err="1" smtClean="0"/>
-              <a:t>붙이기란</a:t>
-            </a:r>
-            <a:r>
-              <a:rPr lang="ko-KR" altLang="en-US" dirty="0" smtClean="0"/>
-              <a:t> 쉬운 일이 아니다</a:t>
-            </a:r>
-            <a:r>
-              <a:rPr lang="en-US" altLang="ko-KR" dirty="0" smtClean="0"/>
-              <a:t>.</a:t>
-            </a:r>
-            <a:endParaRPr lang="en-CA" dirty="0"/>
           </a:p>
         </p:txBody>
       </p:sp>
     </p:spTree>
     <p:extLst>
       <p:ext uri="{BB962C8B-B14F-4D97-AF65-F5344CB8AC3E}">
-        <p14:creationId xmlns:p14="http://schemas.microsoft.com/office/powerpoint/2010/main" val="3938563591"/>
+        <p14:creationId xmlns:p14="http://schemas.microsoft.com/office/powerpoint/2010/main" val="2148187501"/>
       </p:ext>
     </p:extLst>
   </p:cSld>
@@ -8387,18 +8407,16 @@
           </a:p>
           <a:p>
             <a:r>
-              <a:rPr lang="en-US" altLang="ko-KR" dirty="0" smtClean="0"/>
-              <a:t>… &gt;&gt;= (\x -&gt; … &gt;&gt;= (\y -&gt; … &gt;&gt;= …))</a:t>
-            </a:r>
-          </a:p>
-          <a:p>
-            <a:r>
-              <a:rPr lang="en-US" altLang="ko-KR" dirty="0" smtClean="0"/>
-              <a:t>&gt;&gt;=</a:t>
-            </a:r>
-            <a:r>
-              <a:rPr lang="ko-KR" altLang="en-US" dirty="0" smtClean="0"/>
-              <a:t>가 정신없이 나열되는 모습을 보게 될 것이다</a:t>
+              <a:rPr lang="ko-KR" altLang="en-US" dirty="0" smtClean="0"/>
+              <a:t>물론 함수를 쪼개면 </a:t>
+            </a:r>
+            <a:r>
+              <a:rPr lang="en-US" altLang="ko-KR" dirty="0" smtClean="0"/>
+              <a:t>main </a:t>
+            </a:r>
+            <a:r>
+              <a:rPr lang="ko-KR" altLang="en-US" dirty="0" smtClean="0"/>
+              <a:t>함수를 짧게 만들 수 있다</a:t>
             </a:r>
             <a:r>
               <a:rPr lang="en-US" altLang="ko-KR" dirty="0" smtClean="0"/>
@@ -8408,19 +8426,28 @@
           <a:p>
             <a:r>
               <a:rPr lang="ko-KR" altLang="en-US" dirty="0" smtClean="0"/>
-              <a:t>더럽다</a:t>
-            </a:r>
-            <a:r>
-              <a:rPr lang="en-US" altLang="ko-KR" dirty="0" smtClean="0"/>
-              <a:t>!</a:t>
-            </a:r>
+              <a:t>하지만 간단한 프로그램을 만들면서 함수를 여러 개 이름 </a:t>
+            </a:r>
+            <a:r>
+              <a:rPr lang="ko-KR" altLang="en-US" dirty="0" err="1" smtClean="0"/>
+              <a:t>붙이기란</a:t>
+            </a:r>
+            <a:r>
+              <a:rPr lang="ko-KR" altLang="en-US" dirty="0" smtClean="0"/>
+              <a:t> 쉬운 일이 아니다</a:t>
+            </a:r>
+            <a:r>
+              <a:rPr lang="en-US" altLang="ko-KR" dirty="0" smtClean="0"/>
+              <a:t>.</a:t>
+            </a:r>
+            <a:endParaRPr lang="en-CA" dirty="0"/>
           </a:p>
         </p:txBody>
       </p:sp>
     </p:spTree>
     <p:extLst>
       <p:ext uri="{BB962C8B-B14F-4D97-AF65-F5344CB8AC3E}">
-        <p14:creationId xmlns:p14="http://schemas.microsoft.com/office/powerpoint/2010/main" val="2129836392"/>
+        <p14:creationId xmlns:p14="http://schemas.microsoft.com/office/powerpoint/2010/main" val="3938563591"/>
       </p:ext>
     </p:extLst>
   </p:cSld>
@@ -8516,12 +8543,16 @@
           <a:lstStyle/>
           <a:p>
             <a:r>
-              <a:rPr lang="en-US" altLang="ko-KR" dirty="0" smtClean="0"/>
-              <a:t>Monad</a:t>
-            </a:r>
-            <a:r>
-              <a:rPr lang="ko-KR" altLang="en-US" dirty="0" smtClean="0"/>
-              <a:t>를 보다 손쉽게 쓸 수 있는 방법은 없을까</a:t>
+              <a:rPr lang="ko-KR" altLang="en-US" dirty="0" smtClean="0"/>
+              <a:t>만일 </a:t>
+            </a:r>
+            <a:r>
+              <a:rPr lang="en-US" altLang="ko-KR" dirty="0" smtClean="0"/>
+              <a:t>main </a:t>
+            </a:r>
+            <a:r>
+              <a:rPr lang="ko-KR" altLang="en-US" dirty="0" smtClean="0"/>
+              <a:t>함수가 길어진다면 어떻게 될까</a:t>
             </a:r>
             <a:r>
               <a:rPr lang="en-US" altLang="ko-KR" dirty="0" smtClean="0"/>
@@ -8531,7 +8562,31 @@
           <a:p>
             <a:r>
               <a:rPr lang="en-US" altLang="ko-KR" dirty="0" smtClean="0"/>
-              <a:t>do expression!</a:t>
+              <a:t>… &gt;&gt;= (\x -&gt; … &gt;&gt;= (\y -&gt; … &gt;&gt;= …))</a:t>
+            </a:r>
+          </a:p>
+          <a:p>
+            <a:r>
+              <a:rPr lang="en-US" altLang="ko-KR" dirty="0" smtClean="0"/>
+              <a:t>&gt;&gt;=</a:t>
+            </a:r>
+            <a:r>
+              <a:rPr lang="ko-KR" altLang="en-US" dirty="0" smtClean="0"/>
+              <a:t>가 정신없이 나열되는 모습을 보게 될 것이다</a:t>
+            </a:r>
+            <a:r>
+              <a:rPr lang="en-US" altLang="ko-KR" dirty="0" smtClean="0"/>
+              <a:t>.</a:t>
+            </a:r>
+          </a:p>
+          <a:p>
+            <a:r>
+              <a:rPr lang="ko-KR" altLang="en-US" dirty="0" smtClean="0"/>
+              <a:t>더럽다</a:t>
+            </a:r>
+            <a:r>
+              <a:rPr lang="en-US" altLang="ko-KR" dirty="0" smtClean="0"/>
+              <a:t>!</a:t>
             </a:r>
           </a:p>
         </p:txBody>
@@ -8539,7 +8594,7 @@
     </p:spTree>
     <p:extLst>
       <p:ext uri="{BB962C8B-B14F-4D97-AF65-F5344CB8AC3E}">
-        <p14:creationId xmlns:p14="http://schemas.microsoft.com/office/powerpoint/2010/main" val="3020388706"/>
+        <p14:creationId xmlns:p14="http://schemas.microsoft.com/office/powerpoint/2010/main" val="2129836392"/>
       </p:ext>
     </p:extLst>
   </p:cSld>
@@ -8635,52 +8690,22 @@
           <a:lstStyle/>
           <a:p>
             <a:r>
-              <a:rPr lang="en-US" altLang="ko-KR" dirty="0" smtClean="0">
-                <a:solidFill>
-                  <a:srgbClr val="00B050"/>
-                </a:solidFill>
-              </a:rPr>
-              <a:t>do</a:t>
-            </a:r>
-            <a:br>
-              <a:rPr lang="en-US" altLang="ko-KR" dirty="0" smtClean="0">
-                <a:solidFill>
-                  <a:srgbClr val="00B050"/>
-                </a:solidFill>
-              </a:rPr>
-            </a:br>
-            <a:r>
-              <a:rPr lang="en-US" altLang="ko-KR" dirty="0" smtClean="0">
-                <a:solidFill>
-                  <a:srgbClr val="00B050"/>
-                </a:solidFill>
-              </a:rPr>
-              <a:t>    a</a:t>
-            </a:r>
-            <a:br>
-              <a:rPr lang="en-US" altLang="ko-KR" dirty="0" smtClean="0">
-                <a:solidFill>
-                  <a:srgbClr val="00B050"/>
-                </a:solidFill>
-              </a:rPr>
-            </a:br>
-            <a:r>
-              <a:rPr lang="en-US" altLang="ko-KR" dirty="0" smtClean="0">
-                <a:solidFill>
-                  <a:srgbClr val="00B050"/>
-                </a:solidFill>
-              </a:rPr>
-              <a:t>    b</a:t>
-            </a:r>
-          </a:p>
-          <a:p>
-            <a:r>
-              <a:rPr lang="en-US" altLang="ko-KR" dirty="0" smtClean="0">
-                <a:solidFill>
-                  <a:srgbClr val="00B050"/>
-                </a:solidFill>
-              </a:rPr>
-              <a:t>a &gt;&gt; b</a:t>
+              <a:rPr lang="en-US" altLang="ko-KR" dirty="0" smtClean="0"/>
+              <a:t>Monad</a:t>
+            </a:r>
+            <a:r>
+              <a:rPr lang="ko-KR" altLang="en-US" dirty="0" smtClean="0"/>
+              <a:t>를 보다 손쉽게 쓸 수 있는 방법은 없을까</a:t>
+            </a:r>
+            <a:r>
+              <a:rPr lang="en-US" altLang="ko-KR" dirty="0" smtClean="0"/>
+              <a:t>?</a:t>
+            </a:r>
+          </a:p>
+          <a:p>
+            <a:r>
+              <a:rPr lang="en-US" altLang="ko-KR" dirty="0" smtClean="0"/>
+              <a:t>do expression!</a:t>
             </a:r>
           </a:p>
         </p:txBody>
@@ -8688,7 +8713,7 @@
     </p:spTree>
     <p:extLst>
       <p:ext uri="{BB962C8B-B14F-4D97-AF65-F5344CB8AC3E}">
-        <p14:creationId xmlns:p14="http://schemas.microsoft.com/office/powerpoint/2010/main" val="3709713204"/>
+        <p14:creationId xmlns:p14="http://schemas.microsoft.com/office/powerpoint/2010/main" val="3020388706"/>
       </p:ext>
     </p:extLst>
   </p:cSld>
@@ -8804,7 +8829,7 @@
                   <a:srgbClr val="00B050"/>
                 </a:solidFill>
               </a:rPr>
-              <a:t>    x &lt;- a</a:t>
+              <a:t>    a</a:t>
             </a:r>
             <a:br>
               <a:rPr lang="en-US" altLang="ko-KR" dirty="0" smtClean="0">
@@ -8829,7 +8854,7 @@
                   <a:srgbClr val="00B050"/>
                 </a:solidFill>
               </a:rPr>
-              <a:t>a &gt;&gt;= (\x -&gt; b)</a:t>
+              <a:t>a &gt;&gt; b</a:t>
             </a:r>
           </a:p>
         </p:txBody>
@@ -8837,7 +8862,7 @@
     </p:spTree>
     <p:extLst>
       <p:ext uri="{BB962C8B-B14F-4D97-AF65-F5344CB8AC3E}">
-        <p14:creationId xmlns:p14="http://schemas.microsoft.com/office/powerpoint/2010/main" val="2938098936"/>
+        <p14:creationId xmlns:p14="http://schemas.microsoft.com/office/powerpoint/2010/main" val="3709713204"/>
       </p:ext>
     </p:extLst>
   </p:cSld>
@@ -8933,16 +8958,52 @@
           <a:lstStyle/>
           <a:p>
             <a:r>
-              <a:rPr lang="en-US" altLang="ko-KR" dirty="0" smtClean="0"/>
-              <a:t>Monad</a:t>
-            </a:r>
-            <a:r>
-              <a:rPr lang="ko-KR" altLang="en-US" dirty="0" smtClean="0"/>
-              <a:t>를 사용한 연산들을 보다 읽기 쉽게 바꿔준다</a:t>
-            </a:r>
-            <a:r>
-              <a:rPr lang="en-US" altLang="ko-KR" dirty="0" smtClean="0"/>
-              <a:t>.</a:t>
+              <a:rPr lang="en-US" altLang="ko-KR" dirty="0" smtClean="0">
+                <a:solidFill>
+                  <a:srgbClr val="00B050"/>
+                </a:solidFill>
+              </a:rPr>
+              <a:t>do</a:t>
+            </a:r>
+            <a:br>
+              <a:rPr lang="en-US" altLang="ko-KR" dirty="0" smtClean="0">
+                <a:solidFill>
+                  <a:srgbClr val="00B050"/>
+                </a:solidFill>
+              </a:rPr>
+            </a:br>
+            <a:r>
+              <a:rPr lang="en-US" altLang="ko-KR" dirty="0" smtClean="0">
+                <a:solidFill>
+                  <a:srgbClr val="00B050"/>
+                </a:solidFill>
+              </a:rPr>
+              <a:t>    x &lt;- a</a:t>
+            </a:r>
+            <a:br>
+              <a:rPr lang="en-US" altLang="ko-KR" dirty="0" smtClean="0">
+                <a:solidFill>
+                  <a:srgbClr val="00B050"/>
+                </a:solidFill>
+              </a:rPr>
+            </a:br>
+            <a:r>
+              <a:rPr lang="en-US" altLang="ko-KR" dirty="0" smtClean="0">
+                <a:solidFill>
+                  <a:srgbClr val="00B050"/>
+                </a:solidFill>
+              </a:rPr>
+              <a:t>    b</a:t>
+            </a:r>
+          </a:p>
+          <a:p>
+            <a:r>
+              <a:rPr lang="en-US" altLang="ko-KR" dirty="0" smtClean="0">
+                <a:solidFill>
+                  <a:srgbClr val="00B050"/>
+                </a:solidFill>
+              </a:rPr>
+              <a:t>a &gt;&gt;= (\x -&gt; b)</a:t>
             </a:r>
           </a:p>
         </p:txBody>
@@ -8950,7 +9011,7 @@
     </p:spTree>
     <p:extLst>
       <p:ext uri="{BB962C8B-B14F-4D97-AF65-F5344CB8AC3E}">
-        <p14:creationId xmlns:p14="http://schemas.microsoft.com/office/powerpoint/2010/main" val="1107719310"/>
+        <p14:creationId xmlns:p14="http://schemas.microsoft.com/office/powerpoint/2010/main" val="2938098936"/>
       </p:ext>
     </p:extLst>
   </p:cSld>
@@ -9047,157 +9108,15 @@
           <a:p>
             <a:r>
               <a:rPr lang="en-US" altLang="ko-KR" dirty="0" smtClean="0"/>
-              <a:t>Fibonacci</a:t>
-            </a:r>
-            <a:r>
-              <a:rPr lang="ko-KR" altLang="en-US" dirty="0"/>
-              <a:t> </a:t>
-            </a:r>
-            <a:r>
-              <a:rPr lang="ko-KR" altLang="en-US" dirty="0" smtClean="0"/>
-              <a:t>수열을 계산해주는 프로그램</a:t>
-            </a:r>
-            <a:endParaRPr lang="en-US" altLang="ko-KR" dirty="0" smtClean="0"/>
-          </a:p>
-          <a:p>
-            <a:r>
-              <a:rPr lang="en-US" altLang="ko-KR" dirty="0" smtClean="0">
-                <a:solidFill>
-                  <a:srgbClr val="00B050"/>
-                </a:solidFill>
-              </a:rPr>
-              <a:t>module Main where</a:t>
-            </a:r>
-            <a:br>
-              <a:rPr lang="en-US" altLang="ko-KR" dirty="0" smtClean="0">
-                <a:solidFill>
-                  <a:srgbClr val="00B050"/>
-                </a:solidFill>
-              </a:rPr>
-            </a:br>
-            <a:r>
-              <a:rPr lang="en-US" altLang="ko-KR" dirty="0" smtClean="0">
-                <a:solidFill>
-                  <a:srgbClr val="00B050"/>
-                </a:solidFill>
-              </a:rPr>
-              <a:t>import Fibonacci</a:t>
-            </a:r>
-            <a:br>
-              <a:rPr lang="en-US" altLang="ko-KR" dirty="0" smtClean="0">
-                <a:solidFill>
-                  <a:srgbClr val="00B050"/>
-                </a:solidFill>
-              </a:rPr>
-            </a:br>
-            <a:r>
-              <a:rPr lang="en-US" altLang="ko-KR" dirty="0" smtClean="0">
-                <a:solidFill>
-                  <a:srgbClr val="00B050"/>
-                </a:solidFill>
-              </a:rPr>
-              <a:t/>
-            </a:r>
-            <a:br>
-              <a:rPr lang="en-US" altLang="ko-KR" dirty="0" smtClean="0">
-                <a:solidFill>
-                  <a:srgbClr val="00B050"/>
-                </a:solidFill>
-              </a:rPr>
-            </a:br>
-            <a:r>
-              <a:rPr lang="en-US" altLang="ko-KR" dirty="0" smtClean="0">
-                <a:solidFill>
-                  <a:srgbClr val="00B050"/>
-                </a:solidFill>
-              </a:rPr>
-              <a:t>main = do</a:t>
-            </a:r>
-            <a:br>
-              <a:rPr lang="en-US" altLang="ko-KR" dirty="0" smtClean="0">
-                <a:solidFill>
-                  <a:srgbClr val="00B050"/>
-                </a:solidFill>
-              </a:rPr>
-            </a:br>
-            <a:r>
-              <a:rPr lang="en-US" altLang="ko-KR" dirty="0" smtClean="0">
-                <a:solidFill>
-                  <a:srgbClr val="00B050"/>
-                </a:solidFill>
-              </a:rPr>
-              <a:t>    x &lt;- </a:t>
-            </a:r>
-            <a:r>
-              <a:rPr lang="en-US" altLang="ko-KR" dirty="0" err="1" smtClean="0">
-                <a:solidFill>
-                  <a:srgbClr val="00B050"/>
-                </a:solidFill>
-              </a:rPr>
-              <a:t>getLine</a:t>
-            </a:r>
-            <a:r>
-              <a:rPr lang="en-US" altLang="ko-KR" dirty="0" smtClean="0">
-                <a:solidFill>
-                  <a:srgbClr val="00B050"/>
-                </a:solidFill>
-              </a:rPr>
-              <a:t/>
-            </a:r>
-            <a:br>
-              <a:rPr lang="en-US" altLang="ko-KR" dirty="0" smtClean="0">
-                <a:solidFill>
-                  <a:srgbClr val="00B050"/>
-                </a:solidFill>
-              </a:rPr>
-            </a:br>
-            <a:r>
-              <a:rPr lang="en-US" altLang="ko-KR" dirty="0" smtClean="0">
-                <a:solidFill>
-                  <a:srgbClr val="00B050"/>
-                </a:solidFill>
-              </a:rPr>
-              <a:t>    </a:t>
-            </a:r>
-            <a:r>
-              <a:rPr lang="en-US" altLang="ko-KR" dirty="0" err="1" smtClean="0">
-                <a:solidFill>
-                  <a:srgbClr val="00B050"/>
-                </a:solidFill>
-              </a:rPr>
-              <a:t>putStrLn</a:t>
-            </a:r>
-            <a:r>
-              <a:rPr lang="en-US" altLang="ko-KR" dirty="0" smtClean="0">
-                <a:solidFill>
-                  <a:srgbClr val="00B050"/>
-                </a:solidFill>
-              </a:rPr>
-              <a:t> . show . </a:t>
-            </a:r>
-            <a:r>
-              <a:rPr lang="en-US" altLang="ko-KR" dirty="0" err="1">
-                <a:solidFill>
-                  <a:srgbClr val="00B050"/>
-                </a:solidFill>
-              </a:rPr>
-              <a:t>f</a:t>
-            </a:r>
-            <a:r>
-              <a:rPr lang="en-US" altLang="ko-KR" dirty="0" err="1" smtClean="0">
-                <a:solidFill>
-                  <a:srgbClr val="00B050"/>
-                </a:solidFill>
-              </a:rPr>
-              <a:t>ibonacci</a:t>
-            </a:r>
-            <a:r>
-              <a:rPr lang="en-US" altLang="ko-KR" dirty="0" smtClean="0">
-                <a:solidFill>
-                  <a:srgbClr val="00B050"/>
-                </a:solidFill>
-              </a:rPr>
-              <a:t> . read $ x</a:t>
+              <a:t>Monad</a:t>
+            </a:r>
+            <a:r>
+              <a:rPr lang="ko-KR" altLang="en-US" dirty="0" smtClean="0"/>
+              <a:t>를 사용한 연산들을 보다 읽기 쉽게 바꿔준다</a:t>
+            </a:r>
+            <a:r>
+              <a:rPr lang="en-US" altLang="ko-KR" dirty="0" smtClean="0"/>
+              <a:t>.</a:t>
             </a:r>
           </a:p>
         </p:txBody>
@@ -9205,7 +9124,7 @@
     </p:spTree>
     <p:extLst>
       <p:ext uri="{BB962C8B-B14F-4D97-AF65-F5344CB8AC3E}">
-        <p14:creationId xmlns:p14="http://schemas.microsoft.com/office/powerpoint/2010/main" val="3290795383"/>
+        <p14:creationId xmlns:p14="http://schemas.microsoft.com/office/powerpoint/2010/main" val="1107719310"/>
       </p:ext>
     </p:extLst>
   </p:cSld>
@@ -9301,94 +9220,158 @@
           <a:lstStyle/>
           <a:p>
             <a:r>
-              <a:rPr lang="ko-KR" altLang="en-US" dirty="0" smtClean="0"/>
-              <a:t>주의</a:t>
-            </a:r>
-            <a:r>
-              <a:rPr lang="en-US" altLang="ko-KR" dirty="0" smtClean="0"/>
-              <a:t>! do expression </a:t>
-            </a:r>
-            <a:r>
-              <a:rPr lang="ko-KR" altLang="en-US" dirty="0" smtClean="0"/>
-              <a:t>중간에 </a:t>
-            </a:r>
-            <a:r>
-              <a:rPr lang="en-US" altLang="ko-KR" dirty="0" smtClean="0"/>
-              <a:t>return</a:t>
-            </a:r>
-            <a:r>
-              <a:rPr lang="ko-KR" altLang="en-US" dirty="0" smtClean="0"/>
-              <a:t>이 등장한다고 해도 거기서 수행이 끝나지 않는다</a:t>
-            </a:r>
-            <a:r>
-              <a:rPr lang="en-US" altLang="ko-KR" dirty="0" smtClean="0"/>
-              <a:t>.</a:t>
-            </a:r>
-          </a:p>
-          <a:p>
-            <a:pPr lvl="1"/>
-            <a:r>
-              <a:rPr lang="en-US" altLang="ko-KR" dirty="0" smtClean="0"/>
-              <a:t>return x</a:t>
+              <a:rPr lang="en-US" altLang="ko-KR" dirty="0" smtClean="0"/>
+              <a:t>Fibonacci</a:t>
             </a:r>
             <a:r>
               <a:rPr lang="ko-KR" altLang="en-US" dirty="0"/>
-              <a:t>는</a:t>
-            </a:r>
-            <a:r>
-              <a:rPr lang="ko-KR" altLang="en-US" dirty="0" smtClean="0"/>
-              <a:t> 단순히 결과값이 </a:t>
-            </a:r>
-            <a:r>
-              <a:rPr lang="en-US" altLang="ko-KR" dirty="0" smtClean="0"/>
-              <a:t>x</a:t>
-            </a:r>
-            <a:r>
-              <a:rPr lang="ko-KR" altLang="en-US" dirty="0" smtClean="0"/>
-              <a:t>인 </a:t>
-            </a:r>
-            <a:r>
-              <a:rPr lang="en-US" altLang="ko-KR" dirty="0" smtClean="0"/>
-              <a:t>Monad</a:t>
-            </a:r>
-            <a:r>
-              <a:rPr lang="ko-KR" altLang="en-US" dirty="0" smtClean="0"/>
-              <a:t>를 만드는 함수일 뿐이다</a:t>
-            </a:r>
-            <a:r>
-              <a:rPr lang="en-US" altLang="ko-KR" dirty="0" smtClean="0"/>
-              <a:t>.</a:t>
-            </a:r>
-          </a:p>
-          <a:p>
-            <a:pPr lvl="1"/>
-            <a:r>
-              <a:rPr lang="en-US" altLang="ko-KR" dirty="0" smtClean="0"/>
-              <a:t>x :: a</a:t>
-            </a:r>
-            <a:r>
-              <a:rPr lang="ko-KR" altLang="en-US" dirty="0" smtClean="0"/>
-              <a:t>일 때</a:t>
-            </a:r>
-            <a:r>
-              <a:rPr lang="en-US" altLang="ko-KR" dirty="0" smtClean="0"/>
-              <a:t>, return x</a:t>
-            </a:r>
-            <a:r>
-              <a:rPr lang="ko-KR" altLang="en-US" dirty="0" smtClean="0"/>
-              <a:t>는 </a:t>
-            </a:r>
-            <a:r>
-              <a:rPr lang="en-US" altLang="ko-KR" dirty="0" smtClean="0"/>
-              <a:t>IO a</a:t>
-            </a:r>
-            <a:r>
-              <a:rPr lang="ko-KR" altLang="en-US" dirty="0" smtClean="0"/>
-              <a:t>일 뿐이다</a:t>
-            </a:r>
-            <a:r>
-              <a:rPr lang="en-US" altLang="ko-KR" dirty="0" smtClean="0"/>
-              <a:t>.</a:t>
+              <a:t> </a:t>
+            </a:r>
+            <a:r>
+              <a:rPr lang="ko-KR" altLang="en-US" dirty="0" smtClean="0"/>
+              <a:t>수열을 계산해주는 프로그램</a:t>
+            </a:r>
+            <a:endParaRPr lang="en-US" altLang="ko-KR" dirty="0" smtClean="0"/>
+          </a:p>
+          <a:p>
+            <a:r>
+              <a:rPr lang="en-US" altLang="ko-KR" dirty="0" smtClean="0">
+                <a:solidFill>
+                  <a:srgbClr val="00B050"/>
+                </a:solidFill>
+              </a:rPr>
+              <a:t>module Main where</a:t>
+            </a:r>
+            <a:br>
+              <a:rPr lang="en-US" altLang="ko-KR" dirty="0" smtClean="0">
+                <a:solidFill>
+                  <a:srgbClr val="00B050"/>
+                </a:solidFill>
+              </a:rPr>
+            </a:br>
+            <a:r>
+              <a:rPr lang="en-US" altLang="ko-KR" dirty="0" smtClean="0">
+                <a:solidFill>
+                  <a:srgbClr val="00B050"/>
+                </a:solidFill>
+              </a:rPr>
+              <a:t>import Fibonacci</a:t>
+            </a:r>
+            <a:br>
+              <a:rPr lang="en-US" altLang="ko-KR" dirty="0" smtClean="0">
+                <a:solidFill>
+                  <a:srgbClr val="00B050"/>
+                </a:solidFill>
+              </a:rPr>
+            </a:br>
+            <a:r>
+              <a:rPr lang="en-US" altLang="ko-KR" dirty="0" smtClean="0">
+                <a:solidFill>
+                  <a:srgbClr val="00B050"/>
+                </a:solidFill>
+              </a:rPr>
+              <a:t/>
+            </a:r>
+            <a:br>
+              <a:rPr lang="en-US" altLang="ko-KR" dirty="0" smtClean="0">
+                <a:solidFill>
+                  <a:srgbClr val="00B050"/>
+                </a:solidFill>
+              </a:rPr>
+            </a:br>
+            <a:r>
+              <a:rPr lang="en-US" altLang="ko-KR" dirty="0" smtClean="0">
+                <a:solidFill>
+                  <a:srgbClr val="00B050"/>
+                </a:solidFill>
+              </a:rPr>
+              <a:t>main = do</a:t>
+            </a:r>
+            <a:br>
+              <a:rPr lang="en-US" altLang="ko-KR" dirty="0" smtClean="0">
+                <a:solidFill>
+                  <a:srgbClr val="00B050"/>
+                </a:solidFill>
+              </a:rPr>
+            </a:br>
+            <a:r>
+              <a:rPr lang="en-US" altLang="ko-KR" dirty="0" smtClean="0">
+                <a:solidFill>
+                  <a:srgbClr val="00B050"/>
+                </a:solidFill>
+              </a:rPr>
+              <a:t>    x &lt;- </a:t>
+            </a:r>
+            <a:r>
+              <a:rPr lang="en-US" altLang="ko-KR" dirty="0" err="1" smtClean="0">
+                <a:solidFill>
+                  <a:srgbClr val="00B050"/>
+                </a:solidFill>
+              </a:rPr>
+              <a:t>getLine</a:t>
+            </a:r>
+            <a:r>
+              <a:rPr lang="en-US" altLang="ko-KR" dirty="0" smtClean="0">
+                <a:solidFill>
+                  <a:srgbClr val="00B050"/>
+                </a:solidFill>
+              </a:rPr>
+              <a:t/>
+            </a:r>
+            <a:br>
+              <a:rPr lang="en-US" altLang="ko-KR" dirty="0" smtClean="0">
+                <a:solidFill>
+                  <a:srgbClr val="00B050"/>
+                </a:solidFill>
+              </a:rPr>
+            </a:br>
+            <a:r>
+              <a:rPr lang="en-US" altLang="ko-KR" dirty="0" smtClean="0">
+                <a:solidFill>
+                  <a:srgbClr val="00B050"/>
+                </a:solidFill>
+              </a:rPr>
+              <a:t>    </a:t>
+            </a:r>
+            <a:r>
+              <a:rPr lang="en-US" altLang="ko-KR" dirty="0" err="1" smtClean="0">
+                <a:solidFill>
+                  <a:srgbClr val="00B050"/>
+                </a:solidFill>
+              </a:rPr>
+              <a:t>putStrLn</a:t>
+            </a:r>
+            <a:r>
+              <a:rPr lang="en-US" altLang="ko-KR" dirty="0" smtClean="0">
+                <a:solidFill>
+                  <a:srgbClr val="00B050"/>
+                </a:solidFill>
+              </a:rPr>
+              <a:t> . show . </a:t>
+            </a:r>
+            <a:r>
+              <a:rPr lang="en-US" altLang="ko-KR" dirty="0" err="1">
+                <a:solidFill>
+                  <a:srgbClr val="00B050"/>
+                </a:solidFill>
+              </a:rPr>
+              <a:t>f</a:t>
+            </a:r>
+            <a:r>
+              <a:rPr lang="en-US" altLang="ko-KR" dirty="0" err="1" smtClean="0">
+                <a:solidFill>
+                  <a:srgbClr val="00B050"/>
+                </a:solidFill>
+              </a:rPr>
+              <a:t>ibonacci</a:t>
+            </a:r>
+            <a:r>
+              <a:rPr lang="en-US" altLang="ko-KR" dirty="0" smtClean="0">
+                <a:solidFill>
+                  <a:srgbClr val="00B050"/>
+                </a:solidFill>
+              </a:rPr>
+              <a:t> . read $ x</a:t>
             </a:r>
           </a:p>
         </p:txBody>
@@ -9396,7 +9379,7 @@
     </p:spTree>
     <p:extLst>
       <p:ext uri="{BB962C8B-B14F-4D97-AF65-F5344CB8AC3E}">
-        <p14:creationId xmlns:p14="http://schemas.microsoft.com/office/powerpoint/2010/main" val="4087417280"/>
+        <p14:creationId xmlns:p14="http://schemas.microsoft.com/office/powerpoint/2010/main" val="3290795383"/>
       </p:ext>
     </p:extLst>
   </p:cSld>
@@ -9446,8 +9429,31 @@
           <a:lstStyle/>
           <a:p>
             <a:r>
-              <a:rPr lang="en-US" dirty="0" smtClean="0"/>
-              <a:t>Practices</a:t>
+              <a:rPr lang="ko-KR" altLang="en-US" dirty="0"/>
+              <a:t>되로 주고 말로 </a:t>
+            </a:r>
+            <a:r>
+              <a:rPr lang="ko-KR" altLang="en-US" dirty="0" smtClean="0"/>
+              <a:t>받기</a:t>
+            </a:r>
+            <a:r>
+              <a:rPr lang="en-US" altLang="ko-KR" dirty="0" smtClean="0"/>
+              <a:t/>
+            </a:r>
+            <a:br>
+              <a:rPr lang="en-US" altLang="ko-KR" dirty="0" smtClean="0"/>
+            </a:br>
+            <a:r>
+              <a:rPr lang="en-CA" dirty="0" smtClean="0"/>
+              <a:t>I/O </a:t>
+            </a:r>
+            <a:r>
+              <a:rPr lang="en-CA" dirty="0"/>
+              <a:t>&amp; do </a:t>
+            </a:r>
+            <a:r>
+              <a:rPr lang="en-CA" dirty="0" smtClean="0"/>
+              <a:t>expression</a:t>
             </a:r>
             <a:endParaRPr lang="en-CA" dirty="0"/>
           </a:p>
@@ -9469,128 +9475,24 @@
           <a:lstStyle/>
           <a:p>
             <a:r>
-              <a:rPr lang="en-US" altLang="ko-KR" dirty="0" smtClean="0"/>
-              <a:t>1. </a:t>
-            </a:r>
-            <a:r>
-              <a:rPr lang="ko-KR" altLang="en-US" dirty="0" smtClean="0"/>
-              <a:t>다음과 같은 명령어를 지원하는 </a:t>
-            </a:r>
-            <a:r>
-              <a:rPr lang="en-US" altLang="ko-KR" dirty="0" smtClean="0"/>
-              <a:t>DB</a:t>
-            </a:r>
-            <a:r>
-              <a:rPr lang="ko-KR" altLang="en-US" dirty="0" smtClean="0"/>
-              <a:t>를 만들어보자</a:t>
-            </a:r>
-            <a:endParaRPr lang="en-US" altLang="ko-KR" dirty="0" smtClean="0"/>
-          </a:p>
-          <a:p>
-            <a:r>
-              <a:rPr lang="en-US" altLang="ko-KR" dirty="0" smtClean="0"/>
-              <a:t>data Command = </a:t>
-            </a:r>
-            <a:r>
-              <a:rPr lang="en-US" altLang="ko-KR" dirty="0" err="1" smtClean="0"/>
-              <a:t>CInput</a:t>
-            </a:r>
-            <a:r>
-              <a:rPr lang="en-US" altLang="ko-KR" dirty="0" smtClean="0"/>
-              <a:t> {</a:t>
-            </a:r>
-            <a:r>
-              <a:rPr lang="en-US" altLang="ko-KR" dirty="0" err="1" smtClean="0"/>
-              <a:t>inputKey</a:t>
-            </a:r>
-            <a:r>
-              <a:rPr lang="en-US" altLang="ko-KR" dirty="0" smtClean="0"/>
-              <a:t>::</a:t>
-            </a:r>
-            <a:r>
-              <a:rPr lang="en-US" altLang="ko-KR" dirty="0" err="1" smtClean="0"/>
-              <a:t>Int</a:t>
-            </a:r>
-            <a:r>
-              <a:rPr lang="en-US" altLang="ko-KR" dirty="0" smtClean="0"/>
-              <a:t>, </a:t>
-            </a:r>
-            <a:r>
-              <a:rPr lang="en-US" altLang="ko-KR" dirty="0" err="1" smtClean="0"/>
-              <a:t>inputValue</a:t>
-            </a:r>
-            <a:r>
-              <a:rPr lang="en-US" altLang="ko-KR" dirty="0" smtClean="0"/>
-              <a:t>::</a:t>
-            </a:r>
-            <a:r>
-              <a:rPr lang="en-US" altLang="ko-KR" dirty="0" err="1" smtClean="0"/>
-              <a:t>Int</a:t>
-            </a:r>
-            <a:r>
-              <a:rPr lang="en-US" altLang="ko-KR" dirty="0" smtClean="0"/>
-              <a:t>}</a:t>
-            </a:r>
-            <a:br>
-              <a:rPr lang="en-US" altLang="ko-KR" dirty="0" smtClean="0"/>
-            </a:br>
-            <a:r>
-              <a:rPr lang="en-US" altLang="ko-KR" dirty="0" smtClean="0"/>
-              <a:t>                       | </a:t>
-            </a:r>
-            <a:r>
-              <a:rPr lang="en-US" altLang="ko-KR" dirty="0" err="1" smtClean="0"/>
-              <a:t>CFind</a:t>
-            </a:r>
-            <a:r>
-              <a:rPr lang="en-US" altLang="ko-KR" dirty="0" smtClean="0"/>
-              <a:t> {</a:t>
-            </a:r>
-            <a:r>
-              <a:rPr lang="en-US" altLang="ko-KR" dirty="0" err="1" smtClean="0"/>
-              <a:t>findKey</a:t>
-            </a:r>
-            <a:r>
-              <a:rPr lang="en-US" altLang="ko-KR" dirty="0" smtClean="0"/>
-              <a:t>::</a:t>
-            </a:r>
-            <a:r>
-              <a:rPr lang="en-US" altLang="ko-KR" dirty="0" err="1" smtClean="0"/>
-              <a:t>Int</a:t>
-            </a:r>
-            <a:r>
-              <a:rPr lang="en-US" altLang="ko-KR" dirty="0" smtClean="0"/>
-              <a:t>}</a:t>
-            </a:r>
-          </a:p>
-          <a:p>
-            <a:r>
-              <a:rPr lang="ko-KR" altLang="en-US" dirty="0" smtClean="0"/>
-              <a:t>이 </a:t>
-            </a:r>
-            <a:r>
-              <a:rPr lang="en-US" altLang="ko-KR" dirty="0" smtClean="0"/>
-              <a:t>Data Type</a:t>
-            </a:r>
-            <a:r>
-              <a:rPr lang="ko-KR" altLang="en-US" dirty="0" smtClean="0"/>
-              <a:t>에게 </a:t>
-            </a:r>
-            <a:r>
-              <a:rPr lang="en-US" altLang="ko-KR" dirty="0" smtClean="0"/>
-              <a:t>deriving</a:t>
-            </a:r>
-            <a:r>
-              <a:rPr lang="ko-KR" altLang="en-US" dirty="0" smtClean="0"/>
-              <a:t>해줄 </a:t>
-            </a:r>
-            <a:r>
-              <a:rPr lang="en-US" altLang="ko-KR" dirty="0" smtClean="0"/>
-              <a:t>Class</a:t>
-            </a:r>
-            <a:r>
-              <a:rPr lang="ko-KR" altLang="en-US" dirty="0" smtClean="0"/>
-              <a:t>들을 생각해보자</a:t>
+              <a:rPr lang="ko-KR" altLang="en-US" dirty="0" smtClean="0"/>
+              <a:t>주의</a:t>
+            </a:r>
+            <a:r>
+              <a:rPr lang="en-US" altLang="ko-KR" dirty="0" smtClean="0"/>
+              <a:t>! do expression </a:t>
+            </a:r>
+            <a:r>
+              <a:rPr lang="ko-KR" altLang="en-US" dirty="0" smtClean="0"/>
+              <a:t>중간에 </a:t>
+            </a:r>
+            <a:r>
+              <a:rPr lang="en-US" altLang="ko-KR" dirty="0" smtClean="0"/>
+              <a:t>return</a:t>
+            </a:r>
+            <a:r>
+              <a:rPr lang="ko-KR" altLang="en-US" dirty="0" smtClean="0"/>
+              <a:t>이 등장한다고 해도 거기서 수행이 끝나지 않는다</a:t>
             </a:r>
             <a:r>
               <a:rPr lang="en-US" altLang="ko-KR" dirty="0" smtClean="0"/>
@@ -9598,13 +9500,65 @@
             </a:r>
           </a:p>
           <a:p>
-            <a:r>
-              <a:rPr lang="en-US" altLang="ko-KR" dirty="0" smtClean="0"/>
-              <a:t>main</a:t>
-            </a:r>
-            <a:r>
-              <a:rPr lang="ko-KR" altLang="en-US" dirty="0" smtClean="0"/>
-              <a:t>의 재귀를 생각해보자</a:t>
+            <a:pPr lvl="1"/>
+            <a:r>
+              <a:rPr lang="en-US" altLang="ko-KR" dirty="0" smtClean="0"/>
+              <a:t>return x</a:t>
+            </a:r>
+            <a:r>
+              <a:rPr lang="ko-KR" altLang="en-US" dirty="0"/>
+              <a:t>는</a:t>
+            </a:r>
+            <a:r>
+              <a:rPr lang="ko-KR" altLang="en-US" dirty="0" smtClean="0"/>
+              <a:t> 단순히 결과값이 </a:t>
+            </a:r>
+            <a:r>
+              <a:rPr lang="en-US" altLang="ko-KR" dirty="0" smtClean="0"/>
+              <a:t>x</a:t>
+            </a:r>
+            <a:r>
+              <a:rPr lang="ko-KR" altLang="en-US" dirty="0" smtClean="0"/>
+              <a:t>인 </a:t>
+            </a:r>
+            <a:r>
+              <a:rPr lang="en-US" altLang="ko-KR" dirty="0" smtClean="0"/>
+              <a:t>Monad</a:t>
+            </a:r>
+            <a:r>
+              <a:rPr lang="ko-KR" altLang="en-US" dirty="0" smtClean="0"/>
+              <a:t>를 만드는 함수일 뿐이다</a:t>
+            </a:r>
+            <a:r>
+              <a:rPr lang="en-US" altLang="ko-KR" dirty="0" smtClean="0"/>
+              <a:t>.</a:t>
+            </a:r>
+          </a:p>
+          <a:p>
+            <a:pPr lvl="1"/>
+            <a:r>
+              <a:rPr lang="en-US" altLang="ko-KR" dirty="0" smtClean="0"/>
+              <a:t>x :: a</a:t>
+            </a:r>
+            <a:r>
+              <a:rPr lang="ko-KR" altLang="en-US" dirty="0" smtClean="0"/>
+              <a:t>일 때</a:t>
+            </a:r>
+            <a:r>
+              <a:rPr lang="en-US" altLang="ko-KR" dirty="0" smtClean="0"/>
+              <a:t>, return x</a:t>
+            </a:r>
+            <a:r>
+              <a:rPr lang="ko-KR" altLang="en-US" dirty="0" smtClean="0"/>
+              <a:t>는 </a:t>
+            </a:r>
+            <a:r>
+              <a:rPr lang="en-US" altLang="ko-KR" dirty="0" smtClean="0"/>
+              <a:t>IO a</a:t>
+            </a:r>
+            <a:r>
+              <a:rPr lang="ko-KR" altLang="en-US" dirty="0" smtClean="0"/>
+              <a:t>일 뿐이다</a:t>
             </a:r>
             <a:r>
               <a:rPr lang="en-US" altLang="ko-KR" dirty="0" smtClean="0"/>
@@ -9616,7 +9570,7 @@
     </p:spTree>
     <p:extLst>
       <p:ext uri="{BB962C8B-B14F-4D97-AF65-F5344CB8AC3E}">
-        <p14:creationId xmlns:p14="http://schemas.microsoft.com/office/powerpoint/2010/main" val="448506583"/>
+        <p14:creationId xmlns:p14="http://schemas.microsoft.com/office/powerpoint/2010/main" val="4087417280"/>
       </p:ext>
     </p:extLst>
   </p:cSld>
@@ -9690,36 +9644,42 @@
           <a:p>
             <a:r>
               <a:rPr lang="en-US" altLang="ko-KR" dirty="0" smtClean="0"/>
-              <a:t>2. </a:t>
-            </a:r>
-            <a:r>
-              <a:rPr lang="ko-KR" altLang="en-US" dirty="0" smtClean="0"/>
-              <a:t>간단한 언어를 만들어보자</a:t>
-            </a:r>
-            <a:r>
-              <a:rPr lang="en-US" altLang="ko-KR" dirty="0" smtClean="0"/>
-              <a:t>.</a:t>
-            </a:r>
-          </a:p>
-          <a:p>
-            <a:r>
-              <a:rPr lang="en-US" altLang="ko-KR" dirty="0" smtClean="0"/>
-              <a:t>data Expr =</a:t>
-            </a:r>
-            <a:br>
-              <a:rPr lang="en-US" altLang="ko-KR" dirty="0" smtClean="0"/>
-            </a:br>
-            <a:r>
-              <a:rPr lang="en-US" altLang="ko-KR" dirty="0" smtClean="0"/>
-              <a:t>    </a:t>
+              <a:t>1. </a:t>
+            </a:r>
+            <a:r>
+              <a:rPr lang="ko-KR" altLang="en-US" dirty="0" smtClean="0"/>
+              <a:t>다음과 같은 명령어를 지원하는 </a:t>
+            </a:r>
+            <a:r>
+              <a:rPr lang="en-US" altLang="ko-KR" dirty="0" smtClean="0"/>
+              <a:t>DB</a:t>
+            </a:r>
+            <a:r>
+              <a:rPr lang="ko-KR" altLang="en-US" dirty="0" smtClean="0"/>
+              <a:t>를 만들어보자</a:t>
+            </a:r>
+            <a:endParaRPr lang="en-US" altLang="ko-KR" dirty="0" smtClean="0"/>
+          </a:p>
+          <a:p>
+            <a:r>
+              <a:rPr lang="en-US" altLang="ko-KR" dirty="0" smtClean="0"/>
+              <a:t>data Command = </a:t>
             </a:r>
             <a:r>
               <a:rPr lang="en-US" altLang="ko-KR" dirty="0" err="1" smtClean="0"/>
-              <a:t>EInt</a:t>
-            </a:r>
-            <a:r>
-              <a:rPr lang="en-US" altLang="ko-KR" dirty="0" smtClean="0"/>
-              <a:t> </a:t>
+              <a:t>CInput</a:t>
+            </a:r>
+            <a:r>
+              <a:rPr lang="en-US" altLang="ko-KR" dirty="0" smtClean="0"/>
+              <a:t> {</a:t>
+            </a:r>
+            <a:r>
+              <a:rPr lang="en-US" altLang="ko-KR" dirty="0" err="1" smtClean="0"/>
+              <a:t>inputKey</a:t>
+            </a:r>
+            <a:r>
+              <a:rPr lang="en-US" altLang="ko-KR" dirty="0" smtClean="0"/>
+              <a:t>::</a:t>
             </a:r>
             <a:r>
               <a:rPr lang="en-US" altLang="ko-KR" dirty="0" err="1" smtClean="0"/>
@@ -9727,118 +9687,110 @@
             </a:r>
             <a:r>
               <a:rPr lang="en-US" altLang="ko-KR" dirty="0" smtClean="0"/>
-              <a:t> | </a:t>
+              <a:t>, </a:t>
             </a:r>
             <a:r>
               <a:rPr lang="en-US" altLang="ko-KR" dirty="0" err="1" smtClean="0"/>
-              <a:t>EAdd</a:t>
-            </a:r>
-            <a:r>
-              <a:rPr lang="en-US" altLang="ko-KR" dirty="0" smtClean="0"/>
-              <a:t> Expr </a:t>
-            </a:r>
-            <a:r>
-              <a:rPr lang="en-US" altLang="ko-KR" dirty="0" err="1" smtClean="0"/>
-              <a:t>Expr</a:t>
-            </a:r>
-            <a:r>
-              <a:rPr lang="en-US" altLang="ko-KR" dirty="0" smtClean="0"/>
-              <a:t> | </a:t>
-            </a:r>
-            <a:r>
-              <a:rPr lang="en-US" altLang="ko-KR" dirty="0" err="1" smtClean="0"/>
-              <a:t>EMinus</a:t>
-            </a:r>
-            <a:r>
-              <a:rPr lang="en-US" altLang="ko-KR" dirty="0" smtClean="0"/>
-              <a:t> Expr </a:t>
-            </a:r>
-            <a:r>
-              <a:rPr lang="en-US" altLang="ko-KR" dirty="0" err="1" smtClean="0"/>
-              <a:t>Expr</a:t>
-            </a:r>
-            <a:r>
-              <a:rPr lang="en-US" altLang="ko-KR" dirty="0"/>
-              <a:t/>
-            </a:r>
-            <a:br>
-              <a:rPr lang="en-US" altLang="ko-KR" dirty="0"/>
-            </a:br>
-            <a:r>
-              <a:rPr lang="en-US" altLang="ko-KR" dirty="0" smtClean="0"/>
-              <a:t>    | </a:t>
-            </a:r>
-            <a:r>
-              <a:rPr lang="en-US" altLang="ko-KR" dirty="0" err="1" smtClean="0"/>
-              <a:t>EMult</a:t>
-            </a:r>
-            <a:r>
-              <a:rPr lang="en-US" altLang="ko-KR" dirty="0" smtClean="0"/>
-              <a:t> Expr </a:t>
-            </a:r>
-            <a:r>
-              <a:rPr lang="en-US" altLang="ko-KR" dirty="0" err="1" smtClean="0"/>
-              <a:t>Expr</a:t>
-            </a:r>
-            <a:r>
-              <a:rPr lang="en-US" altLang="ko-KR" dirty="0"/>
-              <a:t> </a:t>
-            </a:r>
-            <a:r>
-              <a:rPr lang="en-US" altLang="ko-KR" dirty="0" smtClean="0"/>
-              <a:t>| </a:t>
-            </a:r>
-            <a:r>
-              <a:rPr lang="en-US" altLang="ko-KR" dirty="0" err="1" smtClean="0"/>
-              <a:t>EDiv</a:t>
-            </a:r>
-            <a:r>
-              <a:rPr lang="en-US" altLang="ko-KR" dirty="0" smtClean="0"/>
-              <a:t> Expr </a:t>
-            </a:r>
-            <a:r>
-              <a:rPr lang="en-US" altLang="ko-KR" dirty="0" err="1" smtClean="0"/>
-              <a:t>Expr</a:t>
-            </a:r>
-            <a:r>
-              <a:rPr lang="en-US" altLang="ko-KR" dirty="0" smtClean="0"/>
-              <a:t> | </a:t>
-            </a:r>
-            <a:r>
-              <a:rPr lang="en-US" altLang="ko-KR" dirty="0" err="1" smtClean="0"/>
-              <a:t>ERem</a:t>
-            </a:r>
-            <a:r>
-              <a:rPr lang="en-US" altLang="ko-KR" dirty="0" smtClean="0"/>
-              <a:t> Expr </a:t>
-            </a:r>
-            <a:r>
-              <a:rPr lang="en-US" altLang="ko-KR" dirty="0" err="1" smtClean="0"/>
-              <a:t>Expr</a:t>
-            </a:r>
-            <a:endParaRPr lang="en-US" altLang="ko-KR" dirty="0" smtClean="0"/>
-          </a:p>
-          <a:p>
-            <a:r>
-              <a:rPr lang="en-US" altLang="ko-KR" dirty="0" err="1" smtClean="0"/>
-              <a:t>eval</a:t>
-            </a:r>
-            <a:r>
-              <a:rPr lang="en-US" altLang="ko-KR" dirty="0" smtClean="0"/>
-              <a:t> :: Expr -&gt; Maybe </a:t>
+              <a:t>inputValue</a:t>
+            </a:r>
+            <a:r>
+              <a:rPr lang="en-US" altLang="ko-KR" dirty="0" smtClean="0"/>
+              <a:t>::</a:t>
             </a:r>
             <a:r>
               <a:rPr lang="en-US" altLang="ko-KR" dirty="0" err="1" smtClean="0"/>
               <a:t>Int</a:t>
             </a:r>
-            <a:endParaRPr lang="en-US" altLang="ko-KR" dirty="0" smtClean="0"/>
+            <a:r>
+              <a:rPr lang="en-US" altLang="ko-KR" dirty="0" smtClean="0"/>
+              <a:t>}</a:t>
+            </a:r>
+            <a:br>
+              <a:rPr lang="en-US" altLang="ko-KR" dirty="0" smtClean="0"/>
+            </a:br>
+            <a:r>
+              <a:rPr lang="en-US" altLang="ko-KR" dirty="0" smtClean="0"/>
+              <a:t>                       | </a:t>
+            </a:r>
+            <a:r>
+              <a:rPr lang="en-US" altLang="ko-KR" dirty="0" err="1" smtClean="0"/>
+              <a:t>CFind</a:t>
+            </a:r>
+            <a:r>
+              <a:rPr lang="en-US" altLang="ko-KR" dirty="0" smtClean="0"/>
+              <a:t> {</a:t>
+            </a:r>
+            <a:r>
+              <a:rPr lang="en-US" altLang="ko-KR" dirty="0" err="1" smtClean="0"/>
+              <a:t>findKey</a:t>
+            </a:r>
+            <a:r>
+              <a:rPr lang="en-US" altLang="ko-KR" dirty="0" smtClean="0"/>
+              <a:t>::</a:t>
+            </a:r>
+            <a:r>
+              <a:rPr lang="en-US" altLang="ko-KR" dirty="0" err="1" smtClean="0"/>
+              <a:t>Int</a:t>
+            </a:r>
+            <a:r>
+              <a:rPr lang="en-US" altLang="ko-KR" dirty="0" smtClean="0"/>
+              <a:t>}</a:t>
+            </a:r>
+          </a:p>
+          <a:p>
+            <a:r>
+              <a:rPr lang="ko-KR" altLang="en-US" dirty="0" smtClean="0"/>
+              <a:t>이 </a:t>
+            </a:r>
+            <a:r>
+              <a:rPr lang="en-US" altLang="ko-KR" dirty="0" smtClean="0"/>
+              <a:t>Data Type</a:t>
+            </a:r>
+            <a:r>
+              <a:rPr lang="ko-KR" altLang="en-US" dirty="0" smtClean="0"/>
+              <a:t>에게 </a:t>
+            </a:r>
+            <a:r>
+              <a:rPr lang="en-US" altLang="ko-KR" dirty="0" smtClean="0"/>
+              <a:t>deriving</a:t>
+            </a:r>
+            <a:r>
+              <a:rPr lang="ko-KR" altLang="en-US" dirty="0" smtClean="0"/>
+              <a:t>해줄 </a:t>
+            </a:r>
+            <a:r>
+              <a:rPr lang="en-US" altLang="ko-KR" dirty="0" smtClean="0"/>
+              <a:t>Class</a:t>
+            </a:r>
+            <a:r>
+              <a:rPr lang="ko-KR" altLang="en-US" dirty="0" smtClean="0"/>
+              <a:t>들을 생각해보자</a:t>
+            </a:r>
+            <a:r>
+              <a:rPr lang="en-US" altLang="ko-KR" dirty="0" smtClean="0"/>
+              <a:t>.</a:t>
+            </a:r>
+          </a:p>
+          <a:p>
+            <a:r>
+              <a:rPr lang="en-US" altLang="ko-KR" dirty="0" smtClean="0"/>
+              <a:t>main</a:t>
+            </a:r>
+            <a:r>
+              <a:rPr lang="ko-KR" altLang="en-US" dirty="0" smtClean="0"/>
+              <a:t>의 재귀를 생각해보자</a:t>
+            </a:r>
+            <a:r>
+              <a:rPr lang="en-US" altLang="ko-KR" dirty="0" smtClean="0"/>
+              <a:t>.</a:t>
+            </a:r>
           </a:p>
         </p:txBody>
       </p:sp>
     </p:spTree>
     <p:extLst>
       <p:ext uri="{BB962C8B-B14F-4D97-AF65-F5344CB8AC3E}">
-        <p14:creationId xmlns:p14="http://schemas.microsoft.com/office/powerpoint/2010/main" val="3438228057"/>
+        <p14:creationId xmlns:p14="http://schemas.microsoft.com/office/powerpoint/2010/main" val="448506583"/>
       </p:ext>
     </p:extLst>
   </p:cSld>
@@ -9925,142 +9877,142 @@
           </a:p>
           <a:p>
             <a:r>
+              <a:rPr lang="en-US" altLang="ko-KR" dirty="0" smtClean="0"/>
+              <a:t>data Expr =</a:t>
+            </a:r>
+            <a:br>
+              <a:rPr lang="en-US" altLang="ko-KR" dirty="0" smtClean="0"/>
+            </a:br>
+            <a:r>
+              <a:rPr lang="en-US" altLang="ko-KR" dirty="0" smtClean="0"/>
+              <a:t>    </a:t>
+            </a:r>
+            <a:r>
+              <a:rPr lang="en-US" altLang="ko-KR" dirty="0" err="1" smtClean="0"/>
+              <a:t>EInt</a:t>
+            </a:r>
+            <a:r>
+              <a:rPr lang="en-US" altLang="ko-KR" dirty="0" smtClean="0"/>
+              <a:t> </a:t>
+            </a:r>
+            <a:r>
+              <a:rPr lang="en-US" altLang="ko-KR" dirty="0" err="1" smtClean="0"/>
+              <a:t>Int</a:t>
+            </a:r>
+            <a:r>
+              <a:rPr lang="en-US" altLang="ko-KR" dirty="0" smtClean="0"/>
+              <a:t> | </a:t>
+            </a:r>
+            <a:r>
+              <a:rPr lang="en-US" altLang="ko-KR" dirty="0" err="1" smtClean="0"/>
+              <a:t>EAdd</a:t>
+            </a:r>
+            <a:r>
+              <a:rPr lang="en-US" altLang="ko-KR" dirty="0" smtClean="0"/>
+              <a:t> Expr </a:t>
+            </a:r>
+            <a:r>
+              <a:rPr lang="en-US" altLang="ko-KR" dirty="0" err="1" smtClean="0"/>
+              <a:t>Expr</a:t>
+            </a:r>
+            <a:r>
+              <a:rPr lang="en-US" altLang="ko-KR" dirty="0" smtClean="0"/>
+              <a:t> | </a:t>
+            </a:r>
+            <a:r>
+              <a:rPr lang="en-US" altLang="ko-KR" dirty="0" err="1" smtClean="0"/>
+              <a:t>EMinus</a:t>
+            </a:r>
+            <a:r>
+              <a:rPr lang="en-US" altLang="ko-KR" dirty="0" smtClean="0"/>
+              <a:t> Expr </a:t>
+            </a:r>
+            <a:r>
+              <a:rPr lang="en-US" altLang="ko-KR" dirty="0" err="1" smtClean="0"/>
+              <a:t>Expr</a:t>
+            </a:r>
+            <a:r>
+              <a:rPr lang="en-US" altLang="ko-KR" dirty="0"/>
+              <a:t/>
+            </a:r>
+            <a:br>
+              <a:rPr lang="en-US" altLang="ko-KR" dirty="0"/>
+            </a:br>
+            <a:r>
+              <a:rPr lang="en-US" altLang="ko-KR" dirty="0" smtClean="0"/>
+              <a:t>    | </a:t>
+            </a:r>
+            <a:r>
+              <a:rPr lang="en-US" altLang="ko-KR" dirty="0" err="1" smtClean="0"/>
+              <a:t>EMult</a:t>
+            </a:r>
+            <a:r>
+              <a:rPr lang="en-US" altLang="ko-KR" dirty="0" smtClean="0"/>
+              <a:t> Expr </a:t>
+            </a:r>
+            <a:r>
+              <a:rPr lang="en-US" altLang="ko-KR" dirty="0" err="1" smtClean="0"/>
+              <a:t>Expr</a:t>
+            </a:r>
+            <a:r>
+              <a:rPr lang="en-US" altLang="ko-KR" dirty="0"/>
+              <a:t> </a:t>
+            </a:r>
+            <a:r>
+              <a:rPr lang="en-US" altLang="ko-KR" dirty="0" smtClean="0"/>
+              <a:t>| </a:t>
+            </a:r>
+            <a:r>
+              <a:rPr lang="en-US" altLang="ko-KR" dirty="0" err="1" smtClean="0"/>
+              <a:t>EDiv</a:t>
+            </a:r>
+            <a:r>
+              <a:rPr lang="en-US" altLang="ko-KR" dirty="0" smtClean="0"/>
+              <a:t> Expr </a:t>
+            </a:r>
+            <a:r>
+              <a:rPr lang="en-US" altLang="ko-KR" dirty="0" err="1" smtClean="0"/>
+              <a:t>Expr</a:t>
+            </a:r>
+            <a:r>
+              <a:rPr lang="en-US" altLang="ko-KR" dirty="0" smtClean="0"/>
+              <a:t> | </a:t>
+            </a:r>
+            <a:r>
+              <a:rPr lang="en-US" altLang="ko-KR" dirty="0" err="1" smtClean="0"/>
+              <a:t>ERem</a:t>
+            </a:r>
+            <a:r>
+              <a:rPr lang="en-US" altLang="ko-KR" dirty="0" smtClean="0"/>
+              <a:t> Expr </a:t>
+            </a:r>
+            <a:r>
+              <a:rPr lang="en-US" altLang="ko-KR" dirty="0" err="1" smtClean="0"/>
+              <a:t>Expr</a:t>
+            </a:r>
+            <a:endParaRPr lang="en-US" altLang="ko-KR" dirty="0" smtClean="0"/>
+          </a:p>
+          <a:p>
+            <a:r>
               <a:rPr lang="en-US" altLang="ko-KR" dirty="0" err="1" smtClean="0"/>
               <a:t>eval</a:t>
             </a:r>
             <a:r>
               <a:rPr lang="en-US" altLang="ko-KR" dirty="0" smtClean="0"/>
-              <a:t> (</a:t>
+              <a:t> :: Expr -&gt; Maybe </a:t>
             </a:r>
             <a:r>
               <a:rPr lang="en-US" altLang="ko-KR" dirty="0" err="1" smtClean="0"/>
-              <a:t>EAdd</a:t>
-            </a:r>
-            <a:r>
-              <a:rPr lang="en-US" altLang="ko-KR" dirty="0" smtClean="0"/>
-              <a:t> (</a:t>
-            </a:r>
-            <a:r>
-              <a:rPr lang="en-US" altLang="ko-KR" dirty="0" err="1" smtClean="0"/>
-              <a:t>EInt</a:t>
-            </a:r>
-            <a:r>
-              <a:rPr lang="en-US" altLang="ko-KR" dirty="0" smtClean="0"/>
-              <a:t> 5) (</a:t>
-            </a:r>
-            <a:r>
-              <a:rPr lang="en-US" altLang="ko-KR" dirty="0" err="1" smtClean="0"/>
-              <a:t>EMult</a:t>
-            </a:r>
-            <a:r>
-              <a:rPr lang="en-US" altLang="ko-KR" dirty="0" smtClean="0"/>
-              <a:t> (</a:t>
-            </a:r>
-            <a:r>
-              <a:rPr lang="en-US" altLang="ko-KR" dirty="0" err="1" smtClean="0"/>
-              <a:t>EInt</a:t>
-            </a:r>
-            <a:r>
-              <a:rPr lang="en-US" altLang="ko-KR" dirty="0" smtClean="0"/>
-              <a:t> 5) (</a:t>
-            </a:r>
-            <a:r>
-              <a:rPr lang="en-US" altLang="ko-KR" dirty="0" err="1" smtClean="0"/>
-              <a:t>EMinus</a:t>
-            </a:r>
-            <a:r>
-              <a:rPr lang="en-US" altLang="ko-KR" dirty="0" smtClean="0"/>
-              <a:t> (</a:t>
-            </a:r>
-            <a:r>
-              <a:rPr lang="en-US" altLang="ko-KR" dirty="0" err="1" smtClean="0"/>
-              <a:t>EInt</a:t>
-            </a:r>
-            <a:r>
-              <a:rPr lang="en-US" altLang="ko-KR" dirty="0" smtClean="0"/>
-              <a:t> 3) (</a:t>
-            </a:r>
-            <a:r>
-              <a:rPr lang="en-US" altLang="ko-KR" dirty="0" err="1" smtClean="0"/>
-              <a:t>EDiv</a:t>
-            </a:r>
-            <a:r>
-              <a:rPr lang="en-US" altLang="ko-KR" dirty="0" smtClean="0"/>
-              <a:t> (</a:t>
-            </a:r>
-            <a:r>
-              <a:rPr lang="en-US" altLang="ko-KR" dirty="0" err="1" smtClean="0"/>
-              <a:t>EInt</a:t>
-            </a:r>
-            <a:r>
-              <a:rPr lang="en-US" altLang="ko-KR" dirty="0" smtClean="0"/>
-              <a:t> 4) (</a:t>
-            </a:r>
-            <a:r>
-              <a:rPr lang="en-US" altLang="ko-KR" dirty="0" err="1" smtClean="0"/>
-              <a:t>EInt</a:t>
-            </a:r>
-            <a:r>
-              <a:rPr lang="en-US" altLang="ko-KR" dirty="0" smtClean="0"/>
-              <a:t> 3))))) == Just 15</a:t>
-            </a:r>
-          </a:p>
-          <a:p>
-            <a:r>
-              <a:rPr lang="en-US" altLang="ko-KR" dirty="0" err="1" smtClean="0"/>
-              <a:t>eval</a:t>
-            </a:r>
-            <a:r>
-              <a:rPr lang="en-US" altLang="ko-KR" dirty="0" smtClean="0"/>
-              <a:t> (</a:t>
-            </a:r>
-            <a:r>
-              <a:rPr lang="en-US" altLang="ko-KR" dirty="0" err="1" smtClean="0"/>
-              <a:t>EMult</a:t>
-            </a:r>
-            <a:r>
-              <a:rPr lang="en-US" altLang="ko-KR" dirty="0" smtClean="0"/>
-              <a:t> (</a:t>
-            </a:r>
-            <a:r>
-              <a:rPr lang="en-US" altLang="ko-KR" dirty="0" err="1" smtClean="0"/>
-              <a:t>EInt</a:t>
-            </a:r>
-            <a:r>
-              <a:rPr lang="en-US" altLang="ko-KR" dirty="0" smtClean="0"/>
-              <a:t> 3) (</a:t>
-            </a:r>
-            <a:r>
-              <a:rPr lang="en-US" altLang="ko-KR" dirty="0" err="1" smtClean="0"/>
-              <a:t>ERem</a:t>
-            </a:r>
-            <a:r>
-              <a:rPr lang="en-US" altLang="ko-KR" dirty="0" smtClean="0"/>
-              <a:t> (</a:t>
-            </a:r>
-            <a:r>
-              <a:rPr lang="en-US" altLang="ko-KR" dirty="0" err="1" smtClean="0"/>
-              <a:t>EInt</a:t>
-            </a:r>
-            <a:r>
-              <a:rPr lang="en-US" altLang="ko-KR" dirty="0" smtClean="0"/>
-              <a:t> 3) (</a:t>
-            </a:r>
-            <a:r>
-              <a:rPr lang="en-US" altLang="ko-KR" dirty="0" err="1" smtClean="0"/>
-              <a:t>EInt</a:t>
-            </a:r>
-            <a:r>
-              <a:rPr lang="en-US" altLang="ko-KR" dirty="0" smtClean="0"/>
-              <a:t> 0))) == Nothing</a:t>
-            </a:r>
+              <a:t>Int</a:t>
+            </a:r>
+            <a:endParaRPr lang="en-US" altLang="ko-KR" dirty="0" smtClean="0"/>
           </a:p>
         </p:txBody>
       </p:sp>
     </p:spTree>
     <p:extLst>
       <p:ext uri="{BB962C8B-B14F-4D97-AF65-F5344CB8AC3E}">
-        <p14:creationId xmlns:p14="http://schemas.microsoft.com/office/powerpoint/2010/main" val="3077353287"/>
+        <p14:creationId xmlns:p14="http://schemas.microsoft.com/office/powerpoint/2010/main" val="3438228057"/>
       </p:ext>
     </p:extLst>
   </p:cSld>
@@ -10283,6 +10235,228 @@
           </a:p>
           <a:p>
             <a:r>
+              <a:rPr lang="en-US" altLang="ko-KR" dirty="0" err="1" smtClean="0"/>
+              <a:t>eval</a:t>
+            </a:r>
+            <a:r>
+              <a:rPr lang="en-US" altLang="ko-KR" dirty="0" smtClean="0"/>
+              <a:t> (</a:t>
+            </a:r>
+            <a:r>
+              <a:rPr lang="en-US" altLang="ko-KR" dirty="0" err="1" smtClean="0"/>
+              <a:t>EAdd</a:t>
+            </a:r>
+            <a:r>
+              <a:rPr lang="en-US" altLang="ko-KR" dirty="0" smtClean="0"/>
+              <a:t> (</a:t>
+            </a:r>
+            <a:r>
+              <a:rPr lang="en-US" altLang="ko-KR" dirty="0" err="1" smtClean="0"/>
+              <a:t>EInt</a:t>
+            </a:r>
+            <a:r>
+              <a:rPr lang="en-US" altLang="ko-KR" dirty="0" smtClean="0"/>
+              <a:t> 5) (</a:t>
+            </a:r>
+            <a:r>
+              <a:rPr lang="en-US" altLang="ko-KR" dirty="0" err="1" smtClean="0"/>
+              <a:t>EMult</a:t>
+            </a:r>
+            <a:r>
+              <a:rPr lang="en-US" altLang="ko-KR" dirty="0" smtClean="0"/>
+              <a:t> (</a:t>
+            </a:r>
+            <a:r>
+              <a:rPr lang="en-US" altLang="ko-KR" dirty="0" err="1" smtClean="0"/>
+              <a:t>EInt</a:t>
+            </a:r>
+            <a:r>
+              <a:rPr lang="en-US" altLang="ko-KR" dirty="0" smtClean="0"/>
+              <a:t> 5) (</a:t>
+            </a:r>
+            <a:r>
+              <a:rPr lang="en-US" altLang="ko-KR" dirty="0" err="1" smtClean="0"/>
+              <a:t>EMinus</a:t>
+            </a:r>
+            <a:r>
+              <a:rPr lang="en-US" altLang="ko-KR" dirty="0" smtClean="0"/>
+              <a:t> (</a:t>
+            </a:r>
+            <a:r>
+              <a:rPr lang="en-US" altLang="ko-KR" dirty="0" err="1" smtClean="0"/>
+              <a:t>EInt</a:t>
+            </a:r>
+            <a:r>
+              <a:rPr lang="en-US" altLang="ko-KR" dirty="0" smtClean="0"/>
+              <a:t> 3) (</a:t>
+            </a:r>
+            <a:r>
+              <a:rPr lang="en-US" altLang="ko-KR" dirty="0" err="1" smtClean="0"/>
+              <a:t>EDiv</a:t>
+            </a:r>
+            <a:r>
+              <a:rPr lang="en-US" altLang="ko-KR" dirty="0" smtClean="0"/>
+              <a:t> (</a:t>
+            </a:r>
+            <a:r>
+              <a:rPr lang="en-US" altLang="ko-KR" dirty="0" err="1" smtClean="0"/>
+              <a:t>EInt</a:t>
+            </a:r>
+            <a:r>
+              <a:rPr lang="en-US" altLang="ko-KR" dirty="0" smtClean="0"/>
+              <a:t> 4) (</a:t>
+            </a:r>
+            <a:r>
+              <a:rPr lang="en-US" altLang="ko-KR" dirty="0" err="1" smtClean="0"/>
+              <a:t>EInt</a:t>
+            </a:r>
+            <a:r>
+              <a:rPr lang="en-US" altLang="ko-KR" dirty="0" smtClean="0"/>
+              <a:t> 3))))) == Just 15</a:t>
+            </a:r>
+          </a:p>
+          <a:p>
+            <a:r>
+              <a:rPr lang="en-US" altLang="ko-KR" dirty="0" err="1" smtClean="0"/>
+              <a:t>eval</a:t>
+            </a:r>
+            <a:r>
+              <a:rPr lang="en-US" altLang="ko-KR" dirty="0" smtClean="0"/>
+              <a:t> (</a:t>
+            </a:r>
+            <a:r>
+              <a:rPr lang="en-US" altLang="ko-KR" dirty="0" err="1" smtClean="0"/>
+              <a:t>EMult</a:t>
+            </a:r>
+            <a:r>
+              <a:rPr lang="en-US" altLang="ko-KR" dirty="0" smtClean="0"/>
+              <a:t> (</a:t>
+            </a:r>
+            <a:r>
+              <a:rPr lang="en-US" altLang="ko-KR" dirty="0" err="1" smtClean="0"/>
+              <a:t>EInt</a:t>
+            </a:r>
+            <a:r>
+              <a:rPr lang="en-US" altLang="ko-KR" dirty="0" smtClean="0"/>
+              <a:t> 3) (</a:t>
+            </a:r>
+            <a:r>
+              <a:rPr lang="en-US" altLang="ko-KR" dirty="0" err="1" smtClean="0"/>
+              <a:t>ERem</a:t>
+            </a:r>
+            <a:r>
+              <a:rPr lang="en-US" altLang="ko-KR" dirty="0" smtClean="0"/>
+              <a:t> (</a:t>
+            </a:r>
+            <a:r>
+              <a:rPr lang="en-US" altLang="ko-KR" dirty="0" err="1" smtClean="0"/>
+              <a:t>EInt</a:t>
+            </a:r>
+            <a:r>
+              <a:rPr lang="en-US" altLang="ko-KR" dirty="0" smtClean="0"/>
+              <a:t> 3) (</a:t>
+            </a:r>
+            <a:r>
+              <a:rPr lang="en-US" altLang="ko-KR" dirty="0" err="1" smtClean="0"/>
+              <a:t>EInt</a:t>
+            </a:r>
+            <a:r>
+              <a:rPr lang="en-US" altLang="ko-KR" dirty="0" smtClean="0"/>
+              <a:t> 0))) == Nothing</a:t>
+            </a:r>
+          </a:p>
+        </p:txBody>
+      </p:sp>
+    </p:spTree>
+    <p:extLst>
+      <p:ext uri="{BB962C8B-B14F-4D97-AF65-F5344CB8AC3E}">
+        <p14:creationId xmlns:p14="http://schemas.microsoft.com/office/powerpoint/2010/main" val="3077353287"/>
+      </p:ext>
+    </p:extLst>
+  </p:cSld>
+  <p:clrMapOvr>
+    <a:masterClrMapping/>
+  </p:clrMapOvr>
+  <p:timing>
+    <p:tnLst>
+      <p:par>
+        <p:cTn id="1" dur="indefinite" restart="never" nodeType="tmRoot"/>
+      </p:par>
+    </p:tnLst>
+  </p:timing>
+</p:sld>
+</file>
+
+<file path=ppt/slides/slide121.xml><?xml version="1.0" encoding="utf-8"?>
+<p:sld xmlns:a="http://schemas.openxmlformats.org/drawingml/2006/main" xmlns:r="http://schemas.openxmlformats.org/officeDocument/2006/relationships" xmlns:p="http://schemas.openxmlformats.org/presentationml/2006/main">
+  <p:cSld>
+    <p:spTree>
+      <p:nvGrpSpPr>
+        <p:cNvPr id="1" name=""/>
+        <p:cNvGrpSpPr/>
+        <p:nvPr/>
+      </p:nvGrpSpPr>
+      <p:grpSpPr>
+        <a:xfrm>
+          <a:off x="0" y="0"/>
+          <a:ext cx="0" cy="0"/>
+          <a:chOff x="0" y="0"/>
+          <a:chExt cx="0" cy="0"/>
+        </a:xfrm>
+      </p:grpSpPr>
+      <p:sp>
+        <p:nvSpPr>
+          <p:cNvPr id="2" name="제목 1"/>
+          <p:cNvSpPr>
+            <a:spLocks noGrp="1"/>
+          </p:cNvSpPr>
+          <p:nvPr>
+            <p:ph type="title"/>
+          </p:nvPr>
+        </p:nvSpPr>
+        <p:spPr/>
+        <p:txBody>
+          <a:bodyPr/>
+          <a:lstStyle/>
+          <a:p>
+            <a:r>
+              <a:rPr lang="en-US" dirty="0" smtClean="0"/>
+              <a:t>Practices</a:t>
+            </a:r>
+            <a:endParaRPr lang="en-CA" dirty="0"/>
+          </a:p>
+        </p:txBody>
+      </p:sp>
+      <p:sp>
+        <p:nvSpPr>
+          <p:cNvPr id="3" name="내용 개체 틀 2"/>
+          <p:cNvSpPr>
+            <a:spLocks noGrp="1"/>
+          </p:cNvSpPr>
+          <p:nvPr>
+            <p:ph idx="1"/>
+          </p:nvPr>
+        </p:nvSpPr>
+        <p:spPr/>
+        <p:txBody>
+          <a:bodyPr/>
+          <a:lstStyle/>
+          <a:p>
+            <a:r>
+              <a:rPr lang="en-US" altLang="ko-KR" dirty="0" smtClean="0"/>
+              <a:t>2. </a:t>
+            </a:r>
+            <a:r>
+              <a:rPr lang="ko-KR" altLang="en-US" dirty="0" smtClean="0"/>
+              <a:t>간단한 언어를 만들어보자</a:t>
+            </a:r>
+            <a:r>
+              <a:rPr lang="en-US" altLang="ko-KR" dirty="0" smtClean="0"/>
+              <a:t>.</a:t>
+            </a:r>
+          </a:p>
+          <a:p>
+            <a:r>
               <a:rPr lang="en-US" altLang="ko-KR" dirty="0" smtClean="0"/>
               <a:t>deriving Read</a:t>
             </a:r>
@@ -11401,11 +11575,7 @@
           <a:p>
             <a:r>
               <a:rPr lang="ko-KR" altLang="en-US" dirty="0" smtClean="0"/>
-              <a:t>기억</a:t>
-            </a:r>
-            <a:r>
-              <a:rPr lang="ko-KR" altLang="en-US" dirty="0" smtClean="0"/>
-              <a:t>력 테스트</a:t>
+              <a:t>기억력 테스트</a:t>
             </a:r>
             <a:endParaRPr lang="en-US" altLang="ko-KR" dirty="0" smtClean="0"/>
           </a:p>
@@ -11425,11 +11595,7 @@
             </a:r>
             <a:r>
               <a:rPr lang="en-US" altLang="ko-KR" dirty="0" smtClean="0"/>
-              <a:t>– </a:t>
-            </a:r>
-            <a:r>
-              <a:rPr lang="en-US" altLang="ko-KR" dirty="0" smtClean="0"/>
-              <a:t>Review</a:t>
+              <a:t>– Review</a:t>
             </a:r>
           </a:p>
           <a:p>
@@ -15663,11 +15829,7 @@
           <a:p>
             <a:r>
               <a:rPr lang="en-US" altLang="ko-KR" dirty="0" smtClean="0"/>
-              <a:t>Practice</a:t>
-            </a:r>
-            <a:r>
-              <a:rPr lang="en-US" altLang="ko-KR" dirty="0" smtClean="0"/>
-              <a:t>s</a:t>
+              <a:t>Practices</a:t>
             </a:r>
           </a:p>
         </p:txBody>
@@ -19863,14 +20025,6 @@
               </a:rPr>
               <a:t>, Show)</a:t>
             </a:r>
-            <a:r>
-              <a:rPr lang="en-US" dirty="0" smtClean="0">
-                <a:solidFill>
-                  <a:srgbClr val="00B050"/>
-                </a:solidFill>
-              </a:rPr>
-              <a:t/>
-            </a:r>
             <a:br>
               <a:rPr lang="en-US" dirty="0" smtClean="0">
                 <a:solidFill>
@@ -20448,9 +20602,41 @@
           </a:p>
           <a:p>
             <a:r>
-              <a:rPr lang="en-US" altLang="ko-KR" dirty="0" smtClean="0"/>
-              <a:t>(=&lt;&lt;) :: (Monad m) =&gt; (a -&gt; m b) -&gt; m a -&gt; m b</a:t>
-            </a:r>
+              <a:rPr lang="en-US" altLang="ko-KR" dirty="0" smtClean="0">
+                <a:solidFill>
+                  <a:srgbClr val="00B050"/>
+                </a:solidFill>
+              </a:rPr>
+              <a:t>(=&lt;&lt;) :: (Monad m) =&gt; (a -&gt; m b) -&gt; m a -&gt; m </a:t>
+            </a:r>
+            <a:r>
+              <a:rPr lang="en-US" altLang="ko-KR" dirty="0" smtClean="0">
+                <a:solidFill>
+                  <a:srgbClr val="00B050"/>
+                </a:solidFill>
+              </a:rPr>
+              <a:t>b</a:t>
+            </a:r>
+            <a:br>
+              <a:rPr lang="en-US" altLang="ko-KR" dirty="0" smtClean="0">
+                <a:solidFill>
+                  <a:srgbClr val="00B050"/>
+                </a:solidFill>
+              </a:rPr>
+            </a:br>
+            <a:r>
+              <a:rPr lang="en-US" altLang="ko-KR" dirty="0" smtClean="0">
+                <a:solidFill>
+                  <a:srgbClr val="00B050"/>
+                </a:solidFill>
+              </a:rPr>
+              <a:t>(=&lt;&lt;) a b = (&gt;&gt;=) b a</a:t>
+            </a:r>
+            <a:endParaRPr lang="en-US" altLang="ko-KR" dirty="0" smtClean="0">
+              <a:solidFill>
+                <a:srgbClr val="00B050"/>
+              </a:solidFill>
+            </a:endParaRPr>
           </a:p>
         </p:txBody>
       </p:sp>
@@ -24082,7 +24268,15 @@
             </a:r>
             <a:r>
               <a:rPr lang="ko-KR" altLang="en-US" dirty="0" smtClean="0"/>
-              <a:t> 아닌지 판별하는 함수를 짜보자</a:t>
+              <a:t> 아닌지 판별하는 </a:t>
+            </a:r>
+            <a:r>
+              <a:rPr lang="ko-KR" altLang="en-US" dirty="0" smtClean="0"/>
+              <a:t>코드를 </a:t>
+            </a:r>
+            <a:r>
+              <a:rPr lang="ko-KR" altLang="en-US" dirty="0" smtClean="0"/>
+              <a:t>짜보자</a:t>
             </a:r>
             <a:r>
               <a:rPr lang="en-US" altLang="ko-KR" dirty="0" smtClean="0"/>
@@ -24233,8 +24427,12 @@
           <a:lstStyle/>
           <a:p>
             <a:r>
-              <a:rPr lang="ko-KR" altLang="en-US" dirty="0" smtClean="0"/>
-              <a:t>조각조각 프로그래밍</a:t>
+              <a:rPr lang="ko-KR" altLang="en-US" dirty="0" err="1" smtClean="0"/>
+              <a:t>조심히</a:t>
+            </a:r>
+            <a:r>
+              <a:rPr lang="ko-KR" altLang="en-US" dirty="0" smtClean="0"/>
+              <a:t> 만들기</a:t>
             </a:r>
             <a:r>
               <a:rPr lang="en-US" altLang="ko-KR" dirty="0" smtClean="0"/>
@@ -24244,8 +24442,16 @@
               <a:rPr lang="en-US" altLang="ko-KR" dirty="0" smtClean="0"/>
             </a:br>
             <a:r>
-              <a:rPr lang="en-US" altLang="ko-KR" dirty="0" smtClean="0"/>
-              <a:t>Module</a:t>
+              <a:rPr lang="en-US" altLang="ko-KR" dirty="0" err="1" smtClean="0"/>
+              <a:t>Functor</a:t>
+            </a:r>
+            <a:r>
+              <a:rPr lang="en-US" altLang="ko-KR" dirty="0" smtClean="0"/>
+              <a:t>, Applicative, Monad </a:t>
+            </a:r>
+            <a:r>
+              <a:rPr lang="en-US" altLang="ko-KR" dirty="0" err="1" smtClean="0"/>
+              <a:t>Implemetation</a:t>
             </a:r>
             <a:endParaRPr lang="en-CA" dirty="0"/>
           </a:p>
@@ -24263,50 +24469,41 @@
         </p:nvSpPr>
         <p:spPr/>
         <p:txBody>
-          <a:bodyPr/>
-          <a:lstStyle/>
-          <a:p>
-            <a:r>
-              <a:rPr lang="ko-KR" altLang="en-US" dirty="0" smtClean="0"/>
-              <a:t>무슨 프로그래밍이던지 간에 적당한 크기로 </a:t>
-            </a:r>
-            <a:r>
-              <a:rPr lang="en-US" altLang="ko-KR" dirty="0" smtClean="0"/>
-              <a:t>Module</a:t>
-            </a:r>
-            <a:r>
-              <a:rPr lang="ko-KR" altLang="en-US" dirty="0" smtClean="0"/>
-              <a:t>을 구성하는 것은 중요하다</a:t>
-            </a:r>
-            <a:r>
-              <a:rPr lang="en-US" altLang="ko-KR" dirty="0" smtClean="0"/>
-              <a:t>.</a:t>
-            </a:r>
-          </a:p>
-          <a:p>
-            <a:r>
-              <a:rPr lang="ko-KR" altLang="en-US" dirty="0" smtClean="0"/>
-              <a:t>이미 구성된 표준 라이브러리 </a:t>
-            </a:r>
-            <a:r>
-              <a:rPr lang="en-US" altLang="ko-KR" dirty="0" smtClean="0"/>
-              <a:t>Module</a:t>
-            </a:r>
-            <a:r>
-              <a:rPr lang="ko-KR" altLang="en-US" dirty="0" smtClean="0"/>
-              <a:t>의 사용법을 아는 것 또한 매우 중요하다</a:t>
-            </a:r>
-            <a:r>
-              <a:rPr lang="en-US" altLang="ko-KR" dirty="0" smtClean="0"/>
-              <a:t>.</a:t>
-            </a:r>
+          <a:bodyPr>
+            <a:normAutofit/>
+          </a:bodyPr>
+          <a:lstStyle/>
+          <a:p>
+            <a:r>
+              <a:rPr lang="en-US" altLang="ko-KR" dirty="0" smtClean="0"/>
+              <a:t>Quiz</a:t>
+            </a:r>
+            <a:r>
+              <a:rPr lang="en-US" altLang="ko-KR" dirty="0" smtClean="0"/>
+              <a:t>!</a:t>
+            </a:r>
+          </a:p>
+          <a:p>
+            <a:r>
+              <a:rPr lang="en-US" altLang="ko-KR" dirty="0" smtClean="0">
+                <a:solidFill>
+                  <a:srgbClr val="FF0000"/>
+                </a:solidFill>
+              </a:rPr>
+              <a:t>print (return (0,0) &gt;&gt;= lecture 3 &gt;&gt;= study 2 &gt;&gt;= lecture 3 &gt;&gt;= study 4 &gt;&gt;= lecture 3 &gt;&gt;= study 1 &gt;&gt;= study 1 &gt;&gt;= lecture 3 &gt;&gt;= study 2 &gt;&gt;= lecture 3 &gt;&gt;= study 4)</a:t>
+            </a:r>
+            <a:endParaRPr lang="en-US" altLang="ko-KR" dirty="0" smtClean="0">
+              <a:solidFill>
+                <a:srgbClr val="FF0000"/>
+              </a:solidFill>
+            </a:endParaRPr>
           </a:p>
         </p:txBody>
       </p:sp>
     </p:spTree>
     <p:extLst>
       <p:ext uri="{BB962C8B-B14F-4D97-AF65-F5344CB8AC3E}">
-        <p14:creationId xmlns:p14="http://schemas.microsoft.com/office/powerpoint/2010/main" val="1426512261"/>
+        <p14:creationId xmlns:p14="http://schemas.microsoft.com/office/powerpoint/2010/main" val="3250921171"/>
       </p:ext>
     </p:extLst>
   </p:cSld>
@@ -24392,20 +24589,34 @@
           <a:lstStyle/>
           <a:p>
             <a:r>
-              <a:rPr lang="en-US" altLang="ko-KR" dirty="0" smtClean="0"/>
-              <a:t>Prelude</a:t>
-            </a:r>
-            <a:r>
-              <a:rPr lang="ko-KR" altLang="en-US" dirty="0" smtClean="0"/>
-              <a:t>를 넘어선 모듈들을 사용하는 법을 알아보고</a:t>
-            </a:r>
-            <a:r>
-              <a:rPr lang="en-US" altLang="ko-KR" dirty="0" smtClean="0"/>
-              <a:t>, </a:t>
-            </a:r>
-            <a:r>
-              <a:rPr lang="ko-KR" altLang="en-US" dirty="0" smtClean="0"/>
-              <a:t>직접 모듈을 만들어보자</a:t>
+              <a:rPr lang="ko-KR" altLang="en-US" dirty="0" smtClean="0"/>
+              <a:t>무슨 프로그래밍이던지 간에 적당한 크기로 </a:t>
+            </a:r>
+            <a:r>
+              <a:rPr lang="en-US" altLang="ko-KR" dirty="0" smtClean="0"/>
+              <a:t>Module</a:t>
+            </a:r>
+            <a:r>
+              <a:rPr lang="ko-KR" altLang="en-US" dirty="0" smtClean="0"/>
+              <a:t>을 구성하는 것은 중요하다</a:t>
+            </a:r>
+            <a:r>
+              <a:rPr lang="en-US" altLang="ko-KR" dirty="0" smtClean="0"/>
+              <a:t>.</a:t>
+            </a:r>
+          </a:p>
+          <a:p>
+            <a:r>
+              <a:rPr lang="ko-KR" altLang="en-US" dirty="0" smtClean="0"/>
+              <a:t>이미 구성된 표준 라이브러리 </a:t>
+            </a:r>
+            <a:r>
+              <a:rPr lang="en-US" altLang="ko-KR" dirty="0" smtClean="0"/>
+              <a:t>Module</a:t>
+            </a:r>
+            <a:r>
+              <a:rPr lang="ko-KR" altLang="en-US" dirty="0" smtClean="0"/>
+              <a:t>의 사용법을 아는 것 또한 매우 중요하다</a:t>
             </a:r>
             <a:r>
               <a:rPr lang="en-US" altLang="ko-KR" dirty="0" smtClean="0"/>
@@ -24417,7 +24628,7 @@
     </p:spTree>
     <p:extLst>
       <p:ext uri="{BB962C8B-B14F-4D97-AF65-F5344CB8AC3E}">
-        <p14:creationId xmlns:p14="http://schemas.microsoft.com/office/powerpoint/2010/main" val="53867837"/>
+        <p14:creationId xmlns:p14="http://schemas.microsoft.com/office/powerpoint/2010/main" val="1426512261"/>
       </p:ext>
     </p:extLst>
   </p:cSld>
@@ -24504,38 +24715,19 @@
           <a:p>
             <a:r>
               <a:rPr lang="en-US" altLang="ko-KR" dirty="0" smtClean="0"/>
-              <a:t>Import </a:t>
-            </a:r>
-            <a:r>
-              <a:rPr lang="ko-KR" altLang="en-US" dirty="0" smtClean="0"/>
-              <a:t>문</a:t>
-            </a:r>
-            <a:endParaRPr lang="en-US" altLang="ko-KR" dirty="0" smtClean="0"/>
-          </a:p>
-          <a:p>
-            <a:r>
-              <a:rPr lang="en-US" altLang="ko-KR" dirty="0" smtClean="0"/>
-              <a:t>import </a:t>
-            </a:r>
-            <a:r>
-              <a:rPr lang="ko-KR" altLang="en-US" dirty="0" smtClean="0"/>
-              <a:t>이름</a:t>
-            </a:r>
-            <a:endParaRPr lang="en-US" altLang="ko-KR" dirty="0" smtClean="0"/>
-          </a:p>
-          <a:p>
-            <a:pPr lvl="1"/>
-            <a:r>
-              <a:rPr lang="ko-KR" altLang="en-US" dirty="0" smtClean="0"/>
-              <a:t>이름에 해당하는 </a:t>
-            </a:r>
-            <a:r>
-              <a:rPr lang="en-US" altLang="ko-KR" dirty="0" smtClean="0"/>
-              <a:t>Module</a:t>
-            </a:r>
-            <a:r>
-              <a:rPr lang="ko-KR" altLang="en-US" dirty="0" smtClean="0"/>
-              <a:t>을 불러온다</a:t>
+              <a:t>Prelude</a:t>
+            </a:r>
+            <a:r>
+              <a:rPr lang="ko-KR" altLang="en-US" dirty="0" smtClean="0"/>
+              <a:t>를 넘어선 모듈들을 사용하는 법을 알아보고</a:t>
+            </a:r>
+            <a:r>
+              <a:rPr lang="en-US" altLang="ko-KR" dirty="0" smtClean="0"/>
+              <a:t>, </a:t>
+            </a:r>
+            <a:r>
+              <a:rPr lang="ko-KR" altLang="en-US" dirty="0" smtClean="0"/>
+              <a:t>직접 모듈을 만들어보자</a:t>
             </a:r>
             <a:r>
               <a:rPr lang="en-US" altLang="ko-KR" dirty="0" smtClean="0"/>
@@ -24547,7 +24739,7 @@
     </p:spTree>
     <p:extLst>
       <p:ext uri="{BB962C8B-B14F-4D97-AF65-F5344CB8AC3E}">
-        <p14:creationId xmlns:p14="http://schemas.microsoft.com/office/powerpoint/2010/main" val="3586874208"/>
+        <p14:creationId xmlns:p14="http://schemas.microsoft.com/office/powerpoint/2010/main" val="53867837"/>
       </p:ext>
     </p:extLst>
   </p:cSld>
@@ -24634,7 +24826,7 @@
           <a:p>
             <a:r>
               <a:rPr lang="en-US" altLang="ko-KR" dirty="0" smtClean="0"/>
-              <a:t>Qualifier Import </a:t>
+              <a:t>Import </a:t>
             </a:r>
             <a:r>
               <a:rPr lang="ko-KR" altLang="en-US" dirty="0" smtClean="0"/>
@@ -24645,7 +24837,7 @@
           <a:p>
             <a:r>
               <a:rPr lang="en-US" altLang="ko-KR" dirty="0" smtClean="0"/>
-              <a:t>import qualifier </a:t>
+              <a:t>import </a:t>
             </a:r>
             <a:r>
               <a:rPr lang="ko-KR" altLang="en-US" dirty="0" smtClean="0"/>
@@ -24657,30 +24849,15 @@
             <a:pPr lvl="1"/>
             <a:r>
               <a:rPr lang="ko-KR" altLang="en-US" dirty="0" smtClean="0"/>
-              <a:t>이름</a:t>
-            </a:r>
-            <a:r>
-              <a:rPr lang="en-US" altLang="ko-KR" dirty="0" smtClean="0"/>
-              <a:t>.</a:t>
-            </a:r>
-            <a:r>
-              <a:rPr lang="ko-KR" altLang="en-US" dirty="0" err="1" smtClean="0"/>
-              <a:t>쓰고싶은정의로</a:t>
-            </a:r>
-            <a:r>
-              <a:rPr lang="ko-KR" altLang="en-US" dirty="0" smtClean="0"/>
-              <a:t> 모듈 안의 것들을 쓸 수 있게 해준다</a:t>
-            </a:r>
-            <a:r>
-              <a:rPr lang="en-US" altLang="ko-KR" dirty="0" smtClean="0"/>
-              <a:t>.</a:t>
-            </a:r>
-          </a:p>
-          <a:p>
-            <a:pPr lvl="1"/>
-            <a:r>
-              <a:rPr lang="ko-KR" altLang="en-US" dirty="0" smtClean="0"/>
-              <a:t>함수 이름의 중복을 막기 위해 쓴다</a:t>
+              <a:t>이름에 해당하는 </a:t>
+            </a:r>
+            <a:r>
+              <a:rPr lang="en-US" altLang="ko-KR" dirty="0" smtClean="0"/>
+              <a:t>Module</a:t>
+            </a:r>
+            <a:r>
+              <a:rPr lang="ko-KR" altLang="en-US" dirty="0" smtClean="0"/>
+              <a:t>을 불러온다</a:t>
             </a:r>
             <a:r>
               <a:rPr lang="en-US" altLang="ko-KR" dirty="0" smtClean="0"/>
@@ -24692,7 +24869,7 @@
     </p:spTree>
     <p:extLst>
       <p:ext uri="{BB962C8B-B14F-4D97-AF65-F5344CB8AC3E}">
-        <p14:creationId xmlns:p14="http://schemas.microsoft.com/office/powerpoint/2010/main" val="4208250433"/>
+        <p14:creationId xmlns:p14="http://schemas.microsoft.com/office/powerpoint/2010/main" val="3586874208"/>
       </p:ext>
     </p:extLst>
   </p:cSld>
@@ -24779,7 +24956,7 @@
           <a:p>
             <a:r>
               <a:rPr lang="en-US" altLang="ko-KR" dirty="0" smtClean="0"/>
-              <a:t>Import as </a:t>
+              <a:t>Qualifier Import </a:t>
             </a:r>
             <a:r>
               <a:rPr lang="ko-KR" altLang="en-US" dirty="0" smtClean="0"/>
@@ -24793,48 +24970,43 @@
               <a:t>import </a:t>
             </a:r>
             <a:r>
-              <a:rPr lang="ko-KR" altLang="en-US" dirty="0" smtClean="0"/>
-              <a:t>이름 </a:t>
-            </a:r>
-            <a:r>
-              <a:rPr lang="en-US" altLang="ko-KR" dirty="0" smtClean="0"/>
-              <a:t>as </a:t>
+              <a:rPr lang="en-US" altLang="ko-KR" dirty="0" smtClean="0"/>
+              <a:t>qualified </a:t>
+            </a:r>
+            <a:r>
+              <a:rPr lang="ko-KR" altLang="en-US" dirty="0" smtClean="0"/>
+              <a:t>이름</a:t>
+            </a:r>
+            <a:endParaRPr lang="en-US" altLang="ko-KR" dirty="0" smtClean="0"/>
+          </a:p>
+          <a:p>
+            <a:pPr lvl="1"/>
+            <a:r>
+              <a:rPr lang="ko-KR" altLang="en-US" dirty="0" smtClean="0"/>
+              <a:t>이름</a:t>
+            </a:r>
+            <a:r>
+              <a:rPr lang="en-US" altLang="ko-KR" dirty="0" smtClean="0"/>
+              <a:t>.</a:t>
             </a:r>
             <a:r>
               <a:rPr lang="ko-KR" altLang="en-US" dirty="0" err="1" smtClean="0"/>
-              <a:t>새이름</a:t>
-            </a:r>
-            <a:endParaRPr lang="en-US" altLang="ko-KR" dirty="0" smtClean="0"/>
+              <a:t>쓰고싶은정의로</a:t>
+            </a:r>
+            <a:r>
+              <a:rPr lang="ko-KR" altLang="en-US" dirty="0" smtClean="0"/>
+              <a:t> 모듈 안의 것들을 쓸 수 있게 해준다</a:t>
+            </a:r>
+            <a:r>
+              <a:rPr lang="en-US" altLang="ko-KR" dirty="0" smtClean="0"/>
+              <a:t>.</a:t>
+            </a:r>
           </a:p>
           <a:p>
             <a:pPr lvl="1"/>
             <a:r>
               <a:rPr lang="ko-KR" altLang="en-US" dirty="0" smtClean="0"/>
-              <a:t>이름에 해당하는 </a:t>
-            </a:r>
-            <a:r>
-              <a:rPr lang="en-US" altLang="ko-KR" dirty="0" smtClean="0"/>
-              <a:t>Module</a:t>
-            </a:r>
-            <a:r>
-              <a:rPr lang="ko-KR" altLang="en-US" dirty="0" smtClean="0"/>
-              <a:t>을 불러오고</a:t>
-            </a:r>
-            <a:r>
-              <a:rPr lang="en-US" altLang="ko-KR" dirty="0" smtClean="0"/>
-              <a:t>, Module</a:t>
-            </a:r>
-            <a:r>
-              <a:rPr lang="ko-KR" altLang="en-US" dirty="0" smtClean="0"/>
-              <a:t>에 </a:t>
-            </a:r>
-            <a:r>
-              <a:rPr lang="ko-KR" altLang="en-US" dirty="0" err="1" smtClean="0"/>
-              <a:t>새이름이라는</a:t>
-            </a:r>
-            <a:r>
-              <a:rPr lang="ko-KR" altLang="en-US" dirty="0" smtClean="0"/>
-              <a:t> 별명을 지어준다</a:t>
+              <a:t>함수 이름의 중복을 막기 위해 쓴다</a:t>
             </a:r>
             <a:r>
               <a:rPr lang="en-US" altLang="ko-KR" dirty="0" smtClean="0"/>
@@ -24846,7 +25018,7 @@
     </p:spTree>
     <p:extLst>
       <p:ext uri="{BB962C8B-B14F-4D97-AF65-F5344CB8AC3E}">
-        <p14:creationId xmlns:p14="http://schemas.microsoft.com/office/powerpoint/2010/main" val="4193590548"/>
+        <p14:creationId xmlns:p14="http://schemas.microsoft.com/office/powerpoint/2010/main" val="4208250433"/>
       </p:ext>
     </p:extLst>
   </p:cSld>
@@ -24932,12 +25104,8 @@
           <a:lstStyle/>
           <a:p>
             <a:r>
-              <a:rPr lang="ko-KR" altLang="en-US" dirty="0" smtClean="0"/>
-              <a:t>부분 </a:t>
-            </a:r>
-            <a:r>
-              <a:rPr lang="en-US" altLang="ko-KR" dirty="0" smtClean="0"/>
-              <a:t>Import </a:t>
+              <a:rPr lang="en-US" altLang="ko-KR" dirty="0" smtClean="0"/>
+              <a:t>Import as </a:t>
             </a:r>
             <a:r>
               <a:rPr lang="ko-KR" altLang="en-US" dirty="0" smtClean="0"/>
@@ -24956,22 +25124,19 @@
             </a:r>
             <a:r>
               <a:rPr lang="en-US" altLang="ko-KR" dirty="0" smtClean="0"/>
-              <a:t>(</a:t>
-            </a:r>
-            <a:r>
-              <a:rPr lang="ko-KR" altLang="en-US" dirty="0" smtClean="0"/>
-              <a:t>가져올 정의들</a:t>
-            </a:r>
-            <a:r>
-              <a:rPr lang="en-US" altLang="ko-KR" dirty="0" smtClean="0"/>
-              <a:t>)</a:t>
-            </a:r>
+              <a:t>as </a:t>
+            </a:r>
+            <a:r>
+              <a:rPr lang="ko-KR" altLang="en-US" dirty="0" err="1" smtClean="0"/>
+              <a:t>새이름</a:t>
+            </a:r>
+            <a:endParaRPr lang="en-US" altLang="ko-KR" dirty="0" smtClean="0"/>
           </a:p>
           <a:p>
             <a:pPr lvl="1"/>
             <a:r>
               <a:rPr lang="ko-KR" altLang="en-US" dirty="0" smtClean="0"/>
-              <a:t>가져올 정의들에 해당하는 정의들만 </a:t>
+              <a:t>이름에 해당하는 </a:t>
             </a:r>
             <a:r>
               <a:rPr lang="en-US" altLang="ko-KR" dirty="0" smtClean="0"/>
@@ -24979,56 +25144,23 @@
             </a:r>
             <a:r>
               <a:rPr lang="ko-KR" altLang="en-US" dirty="0" smtClean="0"/>
-              <a:t>에서 가져온다</a:t>
-            </a:r>
-            <a:r>
-              <a:rPr lang="en-US" altLang="ko-KR" dirty="0" smtClean="0"/>
-              <a:t>.</a:t>
-            </a:r>
-          </a:p>
-          <a:p>
-            <a:r>
-              <a:rPr lang="en-US" altLang="ko-KR" dirty="0" smtClean="0"/>
-              <a:t>import </a:t>
-            </a:r>
-            <a:r>
-              <a:rPr lang="ko-KR" altLang="en-US" dirty="0" smtClean="0"/>
-              <a:t>이름 </a:t>
-            </a:r>
-            <a:r>
-              <a:rPr lang="en-US" altLang="ko-KR" dirty="0" smtClean="0"/>
-              <a:t>hiding (</a:t>
-            </a:r>
-            <a:r>
-              <a:rPr lang="ko-KR" altLang="en-US" dirty="0" smtClean="0"/>
-              <a:t>숨길 정의들</a:t>
-            </a:r>
-            <a:r>
-              <a:rPr lang="en-US" altLang="ko-KR" dirty="0" smtClean="0"/>
-              <a:t>)</a:t>
-            </a:r>
-          </a:p>
-          <a:p>
-            <a:pPr lvl="1"/>
-            <a:r>
-              <a:rPr lang="ko-KR" altLang="en-US" dirty="0" smtClean="0"/>
-              <a:t>숨길 </a:t>
+              <a:t>을 불러오고</a:t>
+            </a:r>
+            <a:r>
+              <a:rPr lang="en-US" altLang="ko-KR" dirty="0" smtClean="0"/>
+              <a:t>, Module</a:t>
+            </a:r>
+            <a:r>
+              <a:rPr lang="ko-KR" altLang="en-US" dirty="0" smtClean="0"/>
+              <a:t>에 </a:t>
             </a:r>
             <a:r>
               <a:rPr lang="ko-KR" altLang="en-US" dirty="0" err="1" smtClean="0"/>
-              <a:t>정의들ㅇ에</a:t>
-            </a:r>
-            <a:r>
-              <a:rPr lang="ko-KR" altLang="en-US" dirty="0" smtClean="0"/>
-              <a:t> 해당하는 정의들은 </a:t>
-            </a:r>
-            <a:r>
-              <a:rPr lang="en-US" altLang="ko-KR" dirty="0" smtClean="0"/>
-              <a:t>Module</a:t>
-            </a:r>
-            <a:r>
-              <a:rPr lang="ko-KR" altLang="en-US" dirty="0" smtClean="0"/>
-              <a:t>에서 가져오지 않는다</a:t>
+              <a:t>새이름이라는</a:t>
+            </a:r>
+            <a:r>
+              <a:rPr lang="ko-KR" altLang="en-US" dirty="0" smtClean="0"/>
+              <a:t> 별명을 지어준다</a:t>
             </a:r>
             <a:r>
               <a:rPr lang="en-US" altLang="ko-KR" dirty="0" smtClean="0"/>
@@ -25040,7 +25172,7 @@
     </p:spTree>
     <p:extLst>
       <p:ext uri="{BB962C8B-B14F-4D97-AF65-F5344CB8AC3E}">
-        <p14:creationId xmlns:p14="http://schemas.microsoft.com/office/powerpoint/2010/main" val="3773266309"/>
+        <p14:creationId xmlns:p14="http://schemas.microsoft.com/office/powerpoint/2010/main" val="4193590548"/>
       </p:ext>
     </p:extLst>
   </p:cSld>
@@ -25126,6 +25258,10 @@
           <a:lstStyle/>
           <a:p>
             <a:r>
+              <a:rPr lang="ko-KR" altLang="en-US" dirty="0" smtClean="0"/>
+              <a:t>부분 </a:t>
+            </a:r>
+            <a:r>
               <a:rPr lang="en-US" altLang="ko-KR" dirty="0" smtClean="0"/>
               <a:t>Import </a:t>
             </a:r>
@@ -25138,7 +25274,7 @@
           <a:p>
             <a:r>
               <a:rPr lang="en-US" altLang="ko-KR" dirty="0" smtClean="0"/>
-              <a:t>import qualifier </a:t>
+              <a:t>import </a:t>
             </a:r>
             <a:r>
               <a:rPr lang="ko-KR" altLang="en-US" dirty="0" smtClean="0"/>
@@ -25146,124 +25282,91 @@
             </a:r>
             <a:r>
               <a:rPr lang="en-US" altLang="ko-KR" dirty="0" smtClean="0"/>
-              <a:t>as </a:t>
+              <a:t>(</a:t>
+            </a:r>
+            <a:r>
+              <a:rPr lang="ko-KR" altLang="en-US" dirty="0" smtClean="0"/>
+              <a:t>가져올 정의들</a:t>
+            </a:r>
+            <a:r>
+              <a:rPr lang="en-US" altLang="ko-KR" dirty="0" smtClean="0"/>
+              <a:t>)</a:t>
+            </a:r>
+          </a:p>
+          <a:p>
+            <a:pPr lvl="1"/>
+            <a:r>
+              <a:rPr lang="ko-KR" altLang="en-US" dirty="0" smtClean="0"/>
+              <a:t>가져올 정의들에 해당하는 정의들만 </a:t>
+            </a:r>
+            <a:r>
+              <a:rPr lang="en-US" altLang="ko-KR" dirty="0" smtClean="0"/>
+              <a:t>Module</a:t>
+            </a:r>
+            <a:r>
+              <a:rPr lang="ko-KR" altLang="en-US" dirty="0" smtClean="0"/>
+              <a:t>에서 가져온다</a:t>
+            </a:r>
+            <a:r>
+              <a:rPr lang="en-US" altLang="ko-KR" dirty="0" smtClean="0"/>
+              <a:t>.</a:t>
+            </a:r>
+          </a:p>
+          <a:p>
+            <a:r>
+              <a:rPr lang="en-US" altLang="ko-KR" dirty="0" smtClean="0"/>
+              <a:t>import </a:t>
+            </a:r>
+            <a:r>
+              <a:rPr lang="ko-KR" altLang="en-US" dirty="0" smtClean="0"/>
+              <a:t>이름 </a:t>
+            </a:r>
+            <a:r>
+              <a:rPr lang="en-US" altLang="ko-KR" dirty="0" smtClean="0"/>
+              <a:t>hiding (</a:t>
+            </a:r>
+            <a:r>
+              <a:rPr lang="ko-KR" altLang="en-US" dirty="0" smtClean="0"/>
+              <a:t>숨길 정의들</a:t>
+            </a:r>
+            <a:r>
+              <a:rPr lang="en-US" altLang="ko-KR" dirty="0" smtClean="0"/>
+              <a:t>)</a:t>
+            </a:r>
+          </a:p>
+          <a:p>
+            <a:pPr lvl="1"/>
+            <a:r>
+              <a:rPr lang="ko-KR" altLang="en-US" dirty="0" smtClean="0"/>
+              <a:t>숨길 </a:t>
             </a:r>
             <a:r>
               <a:rPr lang="ko-KR" altLang="en-US" dirty="0" err="1" smtClean="0"/>
-              <a:t>새이름</a:t>
-            </a:r>
-            <a:r>
-              <a:rPr lang="ko-KR" altLang="en-US" dirty="0" smtClean="0"/>
-              <a:t> </a:t>
-            </a:r>
-            <a:r>
-              <a:rPr lang="en-US" altLang="ko-KR" dirty="0"/>
-              <a:t>(</a:t>
-            </a:r>
-            <a:r>
-              <a:rPr lang="ko-KR" altLang="en-US" dirty="0"/>
-              <a:t>가져올 정의들</a:t>
-            </a:r>
-            <a:r>
-              <a:rPr lang="en-US" altLang="ko-KR" dirty="0" smtClean="0"/>
-              <a:t>)</a:t>
-            </a:r>
-          </a:p>
-          <a:p>
-            <a:pPr lvl="1"/>
-            <a:r>
-              <a:rPr lang="ko-KR" altLang="en-US" dirty="0" smtClean="0"/>
-              <a:t>가장 일반적인 </a:t>
-            </a:r>
-            <a:r>
-              <a:rPr lang="en-US" altLang="ko-KR" dirty="0" smtClean="0"/>
-              <a:t>import </a:t>
-            </a:r>
-            <a:r>
-              <a:rPr lang="ko-KR" altLang="en-US" dirty="0" smtClean="0"/>
-              <a:t>문 중 하나</a:t>
-            </a:r>
-            <a:endParaRPr lang="en-US" altLang="ko-KR" dirty="0" smtClean="0"/>
-          </a:p>
-          <a:p>
-            <a:pPr lvl="1"/>
-            <a:r>
-              <a:rPr lang="ko-KR" altLang="en-US" dirty="0" err="1" smtClean="0"/>
-              <a:t>새이름</a:t>
+              <a:t>정의들ㅇ에</a:t>
+            </a:r>
+            <a:r>
+              <a:rPr lang="ko-KR" altLang="en-US" dirty="0" smtClean="0"/>
+              <a:t> 해당하는 정의들은 </a:t>
+            </a:r>
+            <a:r>
+              <a:rPr lang="en-US" altLang="ko-KR" dirty="0" smtClean="0"/>
+              <a:t>Module</a:t>
+            </a:r>
+            <a:r>
+              <a:rPr lang="ko-KR" altLang="en-US" dirty="0" smtClean="0"/>
+              <a:t>에서 가져오지 않는다</a:t>
             </a:r>
             <a:r>
               <a:rPr lang="en-US" altLang="ko-KR" dirty="0" smtClean="0"/>
               <a:t>.</a:t>
             </a:r>
-            <a:r>
-              <a:rPr lang="ko-KR" altLang="en-US" dirty="0" err="1" smtClean="0"/>
-              <a:t>가져온정의로</a:t>
-            </a:r>
-            <a:r>
-              <a:rPr lang="ko-KR" altLang="en-US" dirty="0" smtClean="0"/>
-              <a:t> 정의들을 사용할 수 있다</a:t>
-            </a:r>
-            <a:r>
-              <a:rPr lang="en-US" altLang="ko-KR" dirty="0" smtClean="0"/>
-              <a:t>.</a:t>
-            </a:r>
-          </a:p>
-          <a:p>
-            <a:r>
-              <a:rPr lang="en-US" altLang="ko-KR" dirty="0" smtClean="0"/>
-              <a:t>import qualifier </a:t>
-            </a:r>
-            <a:r>
-              <a:rPr lang="ko-KR" altLang="en-US" dirty="0" smtClean="0"/>
-              <a:t>이름 </a:t>
-            </a:r>
-            <a:r>
-              <a:rPr lang="en-US" altLang="ko-KR" dirty="0" smtClean="0"/>
-              <a:t>as </a:t>
-            </a:r>
-            <a:r>
-              <a:rPr lang="ko-KR" altLang="en-US" dirty="0" err="1" smtClean="0"/>
-              <a:t>새이름</a:t>
-            </a:r>
-            <a:r>
-              <a:rPr lang="ko-KR" altLang="en-US" dirty="0" smtClean="0"/>
-              <a:t> </a:t>
-            </a:r>
-            <a:r>
-              <a:rPr lang="en-US" altLang="ko-KR" dirty="0" smtClean="0"/>
-              <a:t>hiding (</a:t>
-            </a:r>
-            <a:r>
-              <a:rPr lang="ko-KR" altLang="en-US" dirty="0" smtClean="0"/>
-              <a:t>숨길 정의들</a:t>
-            </a:r>
-            <a:r>
-              <a:rPr lang="en-US" altLang="ko-KR" dirty="0" smtClean="0"/>
-              <a:t>)</a:t>
-            </a:r>
-          </a:p>
-          <a:p>
-            <a:pPr lvl="1"/>
-            <a:r>
-              <a:rPr lang="ko-KR" altLang="en-US" dirty="0" smtClean="0"/>
-              <a:t>가장 일반적인 </a:t>
-            </a:r>
-            <a:r>
-              <a:rPr lang="en-US" altLang="ko-KR" dirty="0" smtClean="0"/>
-              <a:t>import </a:t>
-            </a:r>
-            <a:r>
-              <a:rPr lang="ko-KR" altLang="en-US" dirty="0" smtClean="0"/>
-              <a:t>문 중 하나</a:t>
-            </a:r>
-            <a:endParaRPr lang="en-US" altLang="ko-KR" dirty="0" smtClean="0"/>
           </a:p>
         </p:txBody>
       </p:sp>
     </p:spTree>
     <p:extLst>
       <p:ext uri="{BB962C8B-B14F-4D97-AF65-F5344CB8AC3E}">
-        <p14:creationId xmlns:p14="http://schemas.microsoft.com/office/powerpoint/2010/main" val="2226077470"/>
+        <p14:creationId xmlns:p14="http://schemas.microsoft.com/office/powerpoint/2010/main" val="3773266309"/>
       </p:ext>
     </p:extLst>
   </p:cSld>
@@ -25349,173 +25452,152 @@
           <a:lstStyle/>
           <a:p>
             <a:r>
-              <a:rPr lang="en-US" altLang="ko-KR" dirty="0" smtClean="0">
-                <a:solidFill>
-                  <a:srgbClr val="00B050"/>
-                </a:solidFill>
-              </a:rPr>
+              <a:rPr lang="en-US" altLang="ko-KR" dirty="0" smtClean="0"/>
+              <a:t>Import </a:t>
+            </a:r>
+            <a:r>
+              <a:rPr lang="ko-KR" altLang="en-US" dirty="0" smtClean="0"/>
+              <a:t>문</a:t>
+            </a:r>
+            <a:endParaRPr lang="en-US" altLang="ko-KR" dirty="0" smtClean="0"/>
+          </a:p>
+          <a:p>
+            <a:r>
+              <a:rPr lang="en-US" altLang="ko-KR" dirty="0" smtClean="0"/>
               <a:t>import </a:t>
             </a:r>
             <a:r>
-              <a:rPr lang="en-US" altLang="ko-KR" dirty="0" err="1" smtClean="0">
-                <a:solidFill>
-                  <a:srgbClr val="00B050"/>
-                </a:solidFill>
-              </a:rPr>
-              <a:t>Data.List</a:t>
-            </a:r>
-            <a:r>
-              <a:rPr lang="en-US" altLang="ko-KR" dirty="0">
-                <a:solidFill>
-                  <a:srgbClr val="00B050"/>
-                </a:solidFill>
-              </a:rPr>
-              <a:t/>
-            </a:r>
-            <a:br>
-              <a:rPr lang="en-US" altLang="ko-KR" dirty="0">
-                <a:solidFill>
-                  <a:srgbClr val="00B050"/>
-                </a:solidFill>
-              </a:rPr>
-            </a:br>
-            <a:r>
-              <a:rPr lang="en-US" altLang="ko-KR" dirty="0" smtClean="0">
-                <a:solidFill>
-                  <a:srgbClr val="00B050"/>
-                </a:solidFill>
-              </a:rPr>
-              <a:t>v = permutation [1,2,3]</a:t>
-            </a:r>
-          </a:p>
-          <a:p>
-            <a:r>
-              <a:rPr lang="en-US" altLang="ko-KR" dirty="0" smtClean="0">
-                <a:solidFill>
-                  <a:srgbClr val="00B050"/>
-                </a:solidFill>
-              </a:rPr>
-              <a:t>import qualifier </a:t>
-            </a:r>
-            <a:r>
-              <a:rPr lang="en-US" altLang="ko-KR" dirty="0" err="1" smtClean="0">
-                <a:solidFill>
-                  <a:srgbClr val="00B050"/>
-                </a:solidFill>
-              </a:rPr>
-              <a:t>Data.List</a:t>
-            </a:r>
-            <a:r>
-              <a:rPr lang="en-US" altLang="ko-KR" dirty="0" smtClean="0">
-                <a:solidFill>
-                  <a:srgbClr val="00B050"/>
-                </a:solidFill>
-              </a:rPr>
-              <a:t/>
-            </a:r>
-            <a:br>
-              <a:rPr lang="en-US" altLang="ko-KR" dirty="0" smtClean="0">
-                <a:solidFill>
-                  <a:srgbClr val="00B050"/>
-                </a:solidFill>
-              </a:rPr>
-            </a:br>
-            <a:r>
-              <a:rPr lang="en-US" altLang="ko-KR" dirty="0" smtClean="0">
-                <a:solidFill>
-                  <a:srgbClr val="00B050"/>
-                </a:solidFill>
-              </a:rPr>
-              <a:t>v = </a:t>
-            </a:r>
-            <a:r>
-              <a:rPr lang="en-US" altLang="ko-KR" dirty="0" err="1" smtClean="0">
-                <a:solidFill>
-                  <a:srgbClr val="00B050"/>
-                </a:solidFill>
-              </a:rPr>
-              <a:t>Data.List.permutation</a:t>
-            </a:r>
-            <a:r>
-              <a:rPr lang="en-US" altLang="ko-KR" dirty="0" smtClean="0">
-                <a:solidFill>
-                  <a:srgbClr val="00B050"/>
-                </a:solidFill>
-              </a:rPr>
-              <a:t> [1,2,3]</a:t>
-            </a:r>
-          </a:p>
-          <a:p>
-            <a:r>
-              <a:rPr lang="en-US" altLang="ko-KR" dirty="0" smtClean="0">
-                <a:solidFill>
-                  <a:srgbClr val="00B050"/>
-                </a:solidFill>
-              </a:rPr>
-              <a:t>import qualifier </a:t>
-            </a:r>
-            <a:r>
-              <a:rPr lang="en-US" altLang="ko-KR" dirty="0" err="1" smtClean="0">
-                <a:solidFill>
-                  <a:srgbClr val="00B050"/>
-                </a:solidFill>
-              </a:rPr>
-              <a:t>Data.List</a:t>
-            </a:r>
-            <a:r>
-              <a:rPr lang="en-US" altLang="ko-KR" dirty="0" smtClean="0">
-                <a:solidFill>
-                  <a:srgbClr val="00B050"/>
-                </a:solidFill>
-              </a:rPr>
-              <a:t> as L</a:t>
-            </a:r>
-            <a:r>
-              <a:rPr lang="en-US" altLang="ko-KR" dirty="0">
-                <a:solidFill>
-                  <a:srgbClr val="00B050"/>
-                </a:solidFill>
-              </a:rPr>
-              <a:t/>
-            </a:r>
-            <a:br>
-              <a:rPr lang="en-US" altLang="ko-KR" dirty="0">
-                <a:solidFill>
-                  <a:srgbClr val="00B050"/>
-                </a:solidFill>
-              </a:rPr>
-            </a:br>
-            <a:r>
-              <a:rPr lang="en-US" altLang="ko-KR" dirty="0" smtClean="0">
-                <a:solidFill>
-                  <a:srgbClr val="00B050"/>
-                </a:solidFill>
-              </a:rPr>
-              <a:t>v = </a:t>
-            </a:r>
-            <a:r>
-              <a:rPr lang="en-US" altLang="ko-KR" dirty="0" err="1" smtClean="0">
-                <a:solidFill>
-                  <a:srgbClr val="00B050"/>
-                </a:solidFill>
-              </a:rPr>
-              <a:t>L.permutation</a:t>
-            </a:r>
-            <a:r>
-              <a:rPr lang="en-US" altLang="ko-KR" dirty="0" smtClean="0">
-                <a:solidFill>
-                  <a:srgbClr val="00B050"/>
-                </a:solidFill>
-              </a:rPr>
-              <a:t> [1,2,3]</a:t>
-            </a:r>
+              <a:rPr lang="en-US" altLang="ko-KR" dirty="0" smtClean="0"/>
+              <a:t>qualified </a:t>
+            </a:r>
+            <a:r>
+              <a:rPr lang="ko-KR" altLang="en-US" dirty="0" smtClean="0"/>
+              <a:t>이름 </a:t>
+            </a:r>
+            <a:r>
+              <a:rPr lang="en-US" altLang="ko-KR" dirty="0" smtClean="0"/>
+              <a:t>as </a:t>
+            </a:r>
+            <a:r>
+              <a:rPr lang="ko-KR" altLang="en-US" dirty="0" err="1" smtClean="0"/>
+              <a:t>새이름</a:t>
+            </a:r>
+            <a:r>
+              <a:rPr lang="ko-KR" altLang="en-US" dirty="0" smtClean="0"/>
+              <a:t> </a:t>
+            </a:r>
+            <a:r>
+              <a:rPr lang="en-US" altLang="ko-KR" dirty="0"/>
+              <a:t>(</a:t>
+            </a:r>
+            <a:r>
+              <a:rPr lang="ko-KR" altLang="en-US" dirty="0"/>
+              <a:t>가져올 정의들</a:t>
+            </a:r>
+            <a:r>
+              <a:rPr lang="en-US" altLang="ko-KR" dirty="0" smtClean="0"/>
+              <a:t>)</a:t>
+            </a:r>
+          </a:p>
+          <a:p>
+            <a:pPr lvl="1"/>
+            <a:r>
+              <a:rPr lang="ko-KR" altLang="en-US" dirty="0" smtClean="0"/>
+              <a:t>가장 일반적인 </a:t>
+            </a:r>
+            <a:r>
+              <a:rPr lang="en-US" altLang="ko-KR" dirty="0" smtClean="0"/>
+              <a:t>import </a:t>
+            </a:r>
+            <a:r>
+              <a:rPr lang="ko-KR" altLang="en-US" dirty="0" smtClean="0"/>
+              <a:t>문 중 하나</a:t>
+            </a:r>
+            <a:endParaRPr lang="en-US" altLang="ko-KR" dirty="0" smtClean="0"/>
+          </a:p>
+          <a:p>
+            <a:pPr lvl="1"/>
+            <a:r>
+              <a:rPr lang="ko-KR" altLang="en-US" dirty="0" err="1" smtClean="0"/>
+              <a:t>새이름</a:t>
+            </a:r>
+            <a:r>
+              <a:rPr lang="en-US" altLang="ko-KR" dirty="0" smtClean="0"/>
+              <a:t>.</a:t>
+            </a:r>
+            <a:r>
+              <a:rPr lang="ko-KR" altLang="en-US" dirty="0" err="1" smtClean="0"/>
+              <a:t>가져온정의로</a:t>
+            </a:r>
+            <a:r>
+              <a:rPr lang="ko-KR" altLang="en-US" dirty="0" smtClean="0"/>
+              <a:t> 정의들을 사용할 수 있다</a:t>
+            </a:r>
+            <a:r>
+              <a:rPr lang="en-US" altLang="ko-KR" dirty="0" smtClean="0"/>
+              <a:t>.</a:t>
+            </a:r>
+          </a:p>
+          <a:p>
+            <a:r>
+              <a:rPr lang="en-US" altLang="ko-KR" dirty="0" smtClean="0"/>
+              <a:t>import </a:t>
+            </a:r>
+            <a:r>
+              <a:rPr lang="en-US" altLang="ko-KR" dirty="0" smtClean="0"/>
+              <a:t>qualified </a:t>
+            </a:r>
+            <a:r>
+              <a:rPr lang="ko-KR" altLang="en-US" dirty="0" smtClean="0"/>
+              <a:t>이름 </a:t>
+            </a:r>
+            <a:r>
+              <a:rPr lang="en-US" altLang="ko-KR" dirty="0" smtClean="0"/>
+              <a:t>as </a:t>
+            </a:r>
+            <a:r>
+              <a:rPr lang="ko-KR" altLang="en-US" dirty="0" err="1" smtClean="0"/>
+              <a:t>새이름</a:t>
+            </a:r>
+            <a:r>
+              <a:rPr lang="ko-KR" altLang="en-US" dirty="0" smtClean="0"/>
+              <a:t> </a:t>
+            </a:r>
+            <a:r>
+              <a:rPr lang="en-US" altLang="ko-KR" dirty="0" smtClean="0"/>
+              <a:t>hiding (</a:t>
+            </a:r>
+            <a:r>
+              <a:rPr lang="ko-KR" altLang="en-US" dirty="0" smtClean="0"/>
+              <a:t>숨길 정의들</a:t>
+            </a:r>
+            <a:r>
+              <a:rPr lang="en-US" altLang="ko-KR" dirty="0" smtClean="0"/>
+              <a:t>)</a:t>
+            </a:r>
+          </a:p>
+          <a:p>
+            <a:pPr lvl="1"/>
+            <a:r>
+              <a:rPr lang="ko-KR" altLang="en-US" dirty="0" smtClean="0"/>
+              <a:t>가장 일반적인 </a:t>
+            </a:r>
+            <a:r>
+              <a:rPr lang="en-US" altLang="ko-KR" dirty="0" smtClean="0"/>
+              <a:t>import </a:t>
+            </a:r>
+            <a:r>
+              <a:rPr lang="ko-KR" altLang="en-US" dirty="0" smtClean="0"/>
+              <a:t>문 중 하나</a:t>
+            </a:r>
+            <a:endParaRPr lang="en-US" altLang="ko-KR" dirty="0" smtClean="0"/>
           </a:p>
         </p:txBody>
       </p:sp>
     </p:spTree>
     <p:extLst>
       <p:ext uri="{BB962C8B-B14F-4D97-AF65-F5344CB8AC3E}">
-        <p14:creationId xmlns:p14="http://schemas.microsoft.com/office/powerpoint/2010/main" val="1660375107"/>
+        <p14:creationId xmlns:p14="http://schemas.microsoft.com/office/powerpoint/2010/main" val="2226077470"/>
       </p:ext>
     </p:extLst>
   </p:cSld>
@@ -25601,30 +25683,181 @@
           <a:lstStyle/>
           <a:p>
             <a:r>
-              <a:rPr lang="en-US" altLang="ko-KR" dirty="0" smtClean="0"/>
-              <a:t>Module</a:t>
-            </a:r>
-            <a:r>
-              <a:rPr lang="ko-KR" altLang="en-US" dirty="0" smtClean="0"/>
-              <a:t>을 불러와서 사용하는 방법에 대해서 알아보았다</a:t>
-            </a:r>
-            <a:r>
-              <a:rPr lang="en-US" altLang="ko-KR" dirty="0" smtClean="0"/>
-              <a:t>.</a:t>
-            </a:r>
-          </a:p>
-          <a:p>
-            <a:r>
-              <a:rPr lang="en-US" altLang="ko-KR" dirty="0" smtClean="0"/>
-              <a:t>Module</a:t>
-            </a:r>
-            <a:r>
-              <a:rPr lang="ko-KR" altLang="en-US" dirty="0" smtClean="0"/>
-              <a:t>을 정의하는 방법은 무엇일까</a:t>
-            </a:r>
-            <a:r>
-              <a:rPr lang="en-US" altLang="ko-KR" dirty="0" smtClean="0"/>
-              <a:t>?</a:t>
+              <a:rPr lang="en-US" altLang="ko-KR" dirty="0" smtClean="0">
+                <a:solidFill>
+                  <a:srgbClr val="00B050"/>
+                </a:solidFill>
+              </a:rPr>
+              <a:t>import </a:t>
+            </a:r>
+            <a:r>
+              <a:rPr lang="en-US" altLang="ko-KR" dirty="0" err="1" smtClean="0">
+                <a:solidFill>
+                  <a:srgbClr val="00B050"/>
+                </a:solidFill>
+              </a:rPr>
+              <a:t>Data.List</a:t>
+            </a:r>
+            <a:r>
+              <a:rPr lang="en-US" altLang="ko-KR" dirty="0">
+                <a:solidFill>
+                  <a:srgbClr val="00B050"/>
+                </a:solidFill>
+              </a:rPr>
+              <a:t/>
+            </a:r>
+            <a:br>
+              <a:rPr lang="en-US" altLang="ko-KR" dirty="0">
+                <a:solidFill>
+                  <a:srgbClr val="00B050"/>
+                </a:solidFill>
+              </a:rPr>
+            </a:br>
+            <a:r>
+              <a:rPr lang="en-US" altLang="ko-KR" dirty="0" smtClean="0">
+                <a:solidFill>
+                  <a:srgbClr val="00B050"/>
+                </a:solidFill>
+              </a:rPr>
+              <a:t>v = permutation [1,2,3]</a:t>
+            </a:r>
+          </a:p>
+          <a:p>
+            <a:r>
+              <a:rPr lang="en-US" altLang="ko-KR" dirty="0" smtClean="0">
+                <a:solidFill>
+                  <a:srgbClr val="00B050"/>
+                </a:solidFill>
+              </a:rPr>
+              <a:t>import </a:t>
+            </a:r>
+            <a:r>
+              <a:rPr lang="en-US" altLang="ko-KR" dirty="0" smtClean="0">
+                <a:solidFill>
+                  <a:srgbClr val="00B050"/>
+                </a:solidFill>
+              </a:rPr>
+              <a:t>qualified </a:t>
+            </a:r>
+            <a:r>
+              <a:rPr lang="en-US" altLang="ko-KR" dirty="0" err="1" smtClean="0">
+                <a:solidFill>
+                  <a:srgbClr val="00B050"/>
+                </a:solidFill>
+              </a:rPr>
+              <a:t>Data.List</a:t>
+            </a:r>
+            <a:r>
+              <a:rPr lang="en-US" altLang="ko-KR" dirty="0" smtClean="0">
+                <a:solidFill>
+                  <a:srgbClr val="00B050"/>
+                </a:solidFill>
+              </a:rPr>
+              <a:t/>
+            </a:r>
+            <a:br>
+              <a:rPr lang="en-US" altLang="ko-KR" dirty="0" smtClean="0">
+                <a:solidFill>
+                  <a:srgbClr val="00B050"/>
+                </a:solidFill>
+              </a:rPr>
+            </a:br>
+            <a:r>
+              <a:rPr lang="en-US" altLang="ko-KR" dirty="0" smtClean="0">
+                <a:solidFill>
+                  <a:srgbClr val="00B050"/>
+                </a:solidFill>
+              </a:rPr>
+              <a:t>v = </a:t>
+            </a:r>
+            <a:r>
+              <a:rPr lang="en-US" altLang="ko-KR" dirty="0" err="1" smtClean="0">
+                <a:solidFill>
+                  <a:srgbClr val="00B050"/>
+                </a:solidFill>
+              </a:rPr>
+              <a:t>Data.List.permutation</a:t>
+            </a:r>
+            <a:r>
+              <a:rPr lang="en-US" altLang="ko-KR" dirty="0" smtClean="0">
+                <a:solidFill>
+                  <a:srgbClr val="00B050"/>
+                </a:solidFill>
+              </a:rPr>
+              <a:t> [1,2,3]</a:t>
+            </a:r>
+          </a:p>
+          <a:p>
+            <a:r>
+              <a:rPr lang="en-US" altLang="ko-KR" dirty="0" smtClean="0">
+                <a:solidFill>
+                  <a:srgbClr val="00B050"/>
+                </a:solidFill>
+              </a:rPr>
+              <a:t>import </a:t>
+            </a:r>
+            <a:r>
+              <a:rPr lang="en-US" altLang="ko-KR" dirty="0" smtClean="0">
+                <a:solidFill>
+                  <a:srgbClr val="00B050"/>
+                </a:solidFill>
+              </a:rPr>
+              <a:t>qualified </a:t>
+            </a:r>
+            <a:r>
+              <a:rPr lang="en-US" altLang="ko-KR" dirty="0" err="1" smtClean="0">
+                <a:solidFill>
+                  <a:srgbClr val="00B050"/>
+                </a:solidFill>
+              </a:rPr>
+              <a:t>Data.List</a:t>
+            </a:r>
+            <a:r>
+              <a:rPr lang="en-US" altLang="ko-KR" dirty="0" smtClean="0">
+                <a:solidFill>
+                  <a:srgbClr val="00B050"/>
+                </a:solidFill>
+              </a:rPr>
+              <a:t> as L</a:t>
+            </a:r>
+            <a:r>
+              <a:rPr lang="en-US" altLang="ko-KR" dirty="0">
+                <a:solidFill>
+                  <a:srgbClr val="00B050"/>
+                </a:solidFill>
+              </a:rPr>
+              <a:t/>
+            </a:r>
+            <a:br>
+              <a:rPr lang="en-US" altLang="ko-KR" dirty="0">
+                <a:solidFill>
+                  <a:srgbClr val="00B050"/>
+                </a:solidFill>
+              </a:rPr>
+            </a:br>
+            <a:r>
+              <a:rPr lang="en-US" altLang="ko-KR" dirty="0" smtClean="0">
+                <a:solidFill>
+                  <a:srgbClr val="00B050"/>
+                </a:solidFill>
+              </a:rPr>
+              <a:t>v = </a:t>
+            </a:r>
+            <a:r>
+              <a:rPr lang="en-US" altLang="ko-KR" dirty="0" err="1" smtClean="0">
+                <a:solidFill>
+                  <a:srgbClr val="00B050"/>
+                </a:solidFill>
+              </a:rPr>
+              <a:t>L.permutation</a:t>
+            </a:r>
+            <a:r>
+              <a:rPr lang="en-US" altLang="ko-KR" dirty="0" smtClean="0">
+                <a:solidFill>
+                  <a:srgbClr val="00B050"/>
+                </a:solidFill>
+              </a:rPr>
+              <a:t> [1,2,3]</a:t>
             </a:r>
           </a:p>
         </p:txBody>
@@ -25632,7 +25865,7 @@
     </p:spTree>
     <p:extLst>
       <p:ext uri="{BB962C8B-B14F-4D97-AF65-F5344CB8AC3E}">
-        <p14:creationId xmlns:p14="http://schemas.microsoft.com/office/powerpoint/2010/main" val="1928942939"/>
+        <p14:creationId xmlns:p14="http://schemas.microsoft.com/office/powerpoint/2010/main" val="1660375107"/>
       </p:ext>
     </p:extLst>
   </p:cSld>
@@ -25718,53 +25951,12 @@
           <a:lstStyle/>
           <a:p>
             <a:r>
-              <a:rPr lang="ko-KR" altLang="en-US" dirty="0" smtClean="0"/>
-              <a:t>기본적인 </a:t>
-            </a:r>
-            <a:r>
-              <a:rPr lang="en-US" altLang="ko-KR" dirty="0" smtClean="0"/>
-              <a:t>Module </a:t>
-            </a:r>
-            <a:r>
-              <a:rPr lang="ko-KR" altLang="en-US" dirty="0" smtClean="0"/>
-              <a:t>정의</a:t>
-            </a:r>
-            <a:endParaRPr lang="en-US" altLang="ko-KR" dirty="0" smtClean="0"/>
-          </a:p>
-          <a:p>
-            <a:r>
-              <a:rPr lang="en-US" altLang="ko-KR" dirty="0" smtClean="0"/>
-              <a:t>module </a:t>
-            </a:r>
-            <a:r>
-              <a:rPr lang="ko-KR" altLang="en-US" dirty="0" smtClean="0"/>
-              <a:t>이름 </a:t>
-            </a:r>
-            <a:r>
-              <a:rPr lang="en-US" altLang="ko-KR" dirty="0" smtClean="0"/>
-              <a:t>where</a:t>
-            </a:r>
-            <a:br>
-              <a:rPr lang="en-US" altLang="ko-KR" dirty="0" smtClean="0"/>
-            </a:br>
-            <a:r>
-              <a:rPr lang="en-US" altLang="ko-KR" dirty="0" smtClean="0"/>
-              <a:t>…</a:t>
-            </a:r>
-          </a:p>
-          <a:p>
-            <a:pPr lvl="1"/>
-            <a:r>
-              <a:rPr lang="ko-KR" altLang="en-US" dirty="0" smtClean="0"/>
-              <a:t>이름이라는 </a:t>
-            </a:r>
-            <a:r>
               <a:rPr lang="en-US" altLang="ko-KR" dirty="0" smtClean="0"/>
               <a:t>Module</a:t>
             </a:r>
             <a:r>
               <a:rPr lang="ko-KR" altLang="en-US" dirty="0" smtClean="0"/>
-              <a:t>을 정의한다</a:t>
+              <a:t>을 불러와서 사용하는 방법에 대해서 알아보았다</a:t>
             </a:r>
             <a:r>
               <a:rPr lang="en-US" altLang="ko-KR" dirty="0" smtClean="0"/>
@@ -25772,26 +25964,17 @@
             </a:r>
           </a:p>
           <a:p>
-            <a:pPr lvl="1"/>
-            <a:r>
-              <a:rPr lang="ko-KR" altLang="en-US" dirty="0" smtClean="0"/>
-              <a:t>이름은 대문자로 </a:t>
-            </a:r>
-            <a:r>
-              <a:rPr lang="ko-KR" altLang="en-US" dirty="0" err="1" smtClean="0"/>
-              <a:t>시작하여야하고</a:t>
-            </a:r>
-            <a:r>
-              <a:rPr lang="en-US" altLang="ko-KR" dirty="0" smtClean="0"/>
-              <a:t>, </a:t>
-            </a:r>
-            <a:r>
-              <a:rPr lang="ko-KR" altLang="en-US" dirty="0" smtClean="0"/>
-              <a:t>파일 명과 동일해야한다</a:t>
-            </a:r>
-            <a:r>
-              <a:rPr lang="en-US" altLang="ko-KR" dirty="0" smtClean="0"/>
-              <a:t>.</a:t>
+            <a:r>
+              <a:rPr lang="en-US" altLang="ko-KR" dirty="0" smtClean="0"/>
+              <a:t>Module</a:t>
+            </a:r>
+            <a:r>
+              <a:rPr lang="ko-KR" altLang="en-US" dirty="0" smtClean="0"/>
+              <a:t>을 정의하는 방법은 무엇일까</a:t>
+            </a:r>
+            <a:r>
+              <a:rPr lang="en-US" altLang="ko-KR" dirty="0" smtClean="0"/>
+              <a:t>?</a:t>
             </a:r>
           </a:p>
         </p:txBody>
@@ -25799,7 +25982,7 @@
     </p:spTree>
     <p:extLst>
       <p:ext uri="{BB962C8B-B14F-4D97-AF65-F5344CB8AC3E}">
-        <p14:creationId xmlns:p14="http://schemas.microsoft.com/office/powerpoint/2010/main" val="3457772203"/>
+        <p14:creationId xmlns:p14="http://schemas.microsoft.com/office/powerpoint/2010/main" val="1928942939"/>
       </p:ext>
     </p:extLst>
   </p:cSld>
@@ -26017,7 +26200,7 @@
           <a:p>
             <a:r>
               <a:rPr lang="ko-KR" altLang="en-US" dirty="0" smtClean="0"/>
-              <a:t>한정적 </a:t>
+              <a:t>기본적인 </a:t>
             </a:r>
             <a:r>
               <a:rPr lang="en-US" altLang="ko-KR" dirty="0" smtClean="0"/>
@@ -26040,22 +26223,6 @@
             </a:r>
             <a:r>
               <a:rPr lang="en-US" altLang="ko-KR" dirty="0" smtClean="0"/>
-              <a:t>(</a:t>
-            </a:r>
-            <a:r>
-              <a:rPr lang="ko-KR" altLang="en-US" dirty="0" smtClean="0"/>
-              <a:t>외부에 노출할 정의들</a:t>
-            </a:r>
-            <a:r>
-              <a:rPr lang="en-US" altLang="ko-KR" dirty="0" smtClean="0"/>
-              <a:t>)</a:t>
-            </a:r>
-            <a:r>
-              <a:rPr lang="ko-KR" altLang="en-US" dirty="0" smtClean="0"/>
-              <a:t> </a:t>
-            </a:r>
-            <a:r>
-              <a:rPr lang="en-US" altLang="ko-KR" dirty="0" smtClean="0"/>
               <a:t>where</a:t>
             </a:r>
             <a:br>
@@ -26070,15 +26237,15 @@
             <a:pPr lvl="1"/>
             <a:r>
               <a:rPr lang="ko-KR" altLang="en-US" dirty="0" smtClean="0"/>
-              <a:t>이름이라는 모듈을 정의하고</a:t>
-            </a:r>
-            <a:r>
-              <a:rPr lang="en-US" altLang="ko-KR" dirty="0" smtClean="0"/>
-              <a:t>, </a:t>
-            </a:r>
-            <a:r>
-              <a:rPr lang="ko-KR" altLang="en-US" dirty="0" smtClean="0"/>
-              <a:t>일부 정의들만 노출한다</a:t>
+              <a:t>이름이라는 </a:t>
+            </a:r>
+            <a:r>
+              <a:rPr lang="en-US" altLang="ko-KR" dirty="0" smtClean="0"/>
+              <a:t>Module</a:t>
+            </a:r>
+            <a:r>
+              <a:rPr lang="ko-KR" altLang="en-US" dirty="0" smtClean="0"/>
+              <a:t>을 정의한다</a:t>
             </a:r>
             <a:r>
               <a:rPr lang="en-US" altLang="ko-KR" dirty="0" smtClean="0"/>
@@ -26089,7 +26256,7 @@
             <a:pPr lvl="1"/>
             <a:r>
               <a:rPr lang="ko-KR" altLang="en-US" dirty="0" smtClean="0"/>
-              <a:t>이름은 대문자로만 </a:t>
+              <a:t>이름은 대문자로 </a:t>
             </a:r>
             <a:r>
               <a:rPr lang="ko-KR" altLang="en-US" dirty="0" err="1" smtClean="0"/>
@@ -26101,7 +26268,7 @@
             </a:r>
             <a:r>
               <a:rPr lang="ko-KR" altLang="en-US" dirty="0" smtClean="0"/>
-              <a:t>파일 명과 동일해야 한다</a:t>
+              <a:t>파일 명과 동일해야한다</a:t>
             </a:r>
             <a:r>
               <a:rPr lang="en-US" altLang="ko-KR" dirty="0" smtClean="0"/>
@@ -26113,7 +26280,7 @@
     </p:spTree>
     <p:extLst>
       <p:ext uri="{BB962C8B-B14F-4D97-AF65-F5344CB8AC3E}">
-        <p14:creationId xmlns:p14="http://schemas.microsoft.com/office/powerpoint/2010/main" val="293579734"/>
+        <p14:creationId xmlns:p14="http://schemas.microsoft.com/office/powerpoint/2010/main" val="3457772203"/>
       </p:ext>
     </p:extLst>
   </p:cSld>
@@ -26200,7 +26367,7 @@
           <a:p>
             <a:r>
               <a:rPr lang="ko-KR" altLang="en-US" dirty="0" smtClean="0"/>
-              <a:t>계층적 </a:t>
+              <a:t>한정적 </a:t>
             </a:r>
             <a:r>
               <a:rPr lang="en-US" altLang="ko-KR" dirty="0" smtClean="0"/>
@@ -26218,61 +26385,65 @@
               <a:t>module </a:t>
             </a:r>
             <a:r>
-              <a:rPr lang="ko-KR" altLang="en-US" dirty="0" err="1" smtClean="0"/>
-              <a:t>폴더명</a:t>
+              <a:rPr lang="ko-KR" altLang="en-US" dirty="0" smtClean="0"/>
+              <a:t>이름 </a:t>
+            </a:r>
+            <a:r>
+              <a:rPr lang="en-US" altLang="ko-KR" dirty="0" smtClean="0"/>
+              <a:t>(</a:t>
+            </a:r>
+            <a:r>
+              <a:rPr lang="ko-KR" altLang="en-US" dirty="0" smtClean="0"/>
+              <a:t>외부에 노출할 정의들</a:t>
+            </a:r>
+            <a:r>
+              <a:rPr lang="en-US" altLang="ko-KR" dirty="0" smtClean="0"/>
+              <a:t>)</a:t>
+            </a:r>
+            <a:r>
+              <a:rPr lang="ko-KR" altLang="en-US" dirty="0" smtClean="0"/>
+              <a:t> </a:t>
+            </a:r>
+            <a:r>
+              <a:rPr lang="en-US" altLang="ko-KR" dirty="0" smtClean="0"/>
+              <a:t>where</a:t>
+            </a:r>
+            <a:br>
+              <a:rPr lang="en-US" altLang="ko-KR" dirty="0" smtClean="0"/>
+            </a:br>
+            <a:r>
+              <a:rPr lang="en-US" altLang="ko-KR" dirty="0" smtClean="0"/>
+              <a:t>…</a:t>
+            </a:r>
+          </a:p>
+          <a:p>
+            <a:pPr lvl="1"/>
+            <a:r>
+              <a:rPr lang="ko-KR" altLang="en-US" dirty="0" smtClean="0"/>
+              <a:t>이름이라는 모듈을 정의하고</a:t>
+            </a:r>
+            <a:r>
+              <a:rPr lang="en-US" altLang="ko-KR" dirty="0" smtClean="0"/>
+              <a:t>, </a:t>
+            </a:r>
+            <a:r>
+              <a:rPr lang="ko-KR" altLang="en-US" dirty="0" smtClean="0"/>
+              <a:t>일부 정의들만 노출한다</a:t>
             </a:r>
             <a:r>
               <a:rPr lang="en-US" altLang="ko-KR" dirty="0" smtClean="0"/>
               <a:t>.</a:t>
             </a:r>
-            <a:r>
-              <a:rPr lang="ko-KR" altLang="en-US" dirty="0" smtClean="0"/>
-              <a:t>이름 </a:t>
-            </a:r>
-            <a:r>
-              <a:rPr lang="en-US" altLang="ko-KR" dirty="0" smtClean="0"/>
-              <a:t>where</a:t>
-            </a:r>
-            <a:br>
-              <a:rPr lang="en-US" altLang="ko-KR" dirty="0" smtClean="0"/>
-            </a:br>
-            <a:r>
-              <a:rPr lang="en-US" altLang="ko-KR" dirty="0" smtClean="0"/>
-              <a:t>…</a:t>
-            </a:r>
           </a:p>
           <a:p>
             <a:pPr lvl="1"/>
             <a:r>
               <a:rPr lang="ko-KR" altLang="en-US" dirty="0" smtClean="0"/>
-              <a:t>여러 모듈들을 하나의 폴더 안에 묶어서 정의할 수 있다</a:t>
-            </a:r>
-            <a:r>
-              <a:rPr lang="en-US" altLang="ko-KR" dirty="0" smtClean="0"/>
-              <a:t>.</a:t>
-            </a:r>
-          </a:p>
-          <a:p>
-            <a:pPr lvl="1"/>
-            <a:r>
-              <a:rPr lang="ko-KR" altLang="en-US" dirty="0" err="1" smtClean="0"/>
-              <a:t>폴더명과</a:t>
-            </a:r>
-            <a:r>
-              <a:rPr lang="ko-KR" altLang="en-US" dirty="0" smtClean="0"/>
-              <a:t> 이름은 대문자로만 </a:t>
+              <a:t>이름은 대문자로만 </a:t>
             </a:r>
             <a:r>
               <a:rPr lang="ko-KR" altLang="en-US" dirty="0" err="1" smtClean="0"/>
               <a:t>시작하여야하고</a:t>
-            </a:r>
-            <a:r>
-              <a:rPr lang="en-US" altLang="ko-KR" dirty="0" smtClean="0"/>
-              <a:t>, </a:t>
-            </a:r>
-            <a:r>
-              <a:rPr lang="ko-KR" altLang="en-US" dirty="0" smtClean="0"/>
-              <a:t>실제 폴더 명</a:t>
             </a:r>
             <a:r>
               <a:rPr lang="en-US" altLang="ko-KR" dirty="0" smtClean="0"/>
@@ -26292,7 +26463,7 @@
     </p:spTree>
     <p:extLst>
       <p:ext uri="{BB962C8B-B14F-4D97-AF65-F5344CB8AC3E}">
-        <p14:creationId xmlns:p14="http://schemas.microsoft.com/office/powerpoint/2010/main" val="2759822256"/>
+        <p14:creationId xmlns:p14="http://schemas.microsoft.com/office/powerpoint/2010/main" val="293579734"/>
       </p:ext>
     </p:extLst>
   </p:cSld>
@@ -26378,105 +26549,92 @@
           <a:lstStyle/>
           <a:p>
             <a:r>
+              <a:rPr lang="ko-KR" altLang="en-US" dirty="0" smtClean="0"/>
+              <a:t>계층적 </a:t>
+            </a:r>
+            <a:r>
               <a:rPr lang="en-US" altLang="ko-KR" dirty="0" smtClean="0"/>
               <a:t>Module </a:t>
             </a:r>
             <a:r>
               <a:rPr lang="ko-KR" altLang="en-US" dirty="0" smtClean="0"/>
-              <a:t>사용 예시 </a:t>
-            </a:r>
-            <a:r>
-              <a:rPr lang="en-US" altLang="ko-KR" dirty="0" smtClean="0"/>
-              <a:t>(</a:t>
-            </a:r>
-            <a:r>
-              <a:rPr lang="en-US" altLang="ko-KR" dirty="0" err="1" smtClean="0"/>
-              <a:t>Fibonacci.hs</a:t>
-            </a:r>
-            <a:r>
-              <a:rPr lang="en-US" altLang="ko-KR" dirty="0" smtClean="0"/>
-              <a:t>)</a:t>
-            </a:r>
-            <a:endParaRPr lang="en-US" altLang="ko-KR" dirty="0"/>
-          </a:p>
-          <a:p>
-            <a:r>
-              <a:rPr lang="en-US" altLang="ko-KR" dirty="0" smtClean="0">
-                <a:solidFill>
-                  <a:srgbClr val="00B050"/>
-                </a:solidFill>
-              </a:rPr>
-              <a:t>module Fibonacci (</a:t>
-            </a:r>
-            <a:r>
-              <a:rPr lang="en-US" altLang="ko-KR" dirty="0" err="1" smtClean="0">
-                <a:solidFill>
-                  <a:srgbClr val="00B050"/>
-                </a:solidFill>
-              </a:rPr>
-              <a:t>fibonacci</a:t>
-            </a:r>
-            <a:r>
-              <a:rPr lang="en-US" altLang="ko-KR" dirty="0" smtClean="0">
-                <a:solidFill>
-                  <a:srgbClr val="00B050"/>
-                </a:solidFill>
-              </a:rPr>
-              <a:t>) where</a:t>
+              <a:t>정의</a:t>
+            </a:r>
+            <a:endParaRPr lang="en-US" altLang="ko-KR" dirty="0" smtClean="0"/>
+          </a:p>
+          <a:p>
+            <a:r>
+              <a:rPr lang="en-US" altLang="ko-KR" dirty="0" smtClean="0"/>
+              <a:t>module </a:t>
+            </a:r>
+            <a:r>
+              <a:rPr lang="ko-KR" altLang="en-US" dirty="0" err="1" smtClean="0"/>
+              <a:t>폴더명</a:t>
+            </a:r>
+            <a:r>
+              <a:rPr lang="en-US" altLang="ko-KR" dirty="0" smtClean="0"/>
+              <a:t>.</a:t>
+            </a:r>
+            <a:r>
+              <a:rPr lang="ko-KR" altLang="en-US" dirty="0" smtClean="0"/>
+              <a:t>이름 </a:t>
+            </a:r>
+            <a:r>
+              <a:rPr lang="en-US" altLang="ko-KR" dirty="0" smtClean="0"/>
+              <a:t>where</a:t>
             </a:r>
             <a:br>
-              <a:rPr lang="en-US" altLang="ko-KR" dirty="0" smtClean="0">
-                <a:solidFill>
-                  <a:srgbClr val="00B050"/>
-                </a:solidFill>
-              </a:rPr>
+              <a:rPr lang="en-US" altLang="ko-KR" dirty="0" smtClean="0"/>
             </a:br>
             <a:r>
-              <a:rPr lang="en-US" altLang="ko-KR" dirty="0" smtClean="0">
-                <a:solidFill>
-                  <a:srgbClr val="00B050"/>
-                </a:solidFill>
-              </a:rPr>
-              <a:t>fib a b = a : (fib b (</a:t>
-            </a:r>
-            <a:r>
-              <a:rPr lang="en-US" altLang="ko-KR" dirty="0" err="1" smtClean="0">
-                <a:solidFill>
-                  <a:srgbClr val="00B050"/>
-                </a:solidFill>
-              </a:rPr>
-              <a:t>a+b</a:t>
-            </a:r>
-            <a:r>
-              <a:rPr lang="en-US" altLang="ko-KR" dirty="0" smtClean="0">
-                <a:solidFill>
-                  <a:srgbClr val="00B050"/>
-                </a:solidFill>
-              </a:rPr>
-              <a:t>))</a:t>
-            </a:r>
-            <a:br>
-              <a:rPr lang="en-US" altLang="ko-KR" dirty="0" smtClean="0">
-                <a:solidFill>
-                  <a:srgbClr val="00B050"/>
-                </a:solidFill>
-              </a:rPr>
-            </a:br>
-            <a:r>
-              <a:rPr lang="en-US" altLang="ko-KR" dirty="0" err="1" smtClean="0">
-                <a:solidFill>
-                  <a:srgbClr val="00B050"/>
-                </a:solidFill>
-              </a:rPr>
-              <a:t>fibonacci</a:t>
-            </a:r>
-            <a:r>
-              <a:rPr lang="en-US" altLang="ko-KR" dirty="0" smtClean="0">
-                <a:solidFill>
-                  <a:srgbClr val="00B050"/>
-                </a:solidFill>
-              </a:rPr>
-              <a:t> n = (fib 1 1)!!n</a:t>
+              <a:rPr lang="en-US" altLang="ko-KR" dirty="0" smtClean="0"/>
+              <a:t>…</a:t>
+            </a:r>
+          </a:p>
+          <a:p>
+            <a:pPr lvl="1"/>
+            <a:r>
+              <a:rPr lang="ko-KR" altLang="en-US" dirty="0" smtClean="0"/>
+              <a:t>여러 모듈들을 하나의 폴더 안에 묶어서 정의할 수 있다</a:t>
+            </a:r>
+            <a:r>
+              <a:rPr lang="en-US" altLang="ko-KR" dirty="0" smtClean="0"/>
+              <a:t>.</a:t>
+            </a:r>
+          </a:p>
+          <a:p>
+            <a:pPr lvl="1"/>
+            <a:r>
+              <a:rPr lang="ko-KR" altLang="en-US" dirty="0" err="1" smtClean="0"/>
+              <a:t>폴더명과</a:t>
+            </a:r>
+            <a:r>
+              <a:rPr lang="ko-KR" altLang="en-US" dirty="0" smtClean="0"/>
+              <a:t> 이름은 대문자로만 </a:t>
+            </a:r>
+            <a:r>
+              <a:rPr lang="ko-KR" altLang="en-US" dirty="0" err="1" smtClean="0"/>
+              <a:t>시작하여야하고</a:t>
+            </a:r>
+            <a:r>
+              <a:rPr lang="en-US" altLang="ko-KR" dirty="0" smtClean="0"/>
+              <a:t>, </a:t>
+            </a:r>
+            <a:r>
+              <a:rPr lang="ko-KR" altLang="en-US" dirty="0" smtClean="0"/>
+              <a:t>실제 폴더 명</a:t>
+            </a:r>
+            <a:r>
+              <a:rPr lang="en-US" altLang="ko-KR" dirty="0" smtClean="0"/>
+              <a:t>, </a:t>
+            </a:r>
+            <a:r>
+              <a:rPr lang="ko-KR" altLang="en-US" dirty="0" smtClean="0"/>
+              <a:t>파일 명과 동일해야 한다</a:t>
+            </a:r>
+            <a:r>
+              <a:rPr lang="en-US" altLang="ko-KR" dirty="0" smtClean="0"/>
+              <a:t>.</a:t>
             </a:r>
           </a:p>
         </p:txBody>
@@ -26484,7 +26642,7 @@
     </p:spTree>
     <p:extLst>
       <p:ext uri="{BB962C8B-B14F-4D97-AF65-F5344CB8AC3E}">
-        <p14:creationId xmlns:p14="http://schemas.microsoft.com/office/powerpoint/2010/main" val="316801822"/>
+        <p14:creationId xmlns:p14="http://schemas.microsoft.com/office/powerpoint/2010/main" val="2759822256"/>
       </p:ext>
     </p:extLst>
   </p:cSld>
@@ -26579,7 +26737,15 @@
             </a:r>
             <a:r>
               <a:rPr lang="en-US" altLang="ko-KR" dirty="0" smtClean="0"/>
-              <a:t>(OtherModule1.hs)</a:t>
+              <a:t>(</a:t>
+            </a:r>
+            <a:r>
+              <a:rPr lang="en-US" altLang="ko-KR" dirty="0" err="1" smtClean="0"/>
+              <a:t>Fibonacci.hs</a:t>
+            </a:r>
+            <a:r>
+              <a:rPr lang="en-US" altLang="ko-KR" dirty="0" smtClean="0"/>
+              <a:t>)</a:t>
             </a:r>
             <a:endParaRPr lang="en-US" altLang="ko-KR" dirty="0"/>
           </a:p>
@@ -26590,18 +26756,26 @@
                   <a:srgbClr val="00B050"/>
                 </a:solidFill>
               </a:rPr>
-              <a:t>module OtherModule1 where</a:t>
-            </a:r>
-            <a:r>
-              <a:rPr lang="en-US" altLang="ko-KR" dirty="0">
+              <a:t>module Fibonacci (</a:t>
+            </a:r>
+            <a:r>
+              <a:rPr lang="en-US" altLang="ko-KR" dirty="0" err="1" smtClean="0">
                 <a:solidFill>
                   <a:srgbClr val="00B050"/>
                 </a:solidFill>
               </a:rPr>
-              <a:t/>
+              <a:t>fibonacci</a:t>
+            </a:r>
+            <a:r>
+              <a:rPr lang="en-US" altLang="ko-KR" dirty="0" smtClean="0">
+                <a:solidFill>
+                  <a:srgbClr val="00B050"/>
+                </a:solidFill>
+              </a:rPr>
+              <a:t>) where</a:t>
             </a:r>
             <a:br>
-              <a:rPr lang="en-US" altLang="ko-KR" dirty="0">
+              <a:rPr lang="en-US" altLang="ko-KR" dirty="0" smtClean="0">
                 <a:solidFill>
                   <a:srgbClr val="00B050"/>
                 </a:solidFill>
@@ -26613,55 +26787,32 @@
                   <a:srgbClr val="00B050"/>
                 </a:solidFill>
               </a:rPr>
-              <a:t>import Fibonacci</a:t>
-            </a:r>
-            <a:r>
-              <a:rPr lang="en-US" altLang="ko-KR" dirty="0">
+              <a:t>fib a b = a : (fib b (</a:t>
+            </a:r>
+            <a:r>
+              <a:rPr lang="en-US" altLang="ko-KR" dirty="0" err="1" smtClean="0">
                 <a:solidFill>
                   <a:srgbClr val="00B050"/>
                 </a:solidFill>
               </a:rPr>
-              <a:t/>
+              <a:t>a+b</a:t>
+            </a:r>
+            <a:r>
+              <a:rPr lang="en-US" altLang="ko-KR" dirty="0" smtClean="0">
+                <a:solidFill>
+                  <a:srgbClr val="00B050"/>
+                </a:solidFill>
+              </a:rPr>
+              <a:t>))</a:t>
             </a:r>
             <a:br>
-              <a:rPr lang="en-US" altLang="ko-KR" dirty="0">
+              <a:rPr lang="en-US" altLang="ko-KR" dirty="0" smtClean="0">
                 <a:solidFill>
                   <a:srgbClr val="00B050"/>
                 </a:solidFill>
               </a:rPr>
             </a:br>
             <a:r>
-              <a:rPr lang="en-US" altLang="ko-KR" dirty="0">
-                <a:solidFill>
-                  <a:srgbClr val="00B050"/>
-                </a:solidFill>
-              </a:rPr>
-              <a:t/>
-            </a:r>
-            <a:br>
-              <a:rPr lang="en-US" altLang="ko-KR" dirty="0">
-                <a:solidFill>
-                  <a:srgbClr val="00B050"/>
-                </a:solidFill>
-              </a:rPr>
-            </a:br>
-            <a:r>
-              <a:rPr lang="en-US" altLang="ko-KR" dirty="0" err="1" smtClean="0">
-                <a:solidFill>
-                  <a:srgbClr val="00B050"/>
-                </a:solidFill>
-              </a:rPr>
-              <a:t>useFibonacci</a:t>
-            </a:r>
-            <a:r>
-              <a:rPr lang="en-US" altLang="ko-KR" dirty="0" smtClean="0">
-                <a:solidFill>
-                  <a:srgbClr val="00B050"/>
-                </a:solidFill>
-              </a:rPr>
-              <a:t> = </a:t>
-            </a:r>
-            <a:r>
               <a:rPr lang="en-US" altLang="ko-KR" dirty="0" err="1" smtClean="0">
                 <a:solidFill>
                   <a:srgbClr val="00B050"/>
@@ -26669,18 +26820,21 @@
               </a:rPr>
               <a:t>fibonacci</a:t>
             </a:r>
-            <a:endParaRPr lang="en-US" altLang="ko-KR" dirty="0">
-              <a:solidFill>
-                <a:srgbClr val="00B050"/>
-              </a:solidFill>
-            </a:endParaRPr>
+            <a:r>
+              <a:rPr lang="en-US" altLang="ko-KR" dirty="0" smtClean="0">
+                <a:solidFill>
+                  <a:srgbClr val="00B050"/>
+                </a:solidFill>
+              </a:rPr>
+              <a:t> n = (fib 1 1)!!n</a:t>
+            </a:r>
           </a:p>
         </p:txBody>
       </p:sp>
     </p:spTree>
     <p:extLst>
       <p:ext uri="{BB962C8B-B14F-4D97-AF65-F5344CB8AC3E}">
-        <p14:creationId xmlns:p14="http://schemas.microsoft.com/office/powerpoint/2010/main" val="3518485291"/>
+        <p14:creationId xmlns:p14="http://schemas.microsoft.com/office/powerpoint/2010/main" val="316801822"/>
       </p:ext>
     </p:extLst>
   </p:cSld>
@@ -26775,7 +26929,7 @@
             </a:r>
             <a:r>
               <a:rPr lang="en-US" altLang="ko-KR" dirty="0" smtClean="0"/>
-              <a:t>(OtherModule2.hs)</a:t>
+              <a:t>(OtherModule1.hs)</a:t>
             </a:r>
             <a:endParaRPr lang="en-US" altLang="ko-KR" dirty="0"/>
           </a:p>
@@ -26786,7 +26940,7 @@
                   <a:srgbClr val="00B050"/>
                 </a:solidFill>
               </a:rPr>
-              <a:t>module OtherModule2 where</a:t>
+              <a:t>module OtherModule1 where</a:t>
             </a:r>
             <a:r>
               <a:rPr lang="en-US" altLang="ko-KR" dirty="0">
@@ -26855,7 +27009,15 @@
                   <a:srgbClr val="00B050"/>
                 </a:solidFill>
               </a:rPr>
-              <a:t> n = (fib 1 1) !! n</a:t>
+              <a:t> = </a:t>
+            </a:r>
+            <a:r>
+              <a:rPr lang="en-US" altLang="ko-KR" dirty="0" err="1" smtClean="0">
+                <a:solidFill>
+                  <a:srgbClr val="00B050"/>
+                </a:solidFill>
+              </a:rPr>
+              <a:t>fibonacci</a:t>
             </a:r>
             <a:endParaRPr lang="en-US" altLang="ko-KR" dirty="0">
               <a:solidFill>
@@ -26868,7 +27030,7 @@
     </p:spTree>
     <p:extLst>
       <p:ext uri="{BB962C8B-B14F-4D97-AF65-F5344CB8AC3E}">
-        <p14:creationId xmlns:p14="http://schemas.microsoft.com/office/powerpoint/2010/main" val="3825858471"/>
+        <p14:creationId xmlns:p14="http://schemas.microsoft.com/office/powerpoint/2010/main" val="3518485291"/>
       </p:ext>
     </p:extLst>
   </p:cSld>
@@ -26955,31 +27117,108 @@
           <a:p>
             <a:r>
               <a:rPr lang="en-US" altLang="ko-KR" dirty="0" smtClean="0"/>
-              <a:t>Load</a:t>
-            </a:r>
-            <a:r>
-              <a:rPr lang="ko-KR" altLang="en-US" dirty="0" smtClean="0"/>
-              <a:t>해보면 </a:t>
-            </a:r>
-            <a:r>
-              <a:rPr lang="en-US" altLang="ko-KR" dirty="0" smtClean="0"/>
-              <a:t>OtherModule2</a:t>
-            </a:r>
-            <a:r>
-              <a:rPr lang="ko-KR" altLang="en-US" dirty="0" smtClean="0"/>
-              <a:t>는 에러가 발생하는 것을 확인할 수 있다</a:t>
-            </a:r>
-            <a:r>
-              <a:rPr lang="en-US" altLang="ko-KR" dirty="0" smtClean="0"/>
-              <a:t>.</a:t>
-            </a:r>
+              <a:t>Module </a:t>
+            </a:r>
+            <a:r>
+              <a:rPr lang="ko-KR" altLang="en-US" dirty="0" smtClean="0"/>
+              <a:t>사용 예시 </a:t>
+            </a:r>
+            <a:r>
+              <a:rPr lang="en-US" altLang="ko-KR" dirty="0" smtClean="0"/>
+              <a:t>(OtherModule2.hs)</a:t>
+            </a:r>
+            <a:endParaRPr lang="en-US" altLang="ko-KR" dirty="0"/>
+          </a:p>
+          <a:p>
+            <a:r>
+              <a:rPr lang="en-US" altLang="ko-KR" dirty="0" smtClean="0">
+                <a:solidFill>
+                  <a:srgbClr val="00B050"/>
+                </a:solidFill>
+              </a:rPr>
+              <a:t>module OtherModule2 where</a:t>
+            </a:r>
+            <a:r>
+              <a:rPr lang="en-US" altLang="ko-KR" dirty="0">
+                <a:solidFill>
+                  <a:srgbClr val="00B050"/>
+                </a:solidFill>
+              </a:rPr>
+              <a:t/>
+            </a:r>
+            <a:br>
+              <a:rPr lang="en-US" altLang="ko-KR" dirty="0">
+                <a:solidFill>
+                  <a:srgbClr val="00B050"/>
+                </a:solidFill>
+              </a:rPr>
+            </a:br>
+            <a:r>
+              <a:rPr lang="en-US" altLang="ko-KR" dirty="0" smtClean="0">
+                <a:solidFill>
+                  <a:srgbClr val="00B050"/>
+                </a:solidFill>
+              </a:rPr>
+              <a:t>import Fibonacci</a:t>
+            </a:r>
+            <a:r>
+              <a:rPr lang="en-US" altLang="ko-KR" dirty="0">
+                <a:solidFill>
+                  <a:srgbClr val="00B050"/>
+                </a:solidFill>
+              </a:rPr>
+              <a:t/>
+            </a:r>
+            <a:br>
+              <a:rPr lang="en-US" altLang="ko-KR" dirty="0">
+                <a:solidFill>
+                  <a:srgbClr val="00B050"/>
+                </a:solidFill>
+              </a:rPr>
+            </a:br>
+            <a:r>
+              <a:rPr lang="en-US" altLang="ko-KR" dirty="0">
+                <a:solidFill>
+                  <a:srgbClr val="00B050"/>
+                </a:solidFill>
+              </a:rPr>
+              <a:t/>
+            </a:r>
+            <a:br>
+              <a:rPr lang="en-US" altLang="ko-KR" dirty="0">
+                <a:solidFill>
+                  <a:srgbClr val="00B050"/>
+                </a:solidFill>
+              </a:rPr>
+            </a:br>
+            <a:r>
+              <a:rPr lang="en-US" altLang="ko-KR" dirty="0" err="1" smtClean="0">
+                <a:solidFill>
+                  <a:srgbClr val="00B050"/>
+                </a:solidFill>
+              </a:rPr>
+              <a:t>useFibonacci</a:t>
+            </a:r>
+            <a:r>
+              <a:rPr lang="en-US" altLang="ko-KR" dirty="0" smtClean="0">
+                <a:solidFill>
+                  <a:srgbClr val="00B050"/>
+                </a:solidFill>
+              </a:rPr>
+              <a:t> n = (fib 1 1) !! n</a:t>
+            </a:r>
+            <a:endParaRPr lang="en-US" altLang="ko-KR" dirty="0">
+              <a:solidFill>
+                <a:srgbClr val="00B050"/>
+              </a:solidFill>
+            </a:endParaRPr>
           </a:p>
         </p:txBody>
       </p:sp>
     </p:spTree>
     <p:extLst>
       <p:ext uri="{BB962C8B-B14F-4D97-AF65-F5344CB8AC3E}">
-        <p14:creationId xmlns:p14="http://schemas.microsoft.com/office/powerpoint/2010/main" val="991576276"/>
+        <p14:creationId xmlns:p14="http://schemas.microsoft.com/office/powerpoint/2010/main" val="3825858471"/>
       </p:ext>
     </p:extLst>
   </p:cSld>
@@ -27031,20 +27270,8 @@
           <a:lstStyle/>
           <a:p>
             <a:r>
-              <a:rPr lang="ko-KR" altLang="en-US" dirty="0"/>
-              <a:t>나갈 때 따로</a:t>
-            </a:r>
-            <a:r>
-              <a:rPr lang="en-US" altLang="ko-KR" dirty="0"/>
-              <a:t>, </a:t>
-            </a:r>
-            <a:r>
-              <a:rPr lang="ko-KR" altLang="en-US" dirty="0"/>
-              <a:t>들어올 때 </a:t>
-            </a:r>
-            <a:r>
-              <a:rPr lang="ko-KR" altLang="en-US" dirty="0" smtClean="0"/>
-              <a:t>따로</a:t>
+              <a:rPr lang="ko-KR" altLang="en-US" dirty="0" smtClean="0"/>
+              <a:t>조각조각 프로그래밍</a:t>
             </a:r>
             <a:r>
               <a:rPr lang="en-US" altLang="ko-KR" dirty="0" smtClean="0"/>
@@ -27055,12 +27282,9 @@
             </a:br>
             <a:r>
               <a:rPr lang="en-US" altLang="ko-KR" dirty="0" smtClean="0"/>
-              <a:t>Main </a:t>
-            </a:r>
-            <a:r>
-              <a:rPr lang="en-US" altLang="ko-KR" dirty="0"/>
-              <a:t>&amp; I/O Type</a:t>
-            </a:r>
+              <a:t>Module</a:t>
+            </a:r>
+            <a:endParaRPr lang="en-CA" dirty="0"/>
           </a:p>
         </p:txBody>
       </p:sp>
@@ -27080,30 +27304,20 @@
           <a:lstStyle/>
           <a:p>
             <a:r>
-              <a:rPr lang="ko-KR" altLang="en-US" dirty="0" smtClean="0"/>
-              <a:t>이제 컴파일해서 프로그램을 만드는 법에 대해서 알아보자</a:t>
-            </a:r>
-            <a:r>
-              <a:rPr lang="en-US" altLang="ko-KR" dirty="0" smtClean="0"/>
-              <a:t>.</a:t>
-            </a:r>
-          </a:p>
-          <a:p>
-            <a:r>
-              <a:rPr lang="en-US" altLang="ko-KR" dirty="0" smtClean="0"/>
-              <a:t>Main Module</a:t>
-            </a:r>
-            <a:r>
-              <a:rPr lang="ko-KR" altLang="en-US" dirty="0" smtClean="0"/>
-              <a:t>과 </a:t>
-            </a:r>
-            <a:r>
-              <a:rPr lang="en-US" altLang="ko-KR" dirty="0" smtClean="0"/>
-              <a:t>main</a:t>
-            </a:r>
-            <a:r>
-              <a:rPr lang="ko-KR" altLang="en-US" dirty="0" smtClean="0"/>
-              <a:t>함수에 의해서 프로그램을 만들 수 있다</a:t>
+              <a:rPr lang="en-US" altLang="ko-KR" dirty="0" smtClean="0"/>
+              <a:t>Load</a:t>
+            </a:r>
+            <a:r>
+              <a:rPr lang="ko-KR" altLang="en-US" dirty="0" smtClean="0"/>
+              <a:t>해보면 </a:t>
+            </a:r>
+            <a:r>
+              <a:rPr lang="en-US" altLang="ko-KR" dirty="0" smtClean="0"/>
+              <a:t>OtherModule2</a:t>
+            </a:r>
+            <a:r>
+              <a:rPr lang="ko-KR" altLang="en-US" dirty="0" smtClean="0"/>
+              <a:t>는 에러가 발생하는 것을 확인할 수 있다</a:t>
             </a:r>
             <a:r>
               <a:rPr lang="en-US" altLang="ko-KR" dirty="0" smtClean="0"/>
@@ -27115,7 +27329,7 @@
     </p:spTree>
     <p:extLst>
       <p:ext uri="{BB962C8B-B14F-4D97-AF65-F5344CB8AC3E}">
-        <p14:creationId xmlns:p14="http://schemas.microsoft.com/office/powerpoint/2010/main" val="1869553940"/>
+        <p14:creationId xmlns:p14="http://schemas.microsoft.com/office/powerpoint/2010/main" val="991576276"/>
       </p:ext>
     </p:extLst>
   </p:cSld>
@@ -27217,42 +27431,41 @@
           <a:p>
             <a:r>
               <a:rPr lang="ko-KR" altLang="en-US" dirty="0" smtClean="0"/>
-              <a:t>적당한 파일</a:t>
-            </a:r>
-            <a:r>
-              <a:rPr lang="en-US" altLang="ko-KR" dirty="0" smtClean="0"/>
-              <a:t>(</a:t>
-            </a:r>
-            <a:r>
-              <a:rPr lang="en-US" altLang="ko-KR" dirty="0" err="1" smtClean="0"/>
-              <a:t>HelloWorld.hs</a:t>
-            </a:r>
-            <a:r>
-              <a:rPr lang="en-US" altLang="ko-KR" dirty="0" smtClean="0"/>
-              <a:t>)</a:t>
-            </a:r>
-            <a:r>
-              <a:rPr lang="ko-KR" altLang="en-US" dirty="0" smtClean="0"/>
-              <a:t>을 하나 만들자</a:t>
+              <a:t>이제 컴파일해서 프로그램을 만드는 법에 대해서 알아보자</a:t>
             </a:r>
             <a:r>
               <a:rPr lang="en-US" altLang="ko-KR" dirty="0" smtClean="0"/>
               <a:t>.</a:t>
             </a:r>
-            <a:br>
-              <a:rPr lang="en-US" altLang="ko-KR" dirty="0" smtClean="0"/>
-            </a:br>
-            <a:endParaRPr lang="en-US" altLang="ko-KR" dirty="0" smtClean="0"/>
-          </a:p>
-          <a:p>
-            <a:endParaRPr lang="en-US" altLang="ko-KR" dirty="0"/>
+          </a:p>
+          <a:p>
+            <a:r>
+              <a:rPr lang="en-US" altLang="ko-KR" dirty="0" smtClean="0"/>
+              <a:t>Main Module</a:t>
+            </a:r>
+            <a:r>
+              <a:rPr lang="ko-KR" altLang="en-US" dirty="0" smtClean="0"/>
+              <a:t>과 </a:t>
+            </a:r>
+            <a:r>
+              <a:rPr lang="en-US" altLang="ko-KR" dirty="0" smtClean="0"/>
+              <a:t>main</a:t>
+            </a:r>
+            <a:r>
+              <a:rPr lang="ko-KR" altLang="en-US" dirty="0" smtClean="0"/>
+              <a:t>함수에 의해서 프로그램을 만들 수 있다</a:t>
+            </a:r>
+            <a:r>
+              <a:rPr lang="en-US" altLang="ko-KR" dirty="0" smtClean="0"/>
+              <a:t>.</a:t>
+            </a:r>
           </a:p>
         </p:txBody>
       </p:sp>
     </p:spTree>
     <p:extLst>
       <p:ext uri="{BB962C8B-B14F-4D97-AF65-F5344CB8AC3E}">
-        <p14:creationId xmlns:p14="http://schemas.microsoft.com/office/powerpoint/2010/main" val="624208063"/>
+        <p14:creationId xmlns:p14="http://schemas.microsoft.com/office/powerpoint/2010/main" val="1869553940"/>
       </p:ext>
     </p:extLst>
   </p:cSld>
@@ -27354,37 +27567,34 @@
           <a:p>
             <a:r>
               <a:rPr lang="ko-KR" altLang="en-US" dirty="0" smtClean="0"/>
-              <a:t>우선 </a:t>
-            </a:r>
-            <a:r>
-              <a:rPr lang="en-US" altLang="ko-KR" dirty="0" smtClean="0"/>
-              <a:t>Main module</a:t>
-            </a:r>
-            <a:r>
-              <a:rPr lang="ko-KR" altLang="en-US" dirty="0" smtClean="0"/>
-              <a:t>이 있어야한다</a:t>
+              <a:t>적당한 파일</a:t>
+            </a:r>
+            <a:r>
+              <a:rPr lang="en-US" altLang="ko-KR" dirty="0" smtClean="0"/>
+              <a:t>(</a:t>
+            </a:r>
+            <a:r>
+              <a:rPr lang="en-US" altLang="ko-KR" dirty="0" err="1" smtClean="0"/>
+              <a:t>HelloWorld.hs</a:t>
+            </a:r>
+            <a:r>
+              <a:rPr lang="en-US" altLang="ko-KR" dirty="0" smtClean="0"/>
+              <a:t>)</a:t>
+            </a:r>
+            <a:r>
+              <a:rPr lang="ko-KR" altLang="en-US" dirty="0" smtClean="0"/>
+              <a:t>을 하나 만들자</a:t>
             </a:r>
             <a:r>
               <a:rPr lang="en-US" altLang="ko-KR" dirty="0" smtClean="0"/>
               <a:t>.</a:t>
             </a:r>
-          </a:p>
-          <a:p>
-            <a:r>
-              <a:rPr lang="en-US" altLang="ko-KR" dirty="0" smtClean="0">
-                <a:solidFill>
-                  <a:srgbClr val="00B050"/>
-                </a:solidFill>
-              </a:rPr>
-              <a:t>module Main where</a:t>
-            </a:r>
-            <a:r>
-              <a:rPr lang="en-US" altLang="ko-KR" dirty="0" smtClean="0"/>
-              <a:t/>
-            </a:r>
             <a:br>
               <a:rPr lang="en-US" altLang="ko-KR" dirty="0" smtClean="0"/>
             </a:br>
+            <a:endParaRPr lang="en-US" altLang="ko-KR" dirty="0" smtClean="0"/>
+          </a:p>
+          <a:p>
             <a:endParaRPr lang="en-US" altLang="ko-KR" dirty="0"/>
           </a:p>
         </p:txBody>
@@ -27392,7 +27602,7 @@
     </p:spTree>
     <p:extLst>
       <p:ext uri="{BB962C8B-B14F-4D97-AF65-F5344CB8AC3E}">
-        <p14:creationId xmlns:p14="http://schemas.microsoft.com/office/powerpoint/2010/main" val="946614346"/>
+        <p14:creationId xmlns:p14="http://schemas.microsoft.com/office/powerpoint/2010/main" val="624208063"/>
       </p:ext>
     </p:extLst>
   </p:cSld>
@@ -27493,20 +27703,16 @@
           <a:lstStyle/>
           <a:p>
             <a:r>
-              <a:rPr lang="en-US" altLang="ko-KR" dirty="0" smtClean="0"/>
-              <a:t>Module </a:t>
-            </a:r>
-            <a:r>
-              <a:rPr lang="ko-KR" altLang="en-US" dirty="0" smtClean="0"/>
-              <a:t>안에 </a:t>
-            </a:r>
-            <a:r>
-              <a:rPr lang="en-US" altLang="ko-KR" dirty="0" smtClean="0"/>
-              <a:t>main</a:t>
-            </a:r>
-            <a:r>
-              <a:rPr lang="ko-KR" altLang="en-US" dirty="0" smtClean="0"/>
-              <a:t>이라는 녀석의 정의가 있어야 한다</a:t>
+              <a:rPr lang="ko-KR" altLang="en-US" dirty="0" smtClean="0"/>
+              <a:t>우선 </a:t>
+            </a:r>
+            <a:r>
+              <a:rPr lang="en-US" altLang="ko-KR" dirty="0" smtClean="0"/>
+              <a:t>Main module</a:t>
+            </a:r>
+            <a:r>
+              <a:rPr lang="ko-KR" altLang="en-US" dirty="0" smtClean="0"/>
+              <a:t>이 있어야한다</a:t>
             </a:r>
             <a:r>
               <a:rPr lang="en-US" altLang="ko-KR" dirty="0" smtClean="0"/>
@@ -27522,49 +27728,21 @@
               </a:rPr>
               <a:t>module Main where</a:t>
             </a:r>
+            <a:r>
+              <a:rPr lang="en-US" altLang="ko-KR" dirty="0" smtClean="0"/>
+              <a:t/>
+            </a:r>
             <a:br>
-              <a:rPr lang="en-US" altLang="ko-KR" dirty="0" smtClean="0">
-                <a:solidFill>
-                  <a:srgbClr val="00B050"/>
-                </a:solidFill>
-              </a:rPr>
+              <a:rPr lang="en-US" altLang="ko-KR" dirty="0" smtClean="0"/>
             </a:br>
-            <a:r>
-              <a:rPr lang="en-US" altLang="ko-KR" dirty="0" smtClean="0">
-                <a:solidFill>
-                  <a:srgbClr val="00B050"/>
-                </a:solidFill>
-              </a:rPr>
-              <a:t>main = </a:t>
-            </a:r>
-            <a:r>
-              <a:rPr lang="en-US" altLang="ko-KR" dirty="0" err="1" smtClean="0">
-                <a:solidFill>
-                  <a:srgbClr val="00B050"/>
-                </a:solidFill>
-              </a:rPr>
-              <a:t>putStrLn</a:t>
-            </a:r>
-            <a:r>
-              <a:rPr lang="en-US" altLang="ko-KR" dirty="0" smtClean="0">
-                <a:solidFill>
-                  <a:srgbClr val="00B050"/>
-                </a:solidFill>
-              </a:rPr>
-              <a:t> “hello world!”</a:t>
-            </a:r>
-            <a:endParaRPr lang="en-US" altLang="ko-KR" dirty="0">
-              <a:solidFill>
-                <a:srgbClr val="00B050"/>
-              </a:solidFill>
-            </a:endParaRPr>
+            <a:endParaRPr lang="en-US" altLang="ko-KR" dirty="0"/>
           </a:p>
         </p:txBody>
       </p:sp>
     </p:spTree>
     <p:extLst>
       <p:ext uri="{BB962C8B-B14F-4D97-AF65-F5344CB8AC3E}">
-        <p14:creationId xmlns:p14="http://schemas.microsoft.com/office/powerpoint/2010/main" val="3457752192"/>
+        <p14:creationId xmlns:p14="http://schemas.microsoft.com/office/powerpoint/2010/main" val="946614346"/>
       </p:ext>
     </p:extLst>
   </p:cSld>
